--- a/01.Intro/1. Python Basics.pptx
+++ b/01.Intro/1. Python Basics.pptx
@@ -5,7 +5,7 @@
     <p:sldMasterId id="2147483659" r:id="rId1"/>
   </p:sldMasterIdLst>
   <p:notesMasterIdLst>
-    <p:notesMasterId r:id="rId44"/>
+    <p:notesMasterId r:id="rId27"/>
   </p:notesMasterIdLst>
   <p:sldIdLst>
     <p:sldId id="256" r:id="rId2"/>
@@ -33,54 +33,37 @@
     <p:sldId id="283" r:id="rId24"/>
     <p:sldId id="275" r:id="rId25"/>
     <p:sldId id="281" r:id="rId26"/>
-    <p:sldId id="280" r:id="rId27"/>
-    <p:sldId id="284" r:id="rId28"/>
-    <p:sldId id="285" r:id="rId29"/>
-    <p:sldId id="286" r:id="rId30"/>
-    <p:sldId id="287" r:id="rId31"/>
-    <p:sldId id="288" r:id="rId32"/>
-    <p:sldId id="289" r:id="rId33"/>
-    <p:sldId id="292" r:id="rId34"/>
-    <p:sldId id="294" r:id="rId35"/>
-    <p:sldId id="296" r:id="rId36"/>
-    <p:sldId id="297" r:id="rId37"/>
-    <p:sldId id="298" r:id="rId38"/>
-    <p:sldId id="299" r:id="rId39"/>
-    <p:sldId id="300" r:id="rId40"/>
-    <p:sldId id="301" r:id="rId41"/>
-    <p:sldId id="302" r:id="rId42"/>
-    <p:sldId id="303" r:id="rId43"/>
   </p:sldIdLst>
   <p:sldSz cx="9144000" cy="5143500" type="screen16x9"/>
   <p:notesSz cx="6858000" cy="9144000"/>
   <p:embeddedFontLst>
     <p:embeddedFont>
-      <p:font typeface="Open Sans" charset="0"/>
-      <p:regular r:id="rId45"/>
-      <p:bold r:id="rId46"/>
-      <p:italic r:id="rId47"/>
-      <p:boldItalic r:id="rId48"/>
+      <p:font typeface="Lato" panose="020B0604020202020204" charset="0"/>
+      <p:regular r:id="rId28"/>
+      <p:bold r:id="rId29"/>
+      <p:italic r:id="rId30"/>
+      <p:boldItalic r:id="rId31"/>
     </p:embeddedFont>
     <p:embeddedFont>
-      <p:font typeface="Raleway" charset="0"/>
-      <p:regular r:id="rId49"/>
-      <p:bold r:id="rId50"/>
-      <p:italic r:id="rId51"/>
-      <p:boldItalic r:id="rId52"/>
+      <p:font typeface="Open Sans" panose="020B0604020202020204" charset="0"/>
+      <p:regular r:id="rId32"/>
+      <p:bold r:id="rId33"/>
+      <p:italic r:id="rId34"/>
+      <p:boldItalic r:id="rId35"/>
     </p:embeddedFont>
     <p:embeddedFont>
-      <p:font typeface="Lato" charset="0"/>
-      <p:regular r:id="rId53"/>
-      <p:bold r:id="rId54"/>
-      <p:italic r:id="rId55"/>
-      <p:boldItalic r:id="rId56"/>
+      <p:font typeface="Raleway" panose="020B0003030101060003" pitchFamily="34" charset="0"/>
+      <p:regular r:id="rId36"/>
+      <p:bold r:id="rId37"/>
+      <p:italic r:id="rId38"/>
+      <p:boldItalic r:id="rId39"/>
     </p:embeddedFont>
     <p:embeddedFont>
-      <p:font typeface="Trebuchet MS" pitchFamily="34" charset="0"/>
-      <p:regular r:id="rId57"/>
-      <p:bold r:id="rId58"/>
-      <p:italic r:id="rId59"/>
-      <p:boldItalic r:id="rId60"/>
+      <p:font typeface="Trebuchet MS" panose="020B0603020202020204" pitchFamily="34" charset="0"/>
+      <p:regular r:id="rId40"/>
+      <p:bold r:id="rId41"/>
+      <p:italic r:id="rId42"/>
+      <p:boldItalic r:id="rId43"/>
     </p:embeddedFont>
   </p:embeddedFontLst>
   <p:defaultTextStyle>
@@ -314,7 +297,7 @@
   </p:defaultTextStyle>
   <p:extLst>
     <p:ext uri="{EFAFB233-063F-42B5-8137-9DF3F51BA10A}">
-      <p15:sldGuideLst xmlns="" xmlns:mc="http://schemas.openxmlformats.org/markup-compatibility/2006" xmlns:mv="urn:schemas-microsoft-com:mac:vml" xmlns:c="http://schemas.openxmlformats.org/drawingml/2006/chart" xmlns:dgm="http://schemas.openxmlformats.org/drawingml/2006/diagram" xmlns:o="urn:schemas-microsoft-com:office:office" xmlns:v="urn:schemas-microsoft-com:vml" xmlns:pvml="urn:schemas-microsoft-com:office:powerpoint" xmlns:com="http://schemas.openxmlformats.org/drawingml/2006/compatibility" xmlns:p14="http://schemas.microsoft.com/office/powerpoint/2010/main" xmlns:p15="http://schemas.microsoft.com/office/powerpoint/2012/main">
+      <p15:sldGuideLst xmlns:p15="http://schemas.microsoft.com/office/powerpoint/2012/main">
         <p15:guide id="1" orient="horz" pos="1620">
           <p15:clr>
             <a:srgbClr val="A4A3A4"/>
@@ -8790,16 +8773,7 @@
                 <a:cs typeface="Open Sans"/>
                 <a:sym typeface="Open Sans"/>
               </a:rPr>
-              <a:t>Python </a:t>
-            </a:r>
-            <a:r>
-              <a:rPr lang="en" dirty="0" smtClean="0">
-                <a:latin typeface="Open Sans"/>
-                <a:ea typeface="Open Sans"/>
-                <a:cs typeface="Open Sans"/>
-                <a:sym typeface="Open Sans"/>
-              </a:rPr>
-              <a:t>Programming</a:t>
+              <a:t>Python Programming</a:t>
             </a:r>
             <a:endParaRPr>
               <a:latin typeface="Open Sans"/>
@@ -8893,13 +8867,6 @@
   <p:clrMapOvr>
     <a:masterClrMapping/>
   </p:clrMapOvr>
-  <p:timing>
-    <p:tnLst>
-      <p:par>
-        <p:cTn id="1" dur="indefinite" restart="never" nodeType="tmRoot"/>
-      </p:par>
-    </p:tnLst>
-  </p:timing>
 </p:sld>
 </file>
 
@@ -8936,10 +8903,9 @@
           <a:lstStyle/>
           <a:p>
             <a:r>
-              <a:rPr lang="en-IN" dirty="0" smtClean="0"/>
+              <a:rPr lang="en-IN" dirty="0"/>
               <a:t>Installing Python </a:t>
             </a:r>
-            <a:endParaRPr lang="en-IN" dirty="0"/>
           </a:p>
         </p:txBody>
       </p:sp>
@@ -8964,69 +8930,69 @@
           <a:lstStyle/>
           <a:p>
             <a:r>
-              <a:rPr lang="en-IN" dirty="0" err="1" smtClean="0"/>
+              <a:rPr lang="en-IN" dirty="0" err="1"/>
               <a:t>Goto</a:t>
             </a:r>
             <a:r>
-              <a:rPr lang="en-IN" dirty="0" smtClean="0"/>
+              <a:rPr lang="en-IN" dirty="0"/>
               <a:t> </a:t>
             </a:r>
             <a:r>
-              <a:rPr lang="en-IN" dirty="0" smtClean="0">
+              <a:rPr lang="en-IN" dirty="0">
                 <a:hlinkClick r:id="rId2"/>
               </a:rPr>
               <a:t>www.python.org/downloads</a:t>
             </a:r>
             <a:r>
-              <a:rPr lang="en-IN" dirty="0" smtClean="0"/>
+              <a:rPr lang="en-IN" dirty="0"/>
               <a:t> </a:t>
             </a:r>
           </a:p>
           <a:p>
-            <a:endParaRPr lang="en-IN" dirty="0" smtClean="0"/>
+            <a:endParaRPr lang="en-IN" dirty="0"/>
           </a:p>
           <a:p>
             <a:r>
-              <a:rPr lang="en-IN" dirty="0" smtClean="0"/>
+              <a:rPr lang="en-IN" dirty="0"/>
               <a:t>Download  </a:t>
             </a:r>
             <a:r>
-              <a:rPr lang="en-IN" b="1" dirty="0" smtClean="0"/>
+              <a:rPr lang="en-IN" b="1" dirty="0"/>
               <a:t>Version 3.5 </a:t>
             </a:r>
             <a:r>
-              <a:rPr lang="en-IN" dirty="0" smtClean="0"/>
+              <a:rPr lang="en-IN" dirty="0"/>
               <a:t>if your Operating System is (Windows 7 / XP)</a:t>
             </a:r>
           </a:p>
           <a:p>
-            <a:endParaRPr lang="en-IN" dirty="0" smtClean="0"/>
+            <a:endParaRPr lang="en-IN" dirty="0"/>
           </a:p>
           <a:p>
             <a:r>
-              <a:rPr lang="en-IN" dirty="0" smtClean="0"/>
+              <a:rPr lang="en-IN" dirty="0"/>
               <a:t>Download Latest Release if your Os in Windows 8 / 8.1 / 10</a:t>
             </a:r>
           </a:p>
           <a:p>
-            <a:endParaRPr lang="en-IN" dirty="0" smtClean="0"/>
+            <a:endParaRPr lang="en-IN" dirty="0"/>
           </a:p>
           <a:p>
             <a:r>
-              <a:rPr lang="en-IN" dirty="0" smtClean="0"/>
+              <a:rPr lang="en-IN" dirty="0"/>
               <a:t>In Linux / </a:t>
             </a:r>
             <a:r>
-              <a:rPr lang="en-IN" dirty="0" err="1" smtClean="0"/>
+              <a:rPr lang="en-IN" dirty="0" err="1"/>
               <a:t>MacOS</a:t>
             </a:r>
             <a:r>
-              <a:rPr lang="en-IN" dirty="0" smtClean="0"/>
+              <a:rPr lang="en-IN" dirty="0"/>
               <a:t> Version 2.7 is already installed</a:t>
             </a:r>
           </a:p>
           <a:p>
-            <a:endParaRPr lang="en-IN" dirty="0" smtClean="0"/>
+            <a:endParaRPr lang="en-IN" dirty="0"/>
           </a:p>
           <a:p>
             <a:endParaRPr lang="en-IN" dirty="0"/>
@@ -9038,13 +9004,6 @@
   <p:clrMapOvr>
     <a:masterClrMapping/>
   </p:clrMapOvr>
-  <p:timing>
-    <p:tnLst>
-      <p:par>
-        <p:cTn id="1" dur="indefinite" restart="never" nodeType="tmRoot"/>
-      </p:par>
-    </p:tnLst>
-  </p:timing>
 </p:sld>
 </file>
 
@@ -9155,7 +9114,7 @@
               <a:buNone/>
             </a:pPr>
             <a:r>
-              <a:rPr lang="en" sz="1200" dirty="0" smtClean="0">
+              <a:rPr lang="en" sz="1200" dirty="0">
                 <a:solidFill>
                   <a:srgbClr val="000000"/>
                 </a:solidFill>
@@ -9164,33 +9123,9 @@
                 <a:cs typeface="Open Sans"/>
                 <a:sym typeface="Open Sans"/>
               </a:rPr>
-              <a:t>To </a:t>
+              <a:t>To add the Python directory to the path for a particular session in Unix −</a:t>
             </a:r>
-            <a:r>
-              <a:rPr lang="en" sz="1200" dirty="0">
-                <a:solidFill>
-                  <a:srgbClr val="000000"/>
-                </a:solidFill>
-                <a:latin typeface="Open Sans"/>
-                <a:ea typeface="Open Sans"/>
-                <a:cs typeface="Open Sans"/>
-                <a:sym typeface="Open Sans"/>
-              </a:rPr>
-              <a:t>add the Python directory to the path for a particular session in Unix </a:t>
-            </a:r>
-            <a:r>
-              <a:rPr lang="en" sz="1200" dirty="0" smtClean="0">
-                <a:solidFill>
-                  <a:srgbClr val="000000"/>
-                </a:solidFill>
-                <a:latin typeface="Open Sans"/>
-                <a:ea typeface="Open Sans"/>
-                <a:cs typeface="Open Sans"/>
-                <a:sym typeface="Open Sans"/>
-              </a:rPr>
-              <a:t>−</a:t>
-            </a:r>
-            <a:endParaRPr lang="en" sz="1150" dirty="0" smtClean="0">
+            <a:endParaRPr lang="en" sz="1150" dirty="0">
               <a:solidFill>
                 <a:srgbClr val="000000"/>
               </a:solidFill>
@@ -9216,7 +9151,7 @@
               <a:buChar char="●"/>
             </a:pPr>
             <a:r>
-              <a:rPr lang="en" sz="1150" dirty="0" smtClean="0">
+              <a:rPr lang="en" sz="1150" dirty="0">
                 <a:solidFill>
                   <a:srgbClr val="000000"/>
                 </a:solidFill>
@@ -9225,19 +9160,7 @@
                 <a:cs typeface="Open Sans"/>
                 <a:sym typeface="Open Sans"/>
               </a:rPr>
-              <a:t>In </a:t>
-            </a:r>
-            <a:r>
-              <a:rPr lang="en" sz="1150" dirty="0">
-                <a:solidFill>
-                  <a:srgbClr val="000000"/>
-                </a:solidFill>
-                <a:latin typeface="Open Sans"/>
-                <a:ea typeface="Open Sans"/>
-                <a:cs typeface="Open Sans"/>
-                <a:sym typeface="Open Sans"/>
-              </a:rPr>
-              <a:t>the csh shell − type setenv PATH "$PATH:/usr/local/bin/python" and press Enter.</a:t>
+              <a:t>In the csh shell − type setenv PATH "$PATH:/usr/local/bin/python" and press Enter.</a:t>
             </a:r>
             <a:endParaRPr sz="1150">
               <a:solidFill>
@@ -9393,13 +9316,6 @@
   <p:clrMapOvr>
     <a:masterClrMapping/>
   </p:clrMapOvr>
-  <p:timing>
-    <p:tnLst>
-      <p:par>
-        <p:cTn id="1" dur="indefinite" restart="never" nodeType="tmRoot"/>
-      </p:par>
-    </p:tnLst>
-  </p:timing>
 </p:sld>
 </file>
 
@@ -9455,7 +9371,7 @@
               <a:buNone/>
             </a:pPr>
             <a:r>
-              <a:rPr lang="en-IN" dirty="0" smtClean="0"/>
+              <a:rPr lang="en-IN" dirty="0"/>
               <a:t>Choose Your Editor</a:t>
             </a:r>
             <a:endParaRPr/>
@@ -9497,7 +9413,7 @@
               <a:buNone/>
             </a:pPr>
             <a:r>
-              <a:rPr lang="en-IN" dirty="0" smtClean="0">
+              <a:rPr lang="en-IN" dirty="0">
                 <a:solidFill>
                   <a:srgbClr val="00B050"/>
                 </a:solidFill>
@@ -9505,7 +9421,7 @@
               <a:t>Visual Studio Code =&gt; </a:t>
             </a:r>
             <a:r>
-              <a:rPr lang="en-IN" dirty="0" smtClean="0">
+              <a:rPr lang="en-IN" dirty="0">
                 <a:solidFill>
                   <a:srgbClr val="00B050"/>
                 </a:solidFill>
@@ -9513,7 +9429,7 @@
               </a:rPr>
               <a:t>http://code.visualstudio.com</a:t>
             </a:r>
-            <a:endParaRPr lang="en-IN" dirty="0" smtClean="0">
+            <a:endParaRPr lang="en-IN" dirty="0">
               <a:solidFill>
                 <a:srgbClr val="00B050"/>
               </a:solidFill>
@@ -9527,20 +9443,20 @@
               <a:buNone/>
             </a:pPr>
             <a:r>
-              <a:rPr lang="en-IN" dirty="0" err="1" smtClean="0"/>
+              <a:rPr lang="en-IN" dirty="0" err="1"/>
               <a:t>PyCharm</a:t>
             </a:r>
             <a:r>
-              <a:rPr lang="en-IN" dirty="0" smtClean="0"/>
+              <a:rPr lang="en-IN" dirty="0"/>
               <a:t> =&gt; </a:t>
             </a:r>
             <a:r>
-              <a:rPr lang="en-IN" dirty="0" smtClean="0">
+              <a:rPr lang="en-IN" dirty="0">
                 <a:hlinkClick r:id="rId4"/>
               </a:rPr>
               <a:t>https://www.jetbrains.com/pycharm/</a:t>
             </a:r>
-            <a:endParaRPr lang="en-IN" dirty="0" smtClean="0"/>
+            <a:endParaRPr lang="en-IN" dirty="0"/>
           </a:p>
           <a:p>
             <a:pPr marL="0" lvl="0" indent="0" algn="l" rtl="0">
@@ -9553,7 +9469,7 @@
               <a:buNone/>
             </a:pPr>
             <a:r>
-              <a:rPr lang="en-IN" dirty="0" smtClean="0">
+              <a:rPr lang="en-IN" dirty="0">
                 <a:solidFill>
                   <a:schemeClr val="bg2"/>
                 </a:solidFill>
@@ -9561,7 +9477,7 @@
               <a:t>Python (IDLE Bundled with Python </a:t>
             </a:r>
             <a:r>
-              <a:rPr lang="en-IN" dirty="0" err="1" smtClean="0">
+              <a:rPr lang="en-IN" dirty="0" err="1">
                 <a:solidFill>
                   <a:schemeClr val="bg2"/>
                 </a:solidFill>
@@ -9569,7 +9485,7 @@
               <a:t>Installler</a:t>
             </a:r>
             <a:r>
-              <a:rPr lang="en-IN" dirty="0" smtClean="0">
+              <a:rPr lang="en-IN" dirty="0">
                 <a:solidFill>
                   <a:schemeClr val="bg2"/>
                 </a:solidFill>
@@ -9588,7 +9504,7 @@
               <a:buNone/>
             </a:pPr>
             <a:r>
-              <a:rPr lang="en-IN" dirty="0" smtClean="0">
+              <a:rPr lang="en-IN" dirty="0">
                 <a:solidFill>
                   <a:schemeClr val="accent3"/>
                 </a:solidFill>
@@ -9608,13 +9524,6 @@
   <p:clrMapOvr>
     <a:masterClrMapping/>
   </p:clrMapOvr>
-  <p:timing>
-    <p:tnLst>
-      <p:par>
-        <p:cTn id="1" dur="indefinite" restart="never" nodeType="tmRoot"/>
-      </p:par>
-    </p:tnLst>
-  </p:timing>
 </p:sld>
 </file>
 
@@ -9656,10 +9565,9 @@
           <a:lstStyle/>
           <a:p>
             <a:r>
-              <a:rPr lang="en-IN" dirty="0" smtClean="0"/>
+              <a:rPr lang="en-IN" dirty="0"/>
               <a:t>Get  Set  Go </a:t>
             </a:r>
-            <a:endParaRPr lang="en-IN" dirty="0"/>
           </a:p>
         </p:txBody>
       </p:sp>
@@ -9875,13 +9783,6 @@
   <p:clrMapOvr>
     <a:masterClrMapping/>
   </p:clrMapOvr>
-  <p:timing>
-    <p:tnLst>
-      <p:par>
-        <p:cTn id="1" dur="indefinite" restart="never" nodeType="tmRoot"/>
-      </p:par>
-    </p:tnLst>
-  </p:timing>
 </p:sld>
 </file>
 
@@ -9918,10 +9819,9 @@
           <a:lstStyle/>
           <a:p>
             <a:r>
-              <a:rPr lang="en-IN" dirty="0" smtClean="0"/>
+              <a:rPr lang="en-IN" dirty="0"/>
               <a:t>2 Ways to Interact with Python</a:t>
             </a:r>
-            <a:endParaRPr lang="en-IN" dirty="0"/>
           </a:p>
         </p:txBody>
       </p:sp>
@@ -9944,8 +9844,20 @@
                 <a:tableStyleId>{5C22544A-7EE6-4342-B048-85BDC9FD1C3A}</a:tableStyleId>
               </a:tblPr>
               <a:tblGrid>
-                <a:gridCol w="3707028"/>
-                <a:gridCol w="3707028"/>
+                <a:gridCol w="3707028">
+                  <a:extLst>
+                    <a:ext uri="{9D8B030D-6E8A-4147-A177-3AD203B41FA5}">
+                      <a16:colId xmlns:a16="http://schemas.microsoft.com/office/drawing/2014/main" val="20000"/>
+                    </a:ext>
+                  </a:extLst>
+                </a:gridCol>
+                <a:gridCol w="3707028">
+                  <a:extLst>
+                    <a:ext uri="{9D8B030D-6E8A-4147-A177-3AD203B41FA5}">
+                      <a16:colId xmlns:a16="http://schemas.microsoft.com/office/drawing/2014/main" val="20001"/>
+                    </a:ext>
+                  </a:extLst>
+                </a:gridCol>
               </a:tblGrid>
               <a:tr h="609219">
                 <a:tc>
@@ -9955,10 +9867,9 @@
                     <a:p>
                       <a:pPr algn="ctr"/>
                       <a:r>
-                        <a:rPr lang="en-IN" dirty="0" smtClean="0"/>
+                        <a:rPr lang="en-IN" dirty="0"/>
                         <a:t>Interactive Mode</a:t>
                       </a:r>
-                      <a:endParaRPr lang="en-IN" dirty="0"/>
                     </a:p>
                   </a:txBody>
                   <a:tcPr/>
@@ -9970,11 +9881,11 @@
                     <a:p>
                       <a:pPr algn="ctr"/>
                       <a:r>
-                        <a:rPr lang="en-IN" dirty="0" smtClean="0"/>
+                        <a:rPr lang="en-IN" dirty="0"/>
                         <a:t>Normal</a:t>
                       </a:r>
                       <a:r>
-                        <a:rPr lang="en-IN" baseline="0" dirty="0" smtClean="0"/>
+                        <a:rPr lang="en-IN" baseline="0" dirty="0"/>
                         <a:t> Mode</a:t>
                       </a:r>
                       <a:endParaRPr lang="en-IN" dirty="0"/>
@@ -9982,6 +9893,11 @@
                   </a:txBody>
                   <a:tcPr/>
                 </a:tc>
+                <a:extLst>
+                  <a:ext uri="{0D108BD9-81ED-4DB2-BD59-A6C34878D82A}">
+                    <a16:rowId xmlns:a16="http://schemas.microsoft.com/office/drawing/2014/main" val="10000"/>
+                  </a:ext>
+                </a:extLst>
               </a:tr>
               <a:tr h="1305907">
                 <a:tc>
@@ -9991,11 +9907,11 @@
                     <a:p>
                       <a:pPr algn="ctr"/>
                       <a:r>
-                        <a:rPr lang="en-IN" dirty="0" smtClean="0"/>
+                        <a:rPr lang="en-IN" dirty="0"/>
                         <a:t>Take</a:t>
                       </a:r>
                       <a:r>
-                        <a:rPr lang="en-IN" baseline="0" dirty="0" smtClean="0"/>
+                        <a:rPr lang="en-IN" baseline="0" dirty="0"/>
                         <a:t> Single User Input, Evaluates them and returns to the User</a:t>
                       </a:r>
                       <a:endParaRPr lang="en-IN" dirty="0"/>
@@ -10010,11 +9926,11 @@
                     <a:p>
                       <a:pPr algn="ctr"/>
                       <a:r>
-                        <a:rPr lang="en-IN" dirty="0" smtClean="0"/>
+                        <a:rPr lang="en-IN" dirty="0"/>
                         <a:t>Executes</a:t>
                       </a:r>
                       <a:r>
-                        <a:rPr lang="en-IN" baseline="0" dirty="0" smtClean="0"/>
+                        <a:rPr lang="en-IN" baseline="0" dirty="0"/>
                         <a:t> a Python script on Command Line</a:t>
                       </a:r>
                       <a:endParaRPr lang="en-IN" dirty="0"/>
@@ -10022,6 +9938,11 @@
                   </a:txBody>
                   <a:tcPr/>
                 </a:tc>
+                <a:extLst>
+                  <a:ext uri="{0D108BD9-81ED-4DB2-BD59-A6C34878D82A}">
+                    <a16:rowId xmlns:a16="http://schemas.microsoft.com/office/drawing/2014/main" val="10001"/>
+                  </a:ext>
+                </a:extLst>
               </a:tr>
             </a:tbl>
           </a:graphicData>
@@ -10032,13 +9953,6 @@
   <p:clrMapOvr>
     <a:masterClrMapping/>
   </p:clrMapOvr>
-  <p:timing>
-    <p:tnLst>
-      <p:par>
-        <p:cTn id="1" dur="indefinite" restart="never" nodeType="tmRoot"/>
-      </p:par>
-    </p:tnLst>
-  </p:timing>
 </p:sld>
 </file>
 
@@ -10075,10 +9989,9 @@
           <a:lstStyle/>
           <a:p>
             <a:r>
-              <a:rPr lang="en-IN" dirty="0" smtClean="0"/>
+              <a:rPr lang="en-IN" dirty="0"/>
               <a:t>Interactive Mode</a:t>
             </a:r>
-            <a:endParaRPr lang="en-IN" dirty="0"/>
           </a:p>
         </p:txBody>
       </p:sp>
@@ -10101,7 +10014,7 @@
               <a:buNone/>
             </a:pPr>
             <a:r>
-              <a:rPr lang="en-IN" dirty="0" smtClean="0"/>
+              <a:rPr lang="en-IN" dirty="0"/>
               <a:t>C:\Users\PC&gt;python</a:t>
             </a:r>
           </a:p>
@@ -10110,7 +10023,7 @@
               <a:buNone/>
             </a:pPr>
             <a:r>
-              <a:rPr lang="en-IN" dirty="0" smtClean="0"/>
+              <a:rPr lang="en-IN" dirty="0"/>
               <a:t>Python 3.7.0 (v3.7.0:1bf9cc5093, Jun 27 2018, 04:59:51) [</a:t>
             </a:r>
           </a:p>
@@ -10119,7 +10032,7 @@
               <a:buNone/>
             </a:pPr>
             <a:r>
-              <a:rPr lang="en-IN" dirty="0" smtClean="0"/>
+              <a:rPr lang="en-IN" dirty="0"/>
               <a:t>Type "help", "copyright", "credits" or "license" for more information.</a:t>
             </a:r>
           </a:p>
@@ -10128,7 +10041,7 @@
               <a:buNone/>
             </a:pPr>
             <a:r>
-              <a:rPr lang="en-IN" dirty="0" smtClean="0"/>
+              <a:rPr lang="en-IN" dirty="0"/>
               <a:t>&gt;&gt;&gt; print  “Hello”</a:t>
             </a:r>
           </a:p>
@@ -10137,7 +10050,7 @@
               <a:buNone/>
             </a:pPr>
             <a:r>
-              <a:rPr lang="en-IN" dirty="0" smtClean="0"/>
+              <a:rPr lang="en-IN" dirty="0"/>
               <a:t>Hello</a:t>
             </a:r>
           </a:p>
@@ -10146,12 +10059,12 @@
               <a:buNone/>
             </a:pPr>
             <a:r>
-              <a:rPr lang="en-IN" dirty="0" smtClean="0"/>
+              <a:rPr lang="en-IN" dirty="0"/>
               <a:t>&gt;&gt;&gt;</a:t>
             </a:r>
           </a:p>
           <a:p>
-            <a:endParaRPr lang="en-IN" dirty="0" smtClean="0"/>
+            <a:endParaRPr lang="en-IN" dirty="0"/>
           </a:p>
           <a:p>
             <a:endParaRPr lang="en-IN" dirty="0"/>
@@ -10163,13 +10076,6 @@
   <p:clrMapOvr>
     <a:masterClrMapping/>
   </p:clrMapOvr>
-  <p:timing>
-    <p:tnLst>
-      <p:par>
-        <p:cTn id="1" dur="indefinite" restart="never" nodeType="tmRoot"/>
-      </p:par>
-    </p:tnLst>
-  </p:timing>
 </p:sld>
 </file>
 
@@ -10206,10 +10112,9 @@
           <a:lstStyle/>
           <a:p>
             <a:r>
-              <a:rPr lang="en-IN" dirty="0" smtClean="0"/>
+              <a:rPr lang="en-IN" dirty="0"/>
               <a:t>Normal Mode</a:t>
             </a:r>
-            <a:endParaRPr lang="en-IN" dirty="0"/>
           </a:p>
         </p:txBody>
       </p:sp>
@@ -10237,7 +10142,7 @@
               <a:buNone/>
             </a:pPr>
             <a:r>
-              <a:rPr lang="en-IN" dirty="0" smtClean="0"/>
+              <a:rPr lang="en-IN" dirty="0"/>
               <a:t>C:\Users\PC&gt;python hello.py</a:t>
             </a:r>
           </a:p>
@@ -10246,7 +10151,7 @@
               <a:buNone/>
             </a:pPr>
             <a:r>
-              <a:rPr lang="en-IN" dirty="0" smtClean="0"/>
+              <a:rPr lang="en-IN" dirty="0"/>
               <a:t>Hello</a:t>
             </a:r>
           </a:p>
@@ -10254,7 +10159,7 @@
             <a:pPr>
               <a:buNone/>
             </a:pPr>
-            <a:endParaRPr lang="en-IN" dirty="0" smtClean="0"/>
+            <a:endParaRPr lang="en-IN" dirty="0"/>
           </a:p>
         </p:txBody>
       </p:sp>
@@ -10297,7 +10202,7 @@
               <a:buNone/>
             </a:pPr>
             <a:r>
-              <a:rPr lang="en-IN" dirty="0" smtClean="0"/>
+              <a:rPr lang="en-IN" dirty="0"/>
               <a:t>Filename : hello.py</a:t>
             </a:r>
           </a:p>
@@ -10305,14 +10210,14 @@
             <a:pPr>
               <a:buNone/>
             </a:pPr>
-            <a:endParaRPr lang="en-IN" dirty="0" smtClean="0"/>
+            <a:endParaRPr lang="en-IN" dirty="0"/>
           </a:p>
           <a:p>
             <a:pPr>
               <a:buNone/>
             </a:pPr>
             <a:r>
-              <a:rPr lang="en-IN" dirty="0" smtClean="0"/>
+              <a:rPr lang="en-IN" dirty="0"/>
               <a:t>print “Hello”</a:t>
             </a:r>
           </a:p>
@@ -10320,13 +10225,13 @@
             <a:pPr>
               <a:buNone/>
             </a:pPr>
-            <a:endParaRPr lang="en-IN" dirty="0" smtClean="0"/>
+            <a:endParaRPr lang="en-IN" dirty="0"/>
           </a:p>
           <a:p>
             <a:pPr>
               <a:buNone/>
             </a:pPr>
-            <a:endParaRPr lang="en-IN" dirty="0" smtClean="0"/>
+            <a:endParaRPr lang="en-IN" dirty="0"/>
           </a:p>
         </p:txBody>
       </p:sp>
@@ -10335,13 +10240,6 @@
   <p:clrMapOvr>
     <a:masterClrMapping/>
   </p:clrMapOvr>
-  <p:timing>
-    <p:tnLst>
-      <p:par>
-        <p:cTn id="1" dur="indefinite" restart="never" nodeType="tmRoot"/>
-      </p:par>
-    </p:tnLst>
-  </p:timing>
 </p:sld>
 </file>
 
@@ -10383,11 +10281,11 @@
           <a:lstStyle/>
           <a:p>
             <a:r>
-              <a:rPr lang="en-IN" dirty="0" smtClean="0"/>
+              <a:rPr lang="en-IN" dirty="0"/>
               <a:t>Language Basics : Variables</a:t>
             </a:r>
             <a:br>
-              <a:rPr lang="en-IN" dirty="0" smtClean="0"/>
+              <a:rPr lang="en-IN" dirty="0"/>
             </a:br>
             <a:endParaRPr lang="en-IN" dirty="0"/>
           </a:p>
@@ -10398,13 +10296,6 @@
   <p:clrMapOvr>
     <a:masterClrMapping/>
   </p:clrMapOvr>
-  <p:timing>
-    <p:tnLst>
-      <p:par>
-        <p:cTn id="1" dur="indefinite" restart="never" nodeType="tmRoot"/>
-      </p:par>
-    </p:tnLst>
-  </p:timing>
 </p:sld>
 </file>
 
@@ -10441,11 +10332,11 @@
           <a:lstStyle/>
           <a:p>
             <a:r>
-              <a:rPr lang="en-IN" dirty="0" smtClean="0"/>
+              <a:rPr lang="en-IN" dirty="0"/>
               <a:t>Python Variables</a:t>
             </a:r>
             <a:br>
-              <a:rPr lang="en-IN" dirty="0" smtClean="0"/>
+              <a:rPr lang="en-IN" dirty="0"/>
             </a:br>
             <a:endParaRPr lang="en-IN" dirty="0"/>
           </a:p>
@@ -10472,37 +10363,36 @@
           <a:lstStyle/>
           <a:p>
             <a:r>
-              <a:rPr lang="en-IN" sz="1800" dirty="0" smtClean="0"/>
+              <a:rPr lang="en-IN" sz="1800" dirty="0"/>
               <a:t>Variable is something which can change. </a:t>
             </a:r>
           </a:p>
           <a:p>
-            <a:endParaRPr lang="en-IN" sz="1050" dirty="0" smtClean="0"/>
+            <a:endParaRPr lang="en-IN" sz="1050" dirty="0"/>
           </a:p>
           <a:p>
             <a:r>
-              <a:rPr lang="en-IN" sz="1800" dirty="0" smtClean="0"/>
+              <a:rPr lang="en-IN" sz="1800" dirty="0"/>
               <a:t>A variable is a way of referring to a memory location used by a computer program. </a:t>
             </a:r>
           </a:p>
           <a:p>
-            <a:endParaRPr lang="en-IN" sz="1100" dirty="0" smtClean="0"/>
+            <a:endParaRPr lang="en-IN" sz="1100" dirty="0"/>
           </a:p>
           <a:p>
             <a:r>
-              <a:rPr lang="en-IN" sz="1800" dirty="0" smtClean="0"/>
+              <a:rPr lang="en-IN" sz="1800" dirty="0"/>
               <a:t>This memory location contains values, like numbers, text or more complicated types.</a:t>
             </a:r>
           </a:p>
           <a:p>
-            <a:endParaRPr lang="en-IN" sz="1000" dirty="0" smtClean="0"/>
+            <a:endParaRPr lang="en-IN" sz="1000" dirty="0"/>
           </a:p>
           <a:p>
             <a:r>
-              <a:rPr lang="en-IN" sz="1800" dirty="0" smtClean="0"/>
+              <a:rPr lang="en-IN" sz="1800" dirty="0"/>
               <a:t>A variable has a name, type, a scope,  and above all a value.</a:t>
             </a:r>
-            <a:endParaRPr lang="en-IN" sz="1800" dirty="0"/>
           </a:p>
         </p:txBody>
       </p:sp>
@@ -10537,13 +10427,6 @@
   <p:clrMapOvr>
     <a:masterClrMapping/>
   </p:clrMapOvr>
-  <p:timing>
-    <p:tnLst>
-      <p:par>
-        <p:cTn id="1" dur="indefinite" restart="never" nodeType="tmRoot"/>
-      </p:par>
-    </p:tnLst>
-  </p:timing>
 </p:sld>
 </file>
 
@@ -10721,7 +10604,7 @@
               <a:buNone/>
             </a:pPr>
             <a:r>
-              <a:rPr lang="en" sz="3400" dirty="0" smtClean="0">
+              <a:rPr lang="en" sz="3400" dirty="0">
                 <a:latin typeface="Trebuchet MS"/>
                 <a:ea typeface="Trebuchet MS"/>
                 <a:cs typeface="Trebuchet MS"/>
@@ -10729,7 +10612,7 @@
               </a:rPr>
               <a:t>Learn </a:t>
             </a:r>
-            <a:endParaRPr sz="3400" smtClean="0">
+            <a:endParaRPr sz="3400">
               <a:latin typeface="Trebuchet MS"/>
               <a:ea typeface="Trebuchet MS"/>
               <a:cs typeface="Trebuchet MS"/>
@@ -10747,7 +10630,7 @@
               <a:buNone/>
             </a:pPr>
             <a:r>
-              <a:rPr lang="en" sz="3400" dirty="0" smtClean="0">
+              <a:rPr lang="en" sz="3400" dirty="0">
                 <a:latin typeface="Trebuchet MS"/>
                 <a:ea typeface="Trebuchet MS"/>
                 <a:cs typeface="Trebuchet MS"/>
@@ -10755,7 +10638,7 @@
               </a:rPr>
               <a:t>Teach </a:t>
             </a:r>
-            <a:endParaRPr sz="3400" smtClean="0">
+            <a:endParaRPr sz="3400">
               <a:latin typeface="Trebuchet MS"/>
               <a:ea typeface="Trebuchet MS"/>
               <a:cs typeface="Trebuchet MS"/>
@@ -10773,7 +10656,7 @@
               <a:buNone/>
             </a:pPr>
             <a:r>
-              <a:rPr lang="en" sz="3400" dirty="0" smtClean="0">
+              <a:rPr lang="en" sz="3400" dirty="0">
                 <a:latin typeface="Trebuchet MS"/>
                 <a:ea typeface="Trebuchet MS"/>
                 <a:cs typeface="Trebuchet MS"/>
@@ -10781,7 +10664,7 @@
               </a:rPr>
               <a:t>Code</a:t>
             </a:r>
-            <a:endParaRPr sz="3400" smtClean="0">
+            <a:endParaRPr sz="3400">
               <a:latin typeface="Trebuchet MS"/>
               <a:ea typeface="Trebuchet MS"/>
               <a:cs typeface="Trebuchet MS"/>
@@ -10799,7 +10682,7 @@
               <a:buNone/>
             </a:pPr>
             <a:r>
-              <a:rPr lang="en" sz="3400" dirty="0" smtClean="0">
+              <a:rPr lang="en" sz="3400" dirty="0">
                 <a:latin typeface="Trebuchet MS"/>
                 <a:ea typeface="Trebuchet MS"/>
                 <a:cs typeface="Trebuchet MS"/>
@@ -10873,13 +10756,6 @@
   <p:clrMapOvr>
     <a:masterClrMapping/>
   </p:clrMapOvr>
-  <p:timing>
-    <p:tnLst>
-      <p:par>
-        <p:cTn id="1" dur="indefinite" restart="never" nodeType="tmRoot"/>
-      </p:par>
-    </p:tnLst>
-  </p:timing>
 </p:sld>
 </file>
 
@@ -10931,13 +10807,6 @@
   <p:clrMapOvr>
     <a:masterClrMapping/>
   </p:clrMapOvr>
-  <p:timing>
-    <p:tnLst>
-      <p:par>
-        <p:cTn id="1" dur="indefinite" restart="never" nodeType="tmRoot"/>
-      </p:par>
-    </p:tnLst>
-  </p:timing>
 </p:sld>
 </file>
 
@@ -10974,10 +10843,9 @@
           <a:lstStyle/>
           <a:p>
             <a:r>
-              <a:rPr lang="en-IN" dirty="0" smtClean="0"/>
+              <a:rPr lang="en-IN" dirty="0"/>
               <a:t>Rules for Naming a Variable</a:t>
             </a:r>
-            <a:endParaRPr lang="en-IN" dirty="0"/>
           </a:p>
         </p:txBody>
       </p:sp>
@@ -11004,15 +10872,11 @@
             <a:pPr>
               <a:buNone/>
             </a:pPr>
-            <a:r>
-              <a:rPr lang="en-IN" dirty="0" smtClean="0"/>
-              <a:t/>
-            </a:r>
             <a:br>
-              <a:rPr lang="en-IN" dirty="0" smtClean="0"/>
+              <a:rPr lang="en-IN" dirty="0"/>
             </a:br>
             <a:r>
-              <a:rPr lang="en-IN" dirty="0" smtClean="0"/>
+              <a:rPr lang="en-IN" dirty="0"/>
               <a:t>A valid identifier is a non-empty sequence of characters of any length with: The start character can be the underscore "_" or a capital or lower case letter.</a:t>
             </a:r>
           </a:p>
@@ -11020,21 +10884,21 @@
             <a:pPr>
               <a:buNone/>
             </a:pPr>
-            <a:endParaRPr lang="en-IN" dirty="0" smtClean="0"/>
+            <a:endParaRPr lang="en-IN" dirty="0"/>
           </a:p>
           <a:p>
             <a:r>
-              <a:rPr lang="en-IN" dirty="0" smtClean="0"/>
+              <a:rPr lang="en-IN" dirty="0"/>
               <a:t>The letters following the start character can be anything which is permitted as a start character plus the digits.</a:t>
             </a:r>
           </a:p>
           <a:p>
             <a:r>
-              <a:rPr lang="en-IN" dirty="0" smtClean="0"/>
+              <a:rPr lang="en-IN" dirty="0"/>
               <a:t>Variable names are Case sensitive    </a:t>
             </a:r>
             <a:r>
-              <a:rPr lang="en-IN" dirty="0" smtClean="0">
+              <a:rPr lang="en-IN" dirty="0">
                 <a:solidFill>
                   <a:schemeClr val="accent3"/>
                 </a:solidFill>
@@ -11044,11 +10908,11 @@
           </a:p>
           <a:p>
             <a:r>
-              <a:rPr lang="en-IN" dirty="0" smtClean="0"/>
+              <a:rPr lang="en-IN" dirty="0"/>
               <a:t>Python keywords are not allowed as identifier names! </a:t>
             </a:r>
             <a:r>
-              <a:rPr lang="en-IN" dirty="0" smtClean="0">
+              <a:rPr lang="en-IN" dirty="0">
                 <a:solidFill>
                   <a:schemeClr val="accent3"/>
                 </a:solidFill>
@@ -11066,13 +10930,6 @@
   <p:clrMapOvr>
     <a:masterClrMapping/>
   </p:clrMapOvr>
-  <p:timing>
-    <p:tnLst>
-      <p:par>
-        <p:cTn id="1" dur="indefinite" restart="never" nodeType="tmRoot"/>
-      </p:par>
-    </p:tnLst>
-  </p:timing>
 </p:sld>
 </file>
 
@@ -11109,10 +10966,9 @@
           <a:lstStyle/>
           <a:p>
             <a:r>
-              <a:rPr lang="en-IN" dirty="0" smtClean="0"/>
+              <a:rPr lang="en-IN" dirty="0"/>
               <a:t>Keywords = Reserved Names</a:t>
             </a:r>
-            <a:endParaRPr lang="en-IN" dirty="0"/>
           </a:p>
         </p:txBody>
       </p:sp>
@@ -11132,15 +10988,15 @@
           <a:lstStyle/>
           <a:p>
             <a:r>
-              <a:rPr lang="en-IN" sz="2800" i="1" dirty="0" smtClean="0"/>
+              <a:rPr lang="en-IN" sz="2800" i="1" dirty="0"/>
               <a:t>and, as, assert, break, class, continue, def, del, </a:t>
             </a:r>
             <a:r>
-              <a:rPr lang="en-IN" sz="2800" i="1" dirty="0" err="1" smtClean="0"/>
+              <a:rPr lang="en-IN" sz="2800" i="1" dirty="0" err="1"/>
               <a:t>elif</a:t>
             </a:r>
             <a:r>
-              <a:rPr lang="en-IN" sz="2800" i="1" dirty="0" smtClean="0"/>
+              <a:rPr lang="en-IN" sz="2800" i="1" dirty="0"/>
               <a:t>, else, except, exec, finally, for, from, global, if, import, in, is, lambda, not, or, pass, print, raise, return, try, while, with, yield</a:t>
             </a:r>
             <a:endParaRPr lang="en-IN" sz="2800" dirty="0"/>
@@ -11152,13 +11008,6 @@
   <p:clrMapOvr>
     <a:masterClrMapping/>
   </p:clrMapOvr>
-  <p:timing>
-    <p:tnLst>
-      <p:par>
-        <p:cTn id="1" dur="indefinite" restart="never" nodeType="tmRoot"/>
-      </p:par>
-    </p:tnLst>
-  </p:timing>
 </p:sld>
 </file>
 
@@ -11195,10 +11044,9 @@
           <a:lstStyle/>
           <a:p>
             <a:r>
-              <a:rPr lang="en-IN" dirty="0" smtClean="0"/>
+              <a:rPr lang="en-IN" dirty="0"/>
               <a:t>Creating a Variable</a:t>
             </a:r>
-            <a:endParaRPr lang="en-IN" dirty="0"/>
           </a:p>
         </p:txBody>
       </p:sp>
@@ -11221,7 +11069,7 @@
               <a:buNone/>
             </a:pPr>
             <a:r>
-              <a:rPr lang="en-IN" dirty="0" smtClean="0"/>
+              <a:rPr lang="en-IN" dirty="0"/>
               <a:t>&gt;&gt;&gt; x = 42 </a:t>
             </a:r>
           </a:p>
@@ -11230,7 +11078,7 @@
               <a:buNone/>
             </a:pPr>
             <a:r>
-              <a:rPr lang="en-IN" dirty="0" smtClean="0"/>
+              <a:rPr lang="en-IN" dirty="0"/>
               <a:t>&gt;&gt;&gt; print(x) 42 </a:t>
             </a:r>
           </a:p>
@@ -11239,7 +11087,7 @@
               <a:buNone/>
             </a:pPr>
             <a:r>
-              <a:rPr lang="en-IN" dirty="0" smtClean="0"/>
+              <a:rPr lang="en-IN" dirty="0"/>
               <a:t>&gt;&gt;&gt; x = "Now x references a string" </a:t>
             </a:r>
           </a:p>
@@ -11248,7 +11096,7 @@
               <a:buNone/>
             </a:pPr>
             <a:r>
-              <a:rPr lang="en-IN" dirty="0" smtClean="0"/>
+              <a:rPr lang="en-IN" dirty="0"/>
               <a:t>&gt;&gt;&gt; print(x) </a:t>
             </a:r>
           </a:p>
@@ -11257,10 +11105,9 @@
               <a:buNone/>
             </a:pPr>
             <a:r>
-              <a:rPr lang="en-IN" dirty="0" smtClean="0"/>
+              <a:rPr lang="en-IN" dirty="0"/>
               <a:t>Now x references a string</a:t>
             </a:r>
-            <a:endParaRPr lang="en-IN" dirty="0"/>
           </a:p>
         </p:txBody>
       </p:sp>
@@ -11305,10 +11152,9 @@
           <a:lstStyle/>
           <a:p>
             <a:r>
-              <a:rPr lang="en-IN" dirty="0" smtClean="0"/>
+              <a:rPr lang="en-IN" dirty="0"/>
               <a:t>Data Types</a:t>
             </a:r>
-            <a:endParaRPr lang="en-IN" dirty="0"/>
           </a:p>
         </p:txBody>
       </p:sp>
@@ -11328,16 +11174,16 @@
           <a:lstStyle/>
           <a:p>
             <a:r>
-              <a:rPr lang="en-IN" dirty="0" smtClean="0"/>
+              <a:rPr lang="en-IN" dirty="0"/>
               <a:t>A Data type Specifies the type of data stored inside the Variable</a:t>
             </a:r>
           </a:p>
           <a:p>
-            <a:endParaRPr lang="en-IN" dirty="0" smtClean="0"/>
+            <a:endParaRPr lang="en-IN" dirty="0"/>
           </a:p>
           <a:p>
             <a:r>
-              <a:rPr lang="en-IN" dirty="0" smtClean="0"/>
+              <a:rPr lang="en-IN" dirty="0"/>
               <a:t>Python's built-in core data types are in some cases also called object types. There are four built-in data types for numbers:</a:t>
             </a:r>
           </a:p>
@@ -11346,7 +11192,7 @@
               <a:buNone/>
             </a:pPr>
             <a:r>
-              <a:rPr lang="en-IN" dirty="0" smtClean="0"/>
+              <a:rPr lang="en-IN" dirty="0"/>
               <a:t>		Integer</a:t>
             </a:r>
           </a:p>
@@ -11355,7 +11201,7 @@
               <a:buNone/>
             </a:pPr>
             <a:r>
-              <a:rPr lang="en-IN" dirty="0" smtClean="0"/>
+              <a:rPr lang="en-IN" dirty="0"/>
               <a:t>		Long integers</a:t>
             </a:r>
           </a:p>
@@ -11364,7 +11210,7 @@
               <a:buNone/>
             </a:pPr>
             <a:r>
-              <a:rPr lang="en-IN" dirty="0" smtClean="0"/>
+              <a:rPr lang="en-IN" dirty="0"/>
               <a:t>		Floating-point numbers, </a:t>
             </a:r>
           </a:p>
@@ -11373,27 +11219,27 @@
               <a:buNone/>
             </a:pPr>
             <a:r>
-              <a:rPr lang="en-IN" dirty="0" smtClean="0"/>
+              <a:rPr lang="en-IN" dirty="0"/>
               <a:t>		** Complex numbers are written as </a:t>
             </a:r>
             <a:r>
-              <a:rPr lang="en-IN" i="1" dirty="0" smtClean="0"/>
+              <a:rPr lang="en-IN" i="1" dirty="0"/>
               <a:t>&lt;real part&gt;</a:t>
             </a:r>
             <a:r>
-              <a:rPr lang="en-IN" dirty="0" smtClean="0"/>
+              <a:rPr lang="en-IN" dirty="0"/>
               <a:t> + </a:t>
             </a:r>
             <a:r>
-              <a:rPr lang="en-IN" i="1" dirty="0" smtClean="0"/>
+              <a:rPr lang="en-IN" i="1" dirty="0"/>
               <a:t>&lt;imaginary part&gt;</a:t>
             </a:r>
             <a:r>
-              <a:rPr lang="en-IN" dirty="0" smtClean="0"/>
+              <a:rPr lang="en-IN" dirty="0"/>
               <a:t>j</a:t>
             </a:r>
             <a:br>
-              <a:rPr lang="en-IN" dirty="0" smtClean="0"/>
+              <a:rPr lang="en-IN" dirty="0"/>
             </a:br>
             <a:endParaRPr lang="en-IN" dirty="0"/>
           </a:p>
@@ -11404,13 +11250,6 @@
   <p:clrMapOvr>
     <a:masterClrMapping/>
   </p:clrMapOvr>
-  <p:timing>
-    <p:tnLst>
-      <p:par>
-        <p:cTn id="1" dur="indefinite" restart="never" nodeType="tmRoot"/>
-      </p:par>
-    </p:tnLst>
-  </p:timing>
 </p:sld>
 </file>
 
@@ -11447,11 +11286,11 @@
           <a:lstStyle/>
           <a:p>
             <a:r>
-              <a:rPr lang="en-IN" dirty="0" smtClean="0"/>
+              <a:rPr lang="en-IN" dirty="0"/>
               <a:t>Complex Number Arithmetic</a:t>
             </a:r>
             <a:br>
-              <a:rPr lang="en-IN" dirty="0" smtClean="0"/>
+              <a:rPr lang="en-IN" dirty="0"/>
             </a:br>
             <a:endParaRPr lang="en-IN" dirty="0"/>
           </a:p>
@@ -11473,523 +11312,44 @@
           <a:lstStyle/>
           <a:p>
             <a:r>
-              <a:rPr lang="es-ES" dirty="0" smtClean="0"/>
+              <a:rPr lang="es-ES" dirty="0"/>
               <a:t>examples:</a:t>
             </a:r>
             <a:br>
-              <a:rPr lang="es-ES" dirty="0" smtClean="0"/>
+              <a:rPr lang="es-ES" dirty="0"/>
             </a:br>
             <a:r>
-              <a:rPr lang="es-ES" dirty="0" smtClean="0"/>
+              <a:rPr lang="es-ES" dirty="0"/>
               <a:t>&gt;&gt;&gt; x = 3 + 4j</a:t>
             </a:r>
             <a:br>
-              <a:rPr lang="es-ES" dirty="0" smtClean="0"/>
+              <a:rPr lang="es-ES" dirty="0"/>
             </a:br>
             <a:r>
-              <a:rPr lang="es-ES" dirty="0" smtClean="0"/>
+              <a:rPr lang="es-ES" dirty="0"/>
               <a:t>&gt;&gt;&gt; y = 2 - 3j</a:t>
             </a:r>
             <a:br>
-              <a:rPr lang="es-ES" dirty="0" smtClean="0"/>
+              <a:rPr lang="es-ES" dirty="0"/>
             </a:br>
             <a:r>
-              <a:rPr lang="es-ES" dirty="0" smtClean="0"/>
+              <a:rPr lang="es-ES" dirty="0"/>
               <a:t>&gt;&gt;&gt; z = x + y</a:t>
             </a:r>
             <a:br>
-              <a:rPr lang="es-ES" dirty="0" smtClean="0"/>
+              <a:rPr lang="es-ES" dirty="0"/>
             </a:br>
             <a:r>
-              <a:rPr lang="es-ES" dirty="0" smtClean="0"/>
+              <a:rPr lang="es-ES" dirty="0"/>
               <a:t>&gt;&gt;&gt; print z</a:t>
             </a:r>
             <a:br>
-              <a:rPr lang="es-ES" dirty="0" smtClean="0"/>
+              <a:rPr lang="es-ES" dirty="0"/>
             </a:br>
             <a:r>
-              <a:rPr lang="es-ES" dirty="0" smtClean="0"/>
+              <a:rPr lang="es-ES" dirty="0"/>
               <a:t>(5+1j)</a:t>
             </a:r>
-            <a:endParaRPr lang="en-IN" dirty="0"/>
-          </a:p>
-        </p:txBody>
-      </p:sp>
-    </p:spTree>
-  </p:cSld>
-  <p:clrMapOvr>
-    <a:masterClrMapping/>
-  </p:clrMapOvr>
-  <p:timing>
-    <p:tnLst>
-      <p:par>
-        <p:cTn id="1" dur="indefinite" restart="never" nodeType="tmRoot"/>
-      </p:par>
-    </p:tnLst>
-  </p:timing>
-</p:sld>
-</file>
-
-<file path=ppt/slides/slide26.xml><?xml version="1.0" encoding="utf-8"?>
-<p:sld xmlns:a="http://schemas.openxmlformats.org/drawingml/2006/main" xmlns:r="http://schemas.openxmlformats.org/officeDocument/2006/relationships" xmlns:p="http://schemas.openxmlformats.org/presentationml/2006/main">
-  <p:cSld>
-    <p:spTree>
-      <p:nvGrpSpPr>
-        <p:cNvPr id="1" name=""/>
-        <p:cNvGrpSpPr/>
-        <p:nvPr/>
-      </p:nvGrpSpPr>
-      <p:grpSpPr>
-        <a:xfrm>
-          <a:off x="0" y="0"/>
-          <a:ext cx="0" cy="0"/>
-          <a:chOff x="0" y="0"/>
-          <a:chExt cx="0" cy="0"/>
-        </a:xfrm>
-      </p:grpSpPr>
-      <p:sp>
-        <p:nvSpPr>
-          <p:cNvPr id="2" name="Title 1"/>
-          <p:cNvSpPr>
-            <a:spLocks noGrp="1"/>
-          </p:cNvSpPr>
-          <p:nvPr>
-            <p:ph type="title"/>
-          </p:nvPr>
-        </p:nvSpPr>
-        <p:spPr/>
-        <p:txBody>
-          <a:bodyPr/>
-          <a:lstStyle/>
-          <a:p>
-            <a:r>
-              <a:rPr lang="en-IN" dirty="0" smtClean="0"/>
-              <a:t>Sequences</a:t>
-            </a:r>
-            <a:endParaRPr lang="en-IN" dirty="0"/>
-          </a:p>
-        </p:txBody>
-      </p:sp>
-      <p:sp>
-        <p:nvSpPr>
-          <p:cNvPr id="3" name="Text Placeholder 2"/>
-          <p:cNvSpPr>
-            <a:spLocks noGrp="1"/>
-          </p:cNvSpPr>
-          <p:nvPr>
-            <p:ph type="body" idx="1"/>
-          </p:nvPr>
-        </p:nvSpPr>
-        <p:spPr/>
-        <p:txBody>
-          <a:bodyPr/>
-          <a:lstStyle/>
-          <a:p>
-            <a:pPr>
-              <a:buNone/>
-            </a:pPr>
-            <a:r>
-              <a:rPr lang="en-IN" sz="1400" b="1" dirty="0" smtClean="0"/>
-              <a:t>Sequences are one of the principal built-in data types.</a:t>
-            </a:r>
-          </a:p>
-          <a:p>
-            <a:pPr>
-              <a:buNone/>
-            </a:pPr>
-            <a:r>
-              <a:rPr lang="en-IN" sz="1400" b="1" dirty="0" smtClean="0"/>
-              <a:t>Python provides for six sequence</a:t>
-            </a:r>
-          </a:p>
-          <a:p>
-            <a:pPr marL="488950" indent="-342900">
-              <a:buFont typeface="Wingdings" pitchFamily="2" charset="2"/>
-              <a:buChar char="q"/>
-            </a:pPr>
-            <a:r>
-              <a:rPr lang="en-IN" dirty="0" smtClean="0"/>
-              <a:t>Strings</a:t>
-            </a:r>
-          </a:p>
-          <a:p>
-            <a:pPr marL="488950" indent="-342900">
-              <a:buFont typeface="Wingdings" pitchFamily="2" charset="2"/>
-              <a:buChar char="q"/>
-            </a:pPr>
-            <a:r>
-              <a:rPr lang="en-IN" dirty="0" smtClean="0"/>
-              <a:t>byte sequences</a:t>
-            </a:r>
-          </a:p>
-          <a:p>
-            <a:pPr marL="488950" indent="-342900">
-              <a:buFont typeface="Wingdings" pitchFamily="2" charset="2"/>
-              <a:buChar char="q"/>
-            </a:pPr>
-            <a:r>
-              <a:rPr lang="en-IN" dirty="0" smtClean="0"/>
-              <a:t>byte arrays</a:t>
-            </a:r>
-          </a:p>
-          <a:p>
-            <a:pPr marL="488950" indent="-342900">
-              <a:buFont typeface="Wingdings" pitchFamily="2" charset="2"/>
-              <a:buChar char="q"/>
-            </a:pPr>
-            <a:r>
-              <a:rPr lang="en-IN" dirty="0" smtClean="0"/>
-              <a:t>lists</a:t>
-            </a:r>
-          </a:p>
-          <a:p>
-            <a:pPr marL="488950" indent="-342900">
-              <a:buFont typeface="Wingdings" pitchFamily="2" charset="2"/>
-              <a:buChar char="q"/>
-            </a:pPr>
-            <a:r>
-              <a:rPr lang="en-IN" dirty="0" err="1" smtClean="0"/>
-              <a:t>tuples</a:t>
-            </a:r>
-            <a:endParaRPr lang="en-IN" dirty="0" smtClean="0"/>
-          </a:p>
-          <a:p>
-            <a:pPr marL="488950" indent="-342900">
-              <a:buFont typeface="Wingdings" pitchFamily="2" charset="2"/>
-              <a:buChar char="q"/>
-            </a:pPr>
-            <a:r>
-              <a:rPr lang="en-IN" dirty="0" smtClean="0"/>
-              <a:t>range objects</a:t>
-            </a:r>
-          </a:p>
-          <a:p>
-            <a:pPr>
-              <a:buNone/>
-            </a:pPr>
-            <a:endParaRPr lang="en-IN" dirty="0"/>
-          </a:p>
-        </p:txBody>
-      </p:sp>
-    </p:spTree>
-  </p:cSld>
-  <p:clrMapOvr>
-    <a:masterClrMapping/>
-  </p:clrMapOvr>
-  <p:timing>
-    <p:tnLst>
-      <p:par>
-        <p:cTn id="1" dur="indefinite" restart="never" nodeType="tmRoot"/>
-      </p:par>
-    </p:tnLst>
-  </p:timing>
-</p:sld>
-</file>
-
-<file path=ppt/slides/slide27.xml><?xml version="1.0" encoding="utf-8"?>
-<p:sld xmlns:a="http://schemas.openxmlformats.org/drawingml/2006/main" xmlns:r="http://schemas.openxmlformats.org/officeDocument/2006/relationships" xmlns:p="http://schemas.openxmlformats.org/presentationml/2006/main">
-  <p:cSld>
-    <p:spTree>
-      <p:nvGrpSpPr>
-        <p:cNvPr id="1" name=""/>
-        <p:cNvGrpSpPr/>
-        <p:nvPr/>
-      </p:nvGrpSpPr>
-      <p:grpSpPr>
-        <a:xfrm>
-          <a:off x="0" y="0"/>
-          <a:ext cx="0" cy="0"/>
-          <a:chOff x="0" y="0"/>
-          <a:chExt cx="0" cy="0"/>
-        </a:xfrm>
-      </p:grpSpPr>
-      <p:sp>
-        <p:nvSpPr>
-          <p:cNvPr id="2" name="Title 1"/>
-          <p:cNvSpPr>
-            <a:spLocks noGrp="1"/>
-          </p:cNvSpPr>
-          <p:nvPr>
-            <p:ph type="title"/>
-          </p:nvPr>
-        </p:nvSpPr>
-        <p:spPr/>
-        <p:txBody>
-          <a:bodyPr/>
-          <a:lstStyle/>
-          <a:p>
-            <a:r>
-              <a:rPr lang="en-IN" dirty="0" smtClean="0"/>
-              <a:t>Bytes</a:t>
-            </a:r>
-            <a:endParaRPr lang="en-IN" dirty="0"/>
-          </a:p>
-        </p:txBody>
-      </p:sp>
-      <p:sp>
-        <p:nvSpPr>
-          <p:cNvPr id="3" name="Text Placeholder 2"/>
-          <p:cNvSpPr>
-            <a:spLocks noGrp="1"/>
-          </p:cNvSpPr>
-          <p:nvPr>
-            <p:ph type="body" idx="1"/>
-          </p:nvPr>
-        </p:nvSpPr>
-        <p:spPr/>
-        <p:txBody>
-          <a:bodyPr/>
-          <a:lstStyle/>
-          <a:p>
-            <a:r>
-              <a:rPr lang="en-IN" dirty="0" smtClean="0"/>
-              <a:t>The bytes object is a sequence of small integers.</a:t>
-            </a:r>
-          </a:p>
-          <a:p>
-            <a:r>
-              <a:rPr lang="en-IN" dirty="0" smtClean="0"/>
-              <a:t>The elements of a byte object are in the range 0 through 255, </a:t>
-            </a:r>
-          </a:p>
-        </p:txBody>
-      </p:sp>
-    </p:spTree>
-  </p:cSld>
-  <p:clrMapOvr>
-    <a:masterClrMapping/>
-  </p:clrMapOvr>
-</p:sld>
-</file>
-
-<file path=ppt/slides/slide28.xml><?xml version="1.0" encoding="utf-8"?>
-<p:sld xmlns:a="http://schemas.openxmlformats.org/drawingml/2006/main" xmlns:r="http://schemas.openxmlformats.org/officeDocument/2006/relationships" xmlns:p="http://schemas.openxmlformats.org/presentationml/2006/main">
-  <p:cSld>
-    <p:spTree>
-      <p:nvGrpSpPr>
-        <p:cNvPr id="1" name=""/>
-        <p:cNvGrpSpPr/>
-        <p:nvPr/>
-      </p:nvGrpSpPr>
-      <p:grpSpPr>
-        <a:xfrm>
-          <a:off x="0" y="0"/>
-          <a:ext cx="0" cy="0"/>
-          <a:chOff x="0" y="0"/>
-          <a:chExt cx="0" cy="0"/>
-        </a:xfrm>
-      </p:grpSpPr>
-      <p:sp>
-        <p:nvSpPr>
-          <p:cNvPr id="2" name="Title 1"/>
-          <p:cNvSpPr>
-            <a:spLocks noGrp="1"/>
-          </p:cNvSpPr>
-          <p:nvPr>
-            <p:ph type="title"/>
-          </p:nvPr>
-        </p:nvSpPr>
-        <p:spPr/>
-        <p:txBody>
-          <a:bodyPr/>
-          <a:lstStyle/>
-          <a:p>
-            <a:r>
-              <a:rPr lang="en-IN" dirty="0" smtClean="0"/>
-              <a:t>Strings</a:t>
-            </a:r>
-            <a:br>
-              <a:rPr lang="en-IN" dirty="0" smtClean="0"/>
-            </a:br>
-            <a:endParaRPr lang="en-IN" dirty="0"/>
-          </a:p>
-        </p:txBody>
-      </p:sp>
-      <p:sp>
-        <p:nvSpPr>
-          <p:cNvPr id="3" name="Text Placeholder 2"/>
-          <p:cNvSpPr>
-            <a:spLocks noGrp="1"/>
-          </p:cNvSpPr>
-          <p:nvPr>
-            <p:ph type="body" idx="1"/>
-          </p:nvPr>
-        </p:nvSpPr>
-        <p:spPr/>
-        <p:txBody>
-          <a:bodyPr/>
-          <a:lstStyle/>
-          <a:p>
-            <a:endParaRPr lang="en-IN" b="1" dirty="0" smtClean="0"/>
-          </a:p>
-          <a:p>
-            <a:r>
-              <a:rPr lang="en-IN" b="1" dirty="0" smtClean="0"/>
-              <a:t>Strings </a:t>
-            </a:r>
-            <a:r>
-              <a:rPr lang="en-IN" b="1" dirty="0" smtClean="0"/>
-              <a:t>are marked by quotes</a:t>
-            </a:r>
-          </a:p>
-          <a:p>
-            <a:r>
-              <a:rPr lang="en-IN" dirty="0" smtClean="0"/>
-              <a:t>Wrapped with the single-quote ( ' ) character:</a:t>
-            </a:r>
-            <a:br>
-              <a:rPr lang="en-IN" dirty="0" smtClean="0"/>
-            </a:br>
-            <a:r>
-              <a:rPr lang="en-IN" dirty="0" smtClean="0"/>
-              <a:t>	</a:t>
-            </a:r>
-            <a:endParaRPr lang="en-IN" dirty="0" smtClean="0"/>
-          </a:p>
-          <a:p>
-            <a:pPr>
-              <a:buNone/>
-            </a:pPr>
-            <a:r>
-              <a:rPr lang="en-IN" b="1" i="1" dirty="0" smtClean="0"/>
-              <a:t>	</a:t>
-            </a:r>
-            <a:r>
-              <a:rPr lang="en-IN" b="1" i="1" dirty="0" smtClean="0"/>
-              <a:t>'This </a:t>
-            </a:r>
-            <a:r>
-              <a:rPr lang="en-IN" b="1" i="1" dirty="0" smtClean="0"/>
-              <a:t>is a string with single quotes'</a:t>
-            </a:r>
-          </a:p>
-          <a:p>
-            <a:endParaRPr lang="en-IN" dirty="0" smtClean="0"/>
-          </a:p>
-          <a:p>
-            <a:r>
-              <a:rPr lang="en-IN" dirty="0" smtClean="0"/>
-              <a:t>Wrapped with the double-quote ( " ) character:</a:t>
-            </a:r>
-          </a:p>
-          <a:p>
-            <a:pPr>
-              <a:buNone/>
-            </a:pPr>
-            <a:r>
-              <a:rPr lang="en-IN" dirty="0" smtClean="0"/>
-              <a:t/>
-            </a:r>
-            <a:br>
-              <a:rPr lang="en-IN" dirty="0" smtClean="0"/>
-            </a:br>
-            <a:r>
-              <a:rPr lang="en-IN" dirty="0" smtClean="0"/>
-              <a:t>“</a:t>
-            </a:r>
-            <a:r>
-              <a:rPr lang="en-IN" b="1" i="1" dirty="0" smtClean="0"/>
-              <a:t>Welcome to Python World“</a:t>
-            </a:r>
-          </a:p>
-          <a:p>
-            <a:endParaRPr lang="en-IN" dirty="0"/>
-          </a:p>
-        </p:txBody>
-      </p:sp>
-    </p:spTree>
-  </p:cSld>
-  <p:clrMapOvr>
-    <a:masterClrMapping/>
-  </p:clrMapOvr>
-</p:sld>
-</file>
-
-<file path=ppt/slides/slide29.xml><?xml version="1.0" encoding="utf-8"?>
-<p:sld xmlns:a="http://schemas.openxmlformats.org/drawingml/2006/main" xmlns:r="http://schemas.openxmlformats.org/officeDocument/2006/relationships" xmlns:p="http://schemas.openxmlformats.org/presentationml/2006/main">
-  <p:cSld>
-    <p:spTree>
-      <p:nvGrpSpPr>
-        <p:cNvPr id="1" name=""/>
-        <p:cNvGrpSpPr/>
-        <p:nvPr/>
-      </p:nvGrpSpPr>
-      <p:grpSpPr>
-        <a:xfrm>
-          <a:off x="0" y="0"/>
-          <a:ext cx="0" cy="0"/>
-          <a:chOff x="0" y="0"/>
-          <a:chExt cx="0" cy="0"/>
-        </a:xfrm>
-      </p:grpSpPr>
-      <p:sp>
-        <p:nvSpPr>
-          <p:cNvPr id="2" name="Title 1"/>
-          <p:cNvSpPr>
-            <a:spLocks noGrp="1"/>
-          </p:cNvSpPr>
-          <p:nvPr>
-            <p:ph type="title"/>
-          </p:nvPr>
-        </p:nvSpPr>
-        <p:spPr/>
-        <p:txBody>
-          <a:bodyPr/>
-          <a:lstStyle/>
-          <a:p>
-            <a:r>
-              <a:rPr lang="en-IN" dirty="0" smtClean="0"/>
-              <a:t>Strings (Cont.)</a:t>
-            </a:r>
-            <a:endParaRPr lang="en-IN" dirty="0"/>
-          </a:p>
-        </p:txBody>
-      </p:sp>
-      <p:sp>
-        <p:nvSpPr>
-          <p:cNvPr id="3" name="Text Placeholder 2"/>
-          <p:cNvSpPr>
-            <a:spLocks noGrp="1"/>
-          </p:cNvSpPr>
-          <p:nvPr>
-            <p:ph type="body" idx="1"/>
-          </p:nvPr>
-        </p:nvSpPr>
-        <p:spPr/>
-        <p:txBody>
-          <a:bodyPr/>
-          <a:lstStyle/>
-          <a:p>
-            <a:endParaRPr lang="en-IN" dirty="0" smtClean="0"/>
-          </a:p>
-          <a:p>
-            <a:r>
-              <a:rPr lang="en-IN" sz="1800" dirty="0" smtClean="0"/>
-              <a:t>Wrapped with three characters, using either single-quote or double-quote:</a:t>
-            </a:r>
-            <a:br>
-              <a:rPr lang="en-IN" sz="1800" dirty="0" smtClean="0"/>
-            </a:br>
-            <a:r>
-              <a:rPr lang="en-IN" sz="1800" b="1" i="1" dirty="0" smtClean="0"/>
-              <a:t>'''A String in triple quotes can extend </a:t>
-            </a:r>
-            <a:br>
-              <a:rPr lang="en-IN" sz="1800" b="1" i="1" dirty="0" smtClean="0"/>
-            </a:br>
-            <a:r>
-              <a:rPr lang="en-IN" sz="1800" b="1" i="1" dirty="0" smtClean="0"/>
-              <a:t>over multiple lines like this one, and can contain</a:t>
-            </a:r>
-            <a:br>
-              <a:rPr lang="en-IN" sz="1800" b="1" i="1" dirty="0" smtClean="0"/>
-            </a:br>
-            <a:r>
-              <a:rPr lang="en-IN" sz="1800" b="1" i="1" dirty="0" smtClean="0"/>
-              <a:t>'single' and "double" quotes.'''</a:t>
-            </a:r>
-          </a:p>
-          <a:p>
             <a:endParaRPr lang="en-IN" dirty="0"/>
           </a:p>
         </p:txBody>
@@ -12054,7 +11414,7 @@
               <a:buNone/>
             </a:pPr>
             <a:r>
-              <a:rPr lang="en" dirty="0" smtClean="0"/>
+              <a:rPr lang="en" dirty="0"/>
               <a:t>Agenda for Today</a:t>
             </a:r>
             <a:endParaRPr/>
@@ -12103,2770 +11463,6 @@
           </a:p>
         </p:txBody>
       </p:sp>
-    </p:spTree>
-  </p:cSld>
-  <p:clrMapOvr>
-    <a:masterClrMapping/>
-  </p:clrMapOvr>
-  <p:timing>
-    <p:tnLst>
-      <p:par>
-        <p:cTn id="1" dur="indefinite" restart="never" nodeType="tmRoot"/>
-      </p:par>
-    </p:tnLst>
-  </p:timing>
-</p:sld>
-</file>
-
-<file path=ppt/slides/slide30.xml><?xml version="1.0" encoding="utf-8"?>
-<p:sld xmlns:a="http://schemas.openxmlformats.org/drawingml/2006/main" xmlns:r="http://schemas.openxmlformats.org/officeDocument/2006/relationships" xmlns:p="http://schemas.openxmlformats.org/presentationml/2006/main">
-  <p:cSld>
-    <p:spTree>
-      <p:nvGrpSpPr>
-        <p:cNvPr id="1" name=""/>
-        <p:cNvGrpSpPr/>
-        <p:nvPr/>
-      </p:nvGrpSpPr>
-      <p:grpSpPr>
-        <a:xfrm>
-          <a:off x="0" y="0"/>
-          <a:ext cx="0" cy="0"/>
-          <a:chOff x="0" y="0"/>
-          <a:chExt cx="0" cy="0"/>
-        </a:xfrm>
-      </p:grpSpPr>
-      <p:sp>
-        <p:nvSpPr>
-          <p:cNvPr id="2" name="Title 1"/>
-          <p:cNvSpPr>
-            <a:spLocks noGrp="1"/>
-          </p:cNvSpPr>
-          <p:nvPr>
-            <p:ph type="title"/>
-          </p:nvPr>
-        </p:nvSpPr>
-        <p:spPr/>
-        <p:txBody>
-          <a:bodyPr/>
-          <a:lstStyle/>
-          <a:p>
-            <a:endParaRPr lang="en-IN" dirty="0"/>
-          </a:p>
-        </p:txBody>
-      </p:sp>
-      <p:sp>
-        <p:nvSpPr>
-          <p:cNvPr id="3" name="Text Placeholder 2"/>
-          <p:cNvSpPr>
-            <a:spLocks noGrp="1"/>
-          </p:cNvSpPr>
-          <p:nvPr>
-            <p:ph type="body" idx="1"/>
-          </p:nvPr>
-        </p:nvSpPr>
-        <p:spPr>
-          <a:solidFill>
-            <a:schemeClr val="bg2">
-              <a:lumMod val="75000"/>
-              <a:lumOff val="25000"/>
-            </a:schemeClr>
-          </a:solidFill>
-        </p:spPr>
-        <p:txBody>
-          <a:bodyPr/>
-          <a:lstStyle/>
-          <a:p>
-            <a:r>
-              <a:rPr lang="en-IN" dirty="0" smtClean="0">
-                <a:solidFill>
-                  <a:schemeClr val="bg1"/>
-                </a:solidFill>
-              </a:rPr>
-              <a:t>&gt;&gt;&gt; s = </a:t>
-            </a:r>
-            <a:r>
-              <a:rPr lang="en-IN" dirty="0" smtClean="0">
-                <a:solidFill>
-                  <a:schemeClr val="bg1"/>
-                </a:solidFill>
-              </a:rPr>
-              <a:t>“Mother </a:t>
-            </a:r>
-            <a:r>
-              <a:rPr lang="en-IN" dirty="0" err="1" smtClean="0">
-                <a:solidFill>
-                  <a:schemeClr val="bg1"/>
-                </a:solidFill>
-              </a:rPr>
-              <a:t>Theressa</a:t>
-            </a:r>
-            <a:r>
-              <a:rPr lang="en-IN" dirty="0" smtClean="0">
-                <a:solidFill>
-                  <a:schemeClr val="bg1"/>
-                </a:solidFill>
-              </a:rPr>
-              <a:t> College of Engineering &amp; Technology" </a:t>
-            </a:r>
-          </a:p>
-          <a:p>
-            <a:r>
-              <a:rPr lang="en-IN" dirty="0" smtClean="0">
-                <a:solidFill>
-                  <a:schemeClr val="bg1"/>
-                </a:solidFill>
-              </a:rPr>
-              <a:t>&gt;&gt;&gt; </a:t>
-            </a:r>
-            <a:r>
-              <a:rPr lang="en-IN" dirty="0" smtClean="0">
-                <a:solidFill>
-                  <a:schemeClr val="bg1"/>
-                </a:solidFill>
-              </a:rPr>
-              <a:t>s[0] </a:t>
-            </a:r>
-            <a:endParaRPr lang="en-IN" dirty="0" smtClean="0">
-              <a:solidFill>
-                <a:schemeClr val="bg1"/>
-              </a:solidFill>
-            </a:endParaRPr>
-          </a:p>
-          <a:p>
-            <a:r>
-              <a:rPr lang="en-IN" dirty="0" smtClean="0">
-                <a:solidFill>
-                  <a:schemeClr val="bg1"/>
-                </a:solidFill>
-              </a:rPr>
-              <a:t>M</a:t>
-            </a:r>
-          </a:p>
-          <a:p>
-            <a:r>
-              <a:rPr lang="en-IN" dirty="0" smtClean="0">
-                <a:solidFill>
-                  <a:schemeClr val="bg1"/>
-                </a:solidFill>
-              </a:rPr>
-              <a:t>&gt;&gt;&gt; </a:t>
-            </a:r>
-            <a:r>
-              <a:rPr lang="en-IN" dirty="0" smtClean="0">
-                <a:solidFill>
-                  <a:schemeClr val="bg1"/>
-                </a:solidFill>
-              </a:rPr>
-              <a:t>s[3</a:t>
-            </a:r>
-            <a:r>
-              <a:rPr lang="en-IN" dirty="0" smtClean="0">
-                <a:solidFill>
-                  <a:schemeClr val="bg1"/>
-                </a:solidFill>
-              </a:rPr>
-              <a:t>]</a:t>
-            </a:r>
-          </a:p>
-          <a:p>
-            <a:r>
-              <a:rPr lang="en-IN" dirty="0" smtClean="0">
-                <a:solidFill>
-                  <a:schemeClr val="bg1"/>
-                </a:solidFill>
-              </a:rPr>
-              <a:t>t</a:t>
-            </a:r>
-            <a:r>
-              <a:rPr lang="en-IN" dirty="0" smtClean="0">
-                <a:solidFill>
-                  <a:schemeClr val="bg1"/>
-                </a:solidFill>
-              </a:rPr>
-              <a:t> </a:t>
-            </a:r>
-          </a:p>
-          <a:p>
-            <a:endParaRPr lang="en-IN" dirty="0">
-              <a:solidFill>
-                <a:schemeClr val="bg1"/>
-              </a:solidFill>
-            </a:endParaRPr>
-          </a:p>
-        </p:txBody>
-      </p:sp>
-    </p:spTree>
-  </p:cSld>
-  <p:clrMapOvr>
-    <a:masterClrMapping/>
-  </p:clrMapOvr>
-</p:sld>
-</file>
-
-<file path=ppt/slides/slide31.xml><?xml version="1.0" encoding="utf-8"?>
-<p:sld xmlns:a="http://schemas.openxmlformats.org/drawingml/2006/main" xmlns:r="http://schemas.openxmlformats.org/officeDocument/2006/relationships" xmlns:p="http://schemas.openxmlformats.org/presentationml/2006/main">
-  <p:cSld>
-    <p:spTree>
-      <p:nvGrpSpPr>
-        <p:cNvPr id="1" name=""/>
-        <p:cNvGrpSpPr/>
-        <p:nvPr/>
-      </p:nvGrpSpPr>
-      <p:grpSpPr>
-        <a:xfrm>
-          <a:off x="0" y="0"/>
-          <a:ext cx="0" cy="0"/>
-          <a:chOff x="0" y="0"/>
-          <a:chExt cx="0" cy="0"/>
-        </a:xfrm>
-      </p:grpSpPr>
-      <p:sp>
-        <p:nvSpPr>
-          <p:cNvPr id="2" name="Title 1"/>
-          <p:cNvSpPr>
-            <a:spLocks noGrp="1"/>
-          </p:cNvSpPr>
-          <p:nvPr>
-            <p:ph type="title"/>
-          </p:nvPr>
-        </p:nvSpPr>
-        <p:spPr/>
-        <p:txBody>
-          <a:bodyPr/>
-          <a:lstStyle/>
-          <a:p>
-            <a:r>
-              <a:rPr lang="en-IN" dirty="0" smtClean="0"/>
-              <a:t>Python Doesn’t have Char </a:t>
-            </a:r>
-            <a:r>
-              <a:rPr lang="en-IN" dirty="0" err="1" smtClean="0"/>
-              <a:t>Datatype</a:t>
-            </a:r>
-            <a:endParaRPr lang="en-IN" dirty="0"/>
-          </a:p>
-        </p:txBody>
-      </p:sp>
-      <p:sp>
-        <p:nvSpPr>
-          <p:cNvPr id="3" name="Text Placeholder 2"/>
-          <p:cNvSpPr>
-            <a:spLocks noGrp="1"/>
-          </p:cNvSpPr>
-          <p:nvPr>
-            <p:ph type="body" idx="1"/>
-          </p:nvPr>
-        </p:nvSpPr>
-        <p:spPr/>
-        <p:txBody>
-          <a:bodyPr/>
-          <a:lstStyle/>
-          <a:p>
-            <a:r>
-              <a:rPr lang="en-IN" dirty="0" smtClean="0"/>
-              <a:t>There exists no character type in Python. A character is simply a string of size one. </a:t>
-            </a:r>
-            <a:br>
-              <a:rPr lang="en-IN" dirty="0" smtClean="0"/>
-            </a:br>
-            <a:endParaRPr lang="en-IN" dirty="0"/>
-          </a:p>
-        </p:txBody>
-      </p:sp>
-    </p:spTree>
-  </p:cSld>
-  <p:clrMapOvr>
-    <a:masterClrMapping/>
-  </p:clrMapOvr>
-</p:sld>
-</file>
-
-<file path=ppt/slides/slide32.xml><?xml version="1.0" encoding="utf-8"?>
-<p:sld xmlns:a="http://schemas.openxmlformats.org/drawingml/2006/main" xmlns:r="http://schemas.openxmlformats.org/officeDocument/2006/relationships" xmlns:p="http://schemas.openxmlformats.org/presentationml/2006/main">
-  <p:cSld>
-    <p:spTree>
-      <p:nvGrpSpPr>
-        <p:cNvPr id="1" name=""/>
-        <p:cNvGrpSpPr/>
-        <p:nvPr/>
-      </p:nvGrpSpPr>
-      <p:grpSpPr>
-        <a:xfrm>
-          <a:off x="0" y="0"/>
-          <a:ext cx="0" cy="0"/>
-          <a:chOff x="0" y="0"/>
-          <a:chExt cx="0" cy="0"/>
-        </a:xfrm>
-      </p:grpSpPr>
-      <p:sp>
-        <p:nvSpPr>
-          <p:cNvPr id="2" name="Title 1"/>
-          <p:cNvSpPr>
-            <a:spLocks noGrp="1"/>
-          </p:cNvSpPr>
-          <p:nvPr>
-            <p:ph type="title"/>
-          </p:nvPr>
-        </p:nvSpPr>
-        <p:spPr/>
-        <p:txBody>
-          <a:bodyPr/>
-          <a:lstStyle/>
-          <a:p>
-            <a:r>
-              <a:rPr lang="en-IN" dirty="0" smtClean="0"/>
-              <a:t>Operations on String</a:t>
-            </a:r>
-            <a:endParaRPr lang="en-IN" dirty="0"/>
-          </a:p>
-        </p:txBody>
-      </p:sp>
-      <p:sp>
-        <p:nvSpPr>
-          <p:cNvPr id="3" name="Text Placeholder 2"/>
-          <p:cNvSpPr>
-            <a:spLocks noGrp="1"/>
-          </p:cNvSpPr>
-          <p:nvPr>
-            <p:ph type="body" idx="1"/>
-          </p:nvPr>
-        </p:nvSpPr>
-        <p:spPr>
-          <a:xfrm>
-            <a:off x="729450" y="1941715"/>
-            <a:ext cx="7688700" cy="1296785"/>
-          </a:xfrm>
-        </p:spPr>
-        <p:txBody>
-          <a:bodyPr/>
-          <a:lstStyle/>
-          <a:p>
-            <a:r>
-              <a:rPr lang="en-IN" sz="2800" b="1" dirty="0" smtClean="0"/>
-              <a:t>Concatenation</a:t>
-            </a:r>
-            <a:r>
-              <a:rPr lang="en-IN" dirty="0" smtClean="0"/>
-              <a:t/>
-            </a:r>
-            <a:br>
-              <a:rPr lang="en-IN" dirty="0" smtClean="0"/>
-            </a:br>
-            <a:r>
-              <a:rPr lang="en-IN" sz="1800" dirty="0" smtClean="0"/>
-              <a:t>Strings can be glued together (concatenated) with the + operator:</a:t>
-            </a:r>
-            <a:br>
-              <a:rPr lang="en-IN" sz="1800" dirty="0" smtClean="0"/>
-            </a:br>
-            <a:r>
-              <a:rPr lang="en-IN" sz="1800" b="1" dirty="0" smtClean="0"/>
-              <a:t>"Hello" + "World" will result in "</a:t>
-            </a:r>
-            <a:r>
-              <a:rPr lang="en-IN" sz="1800" b="1" dirty="0" err="1" smtClean="0"/>
-              <a:t>HelloWorld</a:t>
-            </a:r>
-            <a:r>
-              <a:rPr lang="en-IN" sz="1800" b="1" dirty="0" smtClean="0"/>
-              <a:t>"</a:t>
-            </a:r>
-          </a:p>
-          <a:p>
-            <a:endParaRPr lang="en-IN" sz="1800" b="1" dirty="0" smtClean="0"/>
-          </a:p>
-          <a:p>
-            <a:endParaRPr lang="en-IN" dirty="0"/>
-          </a:p>
-        </p:txBody>
-      </p:sp>
-      <p:sp>
-        <p:nvSpPr>
-          <p:cNvPr id="4" name="Text Placeholder 2"/>
-          <p:cNvSpPr txBox="1">
-            <a:spLocks/>
-          </p:cNvSpPr>
-          <p:nvPr/>
-        </p:nvSpPr>
-        <p:spPr>
-          <a:xfrm>
-            <a:off x="836130" y="3427615"/>
-            <a:ext cx="7688700" cy="1418705"/>
-          </a:xfrm>
-          <a:prstGeom prst="rect">
-            <a:avLst/>
-          </a:prstGeom>
-          <a:solidFill>
-            <a:schemeClr val="bg2">
-              <a:lumMod val="75000"/>
-              <a:lumOff val="25000"/>
-            </a:schemeClr>
-          </a:solidFill>
-          <a:ln>
-            <a:noFill/>
-          </a:ln>
-        </p:spPr>
-        <p:txBody>
-          <a:bodyPr spcFirstLastPara="1" wrap="square" lIns="91425" tIns="91425" rIns="91425" bIns="91425" anchor="t" anchorCtr="0"/>
-          <a:lstStyle/>
-          <a:p>
-            <a:pPr marL="457200" marR="0" lvl="0" indent="-311150" algn="l" defTabSz="914400" rtl="0" eaLnBrk="1" fontAlgn="auto" latinLnBrk="0" hangingPunct="1">
-              <a:lnSpc>
-                <a:spcPct val="115000"/>
-              </a:lnSpc>
-              <a:spcBef>
-                <a:spcPts val="0"/>
-              </a:spcBef>
-              <a:spcAft>
-                <a:spcPts val="0"/>
-              </a:spcAft>
-              <a:buClr>
-                <a:schemeClr val="accent1"/>
-              </a:buClr>
-              <a:buSzPts val="1300"/>
-              <a:tabLst/>
-              <a:defRPr/>
-            </a:pPr>
-            <a:r>
-              <a:rPr kumimoji="0" lang="en-IN" sz="1800" b="1" i="0" u="none" strike="noStrike" kern="0" cap="none" spc="0" normalizeH="0" baseline="0" noProof="0" dirty="0" smtClean="0">
-                <a:ln>
-                  <a:noFill/>
-                </a:ln>
-                <a:solidFill>
-                  <a:schemeClr val="bg1"/>
-                </a:solidFill>
-                <a:effectLst/>
-                <a:uLnTx/>
-                <a:uFillTx/>
-                <a:latin typeface="Lato"/>
-                <a:ea typeface="Lato"/>
-                <a:cs typeface="Lato"/>
-                <a:sym typeface="Lato"/>
-              </a:rPr>
-              <a:t>&gt;&gt;&gt;  name=“Python :”</a:t>
-            </a:r>
-          </a:p>
-          <a:p>
-            <a:pPr marL="457200" marR="0" lvl="0" indent="-311150" algn="l" defTabSz="914400" rtl="0" eaLnBrk="1" fontAlgn="auto" latinLnBrk="0" hangingPunct="1">
-              <a:lnSpc>
-                <a:spcPct val="115000"/>
-              </a:lnSpc>
-              <a:spcBef>
-                <a:spcPts val="0"/>
-              </a:spcBef>
-              <a:spcAft>
-                <a:spcPts val="0"/>
-              </a:spcAft>
-              <a:buClr>
-                <a:schemeClr val="accent1"/>
-              </a:buClr>
-              <a:buSzPts val="1300"/>
-              <a:tabLst/>
-              <a:defRPr/>
-            </a:pPr>
-            <a:r>
-              <a:rPr lang="en-IN" sz="1800" b="1" dirty="0" smtClean="0">
-                <a:solidFill>
-                  <a:schemeClr val="bg1"/>
-                </a:solidFill>
-                <a:latin typeface="Lato"/>
-                <a:ea typeface="Lato"/>
-                <a:cs typeface="Lato"/>
-                <a:sym typeface="Lato"/>
-              </a:rPr>
-              <a:t>&gt;&gt;&gt;  message =“ is very easy to learn”</a:t>
-            </a:r>
-          </a:p>
-          <a:p>
-            <a:pPr marL="457200" marR="0" lvl="0" indent="-311150" algn="l" defTabSz="914400" rtl="0" eaLnBrk="1" fontAlgn="auto" latinLnBrk="0" hangingPunct="1">
-              <a:lnSpc>
-                <a:spcPct val="115000"/>
-              </a:lnSpc>
-              <a:spcBef>
-                <a:spcPts val="0"/>
-              </a:spcBef>
-              <a:spcAft>
-                <a:spcPts val="0"/>
-              </a:spcAft>
-              <a:buClr>
-                <a:schemeClr val="accent1"/>
-              </a:buClr>
-              <a:buSzPts val="1300"/>
-              <a:tabLst/>
-              <a:defRPr/>
-            </a:pPr>
-            <a:r>
-              <a:rPr kumimoji="0" lang="en-IN" sz="1800" b="1" i="0" u="none" strike="noStrike" kern="0" cap="none" spc="0" normalizeH="0" baseline="0" noProof="0" dirty="0" smtClean="0">
-                <a:ln>
-                  <a:noFill/>
-                </a:ln>
-                <a:solidFill>
-                  <a:schemeClr val="bg1"/>
-                </a:solidFill>
-                <a:effectLst/>
-                <a:uLnTx/>
-                <a:uFillTx/>
-                <a:latin typeface="Lato"/>
-                <a:ea typeface="Lato"/>
-                <a:cs typeface="Lato"/>
-                <a:sym typeface="Lato"/>
-              </a:rPr>
-              <a:t>&gt;&gt;&gt;</a:t>
-            </a:r>
-            <a:r>
-              <a:rPr kumimoji="0" lang="en-IN" sz="1800" b="1" i="0" u="none" strike="noStrike" kern="0" cap="none" spc="0" normalizeH="0" noProof="0" dirty="0" smtClean="0">
-                <a:ln>
-                  <a:noFill/>
-                </a:ln>
-                <a:solidFill>
-                  <a:schemeClr val="bg1"/>
-                </a:solidFill>
-                <a:effectLst/>
-                <a:uLnTx/>
-                <a:uFillTx/>
-                <a:latin typeface="Lato"/>
-                <a:ea typeface="Lato"/>
-                <a:cs typeface="Lato"/>
-                <a:sym typeface="Lato"/>
-              </a:rPr>
-              <a:t> name + message</a:t>
-            </a:r>
-          </a:p>
-          <a:p>
-            <a:pPr marL="457200" marR="0" lvl="0" indent="-311150" algn="l" defTabSz="914400" rtl="0" eaLnBrk="1" fontAlgn="auto" latinLnBrk="0" hangingPunct="1">
-              <a:lnSpc>
-                <a:spcPct val="115000"/>
-              </a:lnSpc>
-              <a:spcBef>
-                <a:spcPts val="0"/>
-              </a:spcBef>
-              <a:spcAft>
-                <a:spcPts val="0"/>
-              </a:spcAft>
-              <a:buClr>
-                <a:schemeClr val="accent1"/>
-              </a:buClr>
-              <a:buSzPts val="1300"/>
-              <a:tabLst/>
-              <a:defRPr/>
-            </a:pPr>
-            <a:r>
-              <a:rPr kumimoji="0" lang="en-IN" sz="1800" b="1" i="0" u="none" strike="noStrike" kern="0" cap="none" spc="0" normalizeH="0" noProof="0" dirty="0" smtClean="0">
-                <a:ln>
-                  <a:noFill/>
-                </a:ln>
-                <a:solidFill>
-                  <a:schemeClr val="bg1"/>
-                </a:solidFill>
-                <a:effectLst/>
-                <a:uLnTx/>
-                <a:uFillTx/>
-                <a:latin typeface="Lato"/>
-                <a:ea typeface="Lato"/>
-                <a:cs typeface="Lato"/>
-                <a:sym typeface="Lato"/>
-              </a:rPr>
-              <a:t>Python : is very easy to learn</a:t>
-            </a:r>
-            <a:endParaRPr kumimoji="0" lang="en-IN" sz="1800" b="1" i="0" u="none" strike="noStrike" kern="0" cap="none" spc="0" normalizeH="0" baseline="0" noProof="0" dirty="0" smtClean="0">
-              <a:ln>
-                <a:noFill/>
-              </a:ln>
-              <a:solidFill>
-                <a:schemeClr val="bg1"/>
-              </a:solidFill>
-              <a:effectLst/>
-              <a:uLnTx/>
-              <a:uFillTx/>
-              <a:latin typeface="Lato"/>
-              <a:ea typeface="Lato"/>
-              <a:cs typeface="Lato"/>
-              <a:sym typeface="Lato"/>
-            </a:endParaRPr>
-          </a:p>
-          <a:p>
-            <a:pPr marL="457200" marR="0" lvl="0" indent="-311150" algn="l" defTabSz="914400" rtl="0" eaLnBrk="1" fontAlgn="auto" latinLnBrk="0" hangingPunct="1">
-              <a:lnSpc>
-                <a:spcPct val="115000"/>
-              </a:lnSpc>
-              <a:spcBef>
-                <a:spcPts val="0"/>
-              </a:spcBef>
-              <a:spcAft>
-                <a:spcPts val="0"/>
-              </a:spcAft>
-              <a:buClr>
-                <a:schemeClr val="accent1"/>
-              </a:buClr>
-              <a:buSzPts val="1300"/>
-              <a:buFont typeface="Lato"/>
-              <a:buChar char="●"/>
-              <a:tabLst/>
-              <a:defRPr/>
-            </a:pPr>
-            <a:endParaRPr kumimoji="0" lang="en-IN" sz="1300" b="0" i="0" u="none" strike="noStrike" kern="0" cap="none" spc="0" normalizeH="0" baseline="0" noProof="0" dirty="0">
-              <a:ln>
-                <a:noFill/>
-              </a:ln>
-              <a:solidFill>
-                <a:schemeClr val="bg1"/>
-              </a:solidFill>
-              <a:effectLst/>
-              <a:uLnTx/>
-              <a:uFillTx/>
-              <a:latin typeface="Lato"/>
-              <a:ea typeface="Lato"/>
-              <a:cs typeface="Lato"/>
-              <a:sym typeface="Lato"/>
-            </a:endParaRPr>
-          </a:p>
-        </p:txBody>
-      </p:sp>
-    </p:spTree>
-  </p:cSld>
-  <p:clrMapOvr>
-    <a:masterClrMapping/>
-  </p:clrMapOvr>
-</p:sld>
-</file>
-
-<file path=ppt/slides/slide33.xml><?xml version="1.0" encoding="utf-8"?>
-<p:sld xmlns:a="http://schemas.openxmlformats.org/drawingml/2006/main" xmlns:r="http://schemas.openxmlformats.org/officeDocument/2006/relationships" xmlns:p="http://schemas.openxmlformats.org/presentationml/2006/main">
-  <p:cSld>
-    <p:spTree>
-      <p:nvGrpSpPr>
-        <p:cNvPr id="1" name=""/>
-        <p:cNvGrpSpPr/>
-        <p:nvPr/>
-      </p:nvGrpSpPr>
-      <p:grpSpPr>
-        <a:xfrm>
-          <a:off x="0" y="0"/>
-          <a:ext cx="0" cy="0"/>
-          <a:chOff x="0" y="0"/>
-          <a:chExt cx="0" cy="0"/>
-        </a:xfrm>
-      </p:grpSpPr>
-      <p:sp>
-        <p:nvSpPr>
-          <p:cNvPr id="2" name="Title 1"/>
-          <p:cNvSpPr>
-            <a:spLocks noGrp="1"/>
-          </p:cNvSpPr>
-          <p:nvPr>
-            <p:ph type="title"/>
-          </p:nvPr>
-        </p:nvSpPr>
-        <p:spPr/>
-        <p:txBody>
-          <a:bodyPr/>
-          <a:lstStyle/>
-          <a:p>
-            <a:r>
-              <a:rPr lang="en-IN" dirty="0" smtClean="0"/>
-              <a:t>Operations on String</a:t>
-            </a:r>
-            <a:endParaRPr lang="en-IN" dirty="0"/>
-          </a:p>
-        </p:txBody>
-      </p:sp>
-      <p:sp>
-        <p:nvSpPr>
-          <p:cNvPr id="3" name="Text Placeholder 2"/>
-          <p:cNvSpPr>
-            <a:spLocks noGrp="1"/>
-          </p:cNvSpPr>
-          <p:nvPr>
-            <p:ph type="body" idx="1"/>
-          </p:nvPr>
-        </p:nvSpPr>
-        <p:spPr>
-          <a:xfrm>
-            <a:off x="729450" y="1941715"/>
-            <a:ext cx="7688700" cy="1296785"/>
-          </a:xfrm>
-        </p:spPr>
-        <p:txBody>
-          <a:bodyPr/>
-          <a:lstStyle/>
-          <a:p>
-            <a:r>
-              <a:rPr lang="en-IN" sz="2800" b="1" dirty="0" smtClean="0"/>
-              <a:t>Repetition</a:t>
-            </a:r>
-            <a:r>
-              <a:rPr lang="en-IN" dirty="0" smtClean="0"/>
-              <a:t/>
-            </a:r>
-            <a:br>
-              <a:rPr lang="en-IN" dirty="0" smtClean="0"/>
-            </a:br>
-            <a:r>
-              <a:rPr lang="en-IN" sz="1800" dirty="0" smtClean="0"/>
-              <a:t> String can be repeated or repeatedly concatenated with the asterisk operator "*":</a:t>
-            </a:r>
-            <a:br>
-              <a:rPr lang="en-IN" sz="1800" dirty="0" smtClean="0"/>
-            </a:br>
-            <a:r>
-              <a:rPr lang="en-IN" sz="1800" dirty="0" smtClean="0"/>
-              <a:t>"*-*" * </a:t>
-            </a:r>
-            <a:r>
-              <a:rPr lang="en-IN" sz="1800" dirty="0" smtClean="0"/>
-              <a:t>3   </a:t>
-            </a:r>
-            <a:endParaRPr lang="en-IN" sz="1800" b="1" dirty="0" smtClean="0"/>
-          </a:p>
-          <a:p>
-            <a:endParaRPr lang="en-IN" sz="1800" b="1" dirty="0" smtClean="0"/>
-          </a:p>
-          <a:p>
-            <a:endParaRPr lang="en-IN" dirty="0"/>
-          </a:p>
-        </p:txBody>
-      </p:sp>
-      <p:sp>
-        <p:nvSpPr>
-          <p:cNvPr id="4" name="Text Placeholder 2"/>
-          <p:cNvSpPr txBox="1">
-            <a:spLocks/>
-          </p:cNvSpPr>
-          <p:nvPr/>
-        </p:nvSpPr>
-        <p:spPr>
-          <a:xfrm>
-            <a:off x="836130" y="3604260"/>
-            <a:ext cx="7688700" cy="1242060"/>
-          </a:xfrm>
-          <a:prstGeom prst="rect">
-            <a:avLst/>
-          </a:prstGeom>
-          <a:solidFill>
-            <a:schemeClr val="bg2">
-              <a:lumMod val="75000"/>
-              <a:lumOff val="25000"/>
-            </a:schemeClr>
-          </a:solidFill>
-          <a:ln>
-            <a:noFill/>
-          </a:ln>
-        </p:spPr>
-        <p:txBody>
-          <a:bodyPr spcFirstLastPara="1" wrap="square" lIns="91425" tIns="91425" rIns="91425" bIns="91425" anchor="t" anchorCtr="0"/>
-          <a:lstStyle/>
-          <a:p>
-            <a:pPr marL="457200" marR="0" lvl="0" indent="-311150" algn="l" defTabSz="914400" rtl="0" eaLnBrk="1" fontAlgn="auto" latinLnBrk="0" hangingPunct="1">
-              <a:lnSpc>
-                <a:spcPct val="115000"/>
-              </a:lnSpc>
-              <a:spcBef>
-                <a:spcPts val="0"/>
-              </a:spcBef>
-              <a:spcAft>
-                <a:spcPts val="0"/>
-              </a:spcAft>
-              <a:buClr>
-                <a:schemeClr val="accent1"/>
-              </a:buClr>
-              <a:buSzPts val="1300"/>
-              <a:tabLst/>
-              <a:defRPr/>
-            </a:pPr>
-            <a:r>
-              <a:rPr kumimoji="0" lang="en-IN" sz="1800" b="1" i="0" u="none" strike="noStrike" kern="0" cap="none" spc="0" normalizeH="0" baseline="0" noProof="0" dirty="0" smtClean="0">
-                <a:ln>
-                  <a:noFill/>
-                </a:ln>
-                <a:solidFill>
-                  <a:schemeClr val="bg1"/>
-                </a:solidFill>
-                <a:effectLst/>
-                <a:uLnTx/>
-                <a:uFillTx/>
-                <a:latin typeface="Lato"/>
-                <a:ea typeface="Lato"/>
-                <a:cs typeface="Lato"/>
-                <a:sym typeface="Lato"/>
-              </a:rPr>
-              <a:t>&gt;&gt;&gt;  name=“Python </a:t>
-            </a:r>
-            <a:r>
-              <a:rPr kumimoji="0" lang="en-IN" sz="1800" b="1" i="0" u="none" strike="noStrike" kern="0" cap="none" spc="0" normalizeH="0" noProof="0" dirty="0" smtClean="0">
-                <a:ln>
-                  <a:noFill/>
-                </a:ln>
-                <a:solidFill>
-                  <a:schemeClr val="bg1"/>
-                </a:solidFill>
-                <a:effectLst/>
-                <a:uLnTx/>
-                <a:uFillTx/>
-                <a:latin typeface="Lato"/>
-                <a:ea typeface="Lato"/>
-                <a:cs typeface="Lato"/>
-                <a:sym typeface="Lato"/>
-              </a:rPr>
-              <a:t> </a:t>
-            </a:r>
-            <a:r>
-              <a:rPr kumimoji="0" lang="en-IN" sz="1800" b="1" i="0" u="none" strike="noStrike" kern="0" cap="none" spc="0" normalizeH="0" baseline="0" noProof="0" dirty="0" smtClean="0">
-                <a:ln>
-                  <a:noFill/>
-                </a:ln>
-                <a:solidFill>
-                  <a:schemeClr val="bg1"/>
-                </a:solidFill>
-                <a:effectLst/>
-                <a:uLnTx/>
-                <a:uFillTx/>
-                <a:latin typeface="Lato"/>
-                <a:ea typeface="Lato"/>
-                <a:cs typeface="Lato"/>
-                <a:sym typeface="Lato"/>
-              </a:rPr>
-              <a:t>”</a:t>
-            </a:r>
-          </a:p>
-          <a:p>
-            <a:pPr marL="457200" marR="0" lvl="0" indent="-311150" algn="l" defTabSz="914400" rtl="0" eaLnBrk="1" fontAlgn="auto" latinLnBrk="0" hangingPunct="1">
-              <a:lnSpc>
-                <a:spcPct val="115000"/>
-              </a:lnSpc>
-              <a:spcBef>
-                <a:spcPts val="0"/>
-              </a:spcBef>
-              <a:spcAft>
-                <a:spcPts val="0"/>
-              </a:spcAft>
-              <a:buClr>
-                <a:schemeClr val="accent1"/>
-              </a:buClr>
-              <a:buSzPts val="1300"/>
-              <a:tabLst/>
-              <a:defRPr/>
-            </a:pPr>
-            <a:r>
-              <a:rPr lang="en-IN" sz="1800" b="1" dirty="0" smtClean="0">
-                <a:solidFill>
-                  <a:schemeClr val="bg1"/>
-                </a:solidFill>
-                <a:latin typeface="Lato"/>
-                <a:ea typeface="Lato"/>
-                <a:cs typeface="Lato"/>
-                <a:sym typeface="Lato"/>
-              </a:rPr>
-              <a:t>&gt;&gt;&gt;  name*10</a:t>
-            </a:r>
-          </a:p>
-          <a:p>
-            <a:pPr marL="457200" lvl="0" indent="-311150">
-              <a:lnSpc>
-                <a:spcPct val="115000"/>
-              </a:lnSpc>
-              <a:buClr>
-                <a:schemeClr val="accent1"/>
-              </a:buClr>
-              <a:buSzPts val="1300"/>
-            </a:pPr>
-            <a:r>
-              <a:rPr lang="en-IN" sz="1200" b="1" dirty="0" smtClean="0">
-                <a:solidFill>
-                  <a:schemeClr val="bg1"/>
-                </a:solidFill>
-                <a:latin typeface="Lato"/>
-                <a:ea typeface="Lato"/>
-                <a:cs typeface="Lato"/>
-                <a:sym typeface="Lato"/>
-              </a:rPr>
-              <a:t>Python</a:t>
-            </a:r>
-            <a:r>
-              <a:rPr lang="en-IN" sz="1200" b="1" dirty="0" smtClean="0">
-                <a:solidFill>
-                  <a:schemeClr val="bg1"/>
-                </a:solidFill>
-                <a:latin typeface="Lato"/>
-                <a:ea typeface="Lato"/>
-                <a:cs typeface="Lato"/>
-                <a:sym typeface="Lato"/>
-              </a:rPr>
-              <a:t> </a:t>
-            </a:r>
-            <a:r>
-              <a:rPr lang="en-IN" sz="1200" b="1" dirty="0" err="1" smtClean="0">
-                <a:solidFill>
-                  <a:schemeClr val="bg1"/>
-                </a:solidFill>
-                <a:latin typeface="Lato"/>
-                <a:ea typeface="Lato"/>
-                <a:cs typeface="Lato"/>
-                <a:sym typeface="Lato"/>
-              </a:rPr>
-              <a:t>Python</a:t>
-            </a:r>
-            <a:r>
-              <a:rPr lang="en-IN" sz="1200" b="1" dirty="0" smtClean="0">
-                <a:solidFill>
-                  <a:schemeClr val="bg1"/>
-                </a:solidFill>
-                <a:latin typeface="Lato"/>
-                <a:ea typeface="Lato"/>
-                <a:cs typeface="Lato"/>
-                <a:sym typeface="Lato"/>
-              </a:rPr>
-              <a:t> </a:t>
-            </a:r>
-            <a:r>
-              <a:rPr lang="en-IN" sz="1200" b="1" dirty="0" err="1" smtClean="0">
-                <a:solidFill>
-                  <a:schemeClr val="bg1"/>
-                </a:solidFill>
-                <a:latin typeface="Lato"/>
-                <a:ea typeface="Lato"/>
-                <a:cs typeface="Lato"/>
-                <a:sym typeface="Lato"/>
-              </a:rPr>
-              <a:t>Python</a:t>
-            </a:r>
-            <a:r>
-              <a:rPr lang="en-IN" sz="1200" b="1" dirty="0" smtClean="0">
-                <a:solidFill>
-                  <a:schemeClr val="bg1"/>
-                </a:solidFill>
-                <a:latin typeface="Lato"/>
-                <a:ea typeface="Lato"/>
-                <a:cs typeface="Lato"/>
-                <a:sym typeface="Lato"/>
-              </a:rPr>
-              <a:t> </a:t>
-            </a:r>
-            <a:r>
-              <a:rPr lang="en-IN" sz="1200" b="1" dirty="0" err="1" smtClean="0">
-                <a:solidFill>
-                  <a:schemeClr val="bg1"/>
-                </a:solidFill>
-                <a:latin typeface="Lato"/>
-                <a:ea typeface="Lato"/>
-                <a:cs typeface="Lato"/>
-                <a:sym typeface="Lato"/>
-              </a:rPr>
-              <a:t>Python</a:t>
-            </a:r>
-            <a:r>
-              <a:rPr lang="en-IN" sz="1200" b="1" dirty="0" smtClean="0">
-                <a:solidFill>
-                  <a:schemeClr val="bg1"/>
-                </a:solidFill>
-                <a:latin typeface="Lato"/>
-                <a:ea typeface="Lato"/>
-                <a:cs typeface="Lato"/>
-                <a:sym typeface="Lato"/>
-              </a:rPr>
-              <a:t> </a:t>
-            </a:r>
-            <a:r>
-              <a:rPr lang="en-IN" sz="1200" b="1" dirty="0" err="1" smtClean="0">
-                <a:solidFill>
-                  <a:schemeClr val="bg1"/>
-                </a:solidFill>
-                <a:latin typeface="Lato"/>
-                <a:ea typeface="Lato"/>
-                <a:cs typeface="Lato"/>
-                <a:sym typeface="Lato"/>
-              </a:rPr>
-              <a:t>Python</a:t>
-            </a:r>
-            <a:r>
-              <a:rPr lang="en-IN" sz="1200" b="1" dirty="0" smtClean="0">
-                <a:solidFill>
-                  <a:schemeClr val="bg1"/>
-                </a:solidFill>
-                <a:latin typeface="Lato"/>
-                <a:ea typeface="Lato"/>
-                <a:cs typeface="Lato"/>
-                <a:sym typeface="Lato"/>
-              </a:rPr>
-              <a:t> </a:t>
-            </a:r>
-            <a:r>
-              <a:rPr lang="en-IN" sz="1200" b="1" dirty="0" err="1" smtClean="0">
-                <a:solidFill>
-                  <a:schemeClr val="bg1"/>
-                </a:solidFill>
-                <a:latin typeface="Lato"/>
-                <a:ea typeface="Lato"/>
-                <a:cs typeface="Lato"/>
-                <a:sym typeface="Lato"/>
-              </a:rPr>
-              <a:t>Python</a:t>
-            </a:r>
-            <a:r>
-              <a:rPr lang="en-IN" sz="1200" b="1" dirty="0" smtClean="0">
-                <a:solidFill>
-                  <a:schemeClr val="bg1"/>
-                </a:solidFill>
-                <a:latin typeface="Lato"/>
-                <a:ea typeface="Lato"/>
-                <a:cs typeface="Lato"/>
-                <a:sym typeface="Lato"/>
-              </a:rPr>
-              <a:t> </a:t>
-            </a:r>
-            <a:r>
-              <a:rPr lang="en-IN" sz="1200" b="1" dirty="0" err="1" smtClean="0">
-                <a:solidFill>
-                  <a:schemeClr val="bg1"/>
-                </a:solidFill>
-                <a:latin typeface="Lato"/>
-                <a:ea typeface="Lato"/>
-                <a:cs typeface="Lato"/>
-                <a:sym typeface="Lato"/>
-              </a:rPr>
-              <a:t>Python</a:t>
-            </a:r>
-            <a:r>
-              <a:rPr lang="en-IN" sz="1200" b="1" dirty="0" smtClean="0">
-                <a:solidFill>
-                  <a:schemeClr val="bg1"/>
-                </a:solidFill>
-                <a:latin typeface="Lato"/>
-                <a:ea typeface="Lato"/>
-                <a:cs typeface="Lato"/>
-                <a:sym typeface="Lato"/>
-              </a:rPr>
-              <a:t> </a:t>
-            </a:r>
-            <a:r>
-              <a:rPr lang="en-IN" sz="1200" b="1" dirty="0" err="1" smtClean="0">
-                <a:solidFill>
-                  <a:schemeClr val="bg1"/>
-                </a:solidFill>
-                <a:latin typeface="Lato"/>
-                <a:ea typeface="Lato"/>
-                <a:cs typeface="Lato"/>
-                <a:sym typeface="Lato"/>
-              </a:rPr>
-              <a:t>Python</a:t>
-            </a:r>
-            <a:r>
-              <a:rPr lang="en-IN" sz="1200" b="1" dirty="0" smtClean="0">
-                <a:solidFill>
-                  <a:schemeClr val="bg1"/>
-                </a:solidFill>
-                <a:latin typeface="Lato"/>
-                <a:ea typeface="Lato"/>
-                <a:cs typeface="Lato"/>
-                <a:sym typeface="Lato"/>
-              </a:rPr>
-              <a:t> </a:t>
-            </a:r>
-            <a:r>
-              <a:rPr lang="en-IN" sz="1200" b="1" dirty="0" err="1" smtClean="0">
-                <a:solidFill>
-                  <a:schemeClr val="bg1"/>
-                </a:solidFill>
-                <a:latin typeface="Lato"/>
-                <a:ea typeface="Lato"/>
-                <a:cs typeface="Lato"/>
-                <a:sym typeface="Lato"/>
-              </a:rPr>
-              <a:t>Python</a:t>
-            </a:r>
-            <a:r>
-              <a:rPr lang="en-IN" sz="1200" b="1" dirty="0" smtClean="0">
-                <a:solidFill>
-                  <a:schemeClr val="bg1"/>
-                </a:solidFill>
-                <a:latin typeface="Lato"/>
-                <a:ea typeface="Lato"/>
-                <a:cs typeface="Lato"/>
-                <a:sym typeface="Lato"/>
-              </a:rPr>
-              <a:t> </a:t>
-            </a:r>
-            <a:r>
-              <a:rPr lang="en-IN" sz="1200" b="1" dirty="0" err="1" smtClean="0">
-                <a:solidFill>
-                  <a:schemeClr val="bg1"/>
-                </a:solidFill>
-                <a:latin typeface="Lato"/>
-                <a:ea typeface="Lato"/>
-                <a:cs typeface="Lato"/>
-                <a:sym typeface="Lato"/>
-              </a:rPr>
-              <a:t>Python</a:t>
-            </a:r>
-            <a:r>
-              <a:rPr lang="en-IN" sz="1200" b="1" dirty="0" smtClean="0">
-                <a:solidFill>
-                  <a:schemeClr val="bg1"/>
-                </a:solidFill>
-                <a:latin typeface="Lato"/>
-                <a:ea typeface="Lato"/>
-                <a:cs typeface="Lato"/>
-                <a:sym typeface="Lato"/>
-              </a:rPr>
-              <a:t> </a:t>
-            </a:r>
-            <a:endParaRPr kumimoji="0" lang="en-IN" sz="1300" b="0" i="0" u="none" strike="noStrike" kern="0" cap="none" spc="0" normalizeH="0" baseline="0" noProof="0" dirty="0">
-              <a:ln>
-                <a:noFill/>
-              </a:ln>
-              <a:solidFill>
-                <a:schemeClr val="bg1"/>
-              </a:solidFill>
-              <a:effectLst/>
-              <a:uLnTx/>
-              <a:uFillTx/>
-              <a:latin typeface="Lato"/>
-              <a:ea typeface="Lato"/>
-              <a:cs typeface="Lato"/>
-              <a:sym typeface="Lato"/>
-            </a:endParaRPr>
-          </a:p>
-        </p:txBody>
-      </p:sp>
-    </p:spTree>
-  </p:cSld>
-  <p:clrMapOvr>
-    <a:masterClrMapping/>
-  </p:clrMapOvr>
-</p:sld>
-</file>
-
-<file path=ppt/slides/slide34.xml><?xml version="1.0" encoding="utf-8"?>
-<p:sld xmlns:a="http://schemas.openxmlformats.org/drawingml/2006/main" xmlns:r="http://schemas.openxmlformats.org/officeDocument/2006/relationships" xmlns:p="http://schemas.openxmlformats.org/presentationml/2006/main">
-  <p:cSld>
-    <p:spTree>
-      <p:nvGrpSpPr>
-        <p:cNvPr id="1" name=""/>
-        <p:cNvGrpSpPr/>
-        <p:nvPr/>
-      </p:nvGrpSpPr>
-      <p:grpSpPr>
-        <a:xfrm>
-          <a:off x="0" y="0"/>
-          <a:ext cx="0" cy="0"/>
-          <a:chOff x="0" y="0"/>
-          <a:chExt cx="0" cy="0"/>
-        </a:xfrm>
-      </p:grpSpPr>
-      <p:sp>
-        <p:nvSpPr>
-          <p:cNvPr id="2" name="Title 1"/>
-          <p:cNvSpPr>
-            <a:spLocks noGrp="1"/>
-          </p:cNvSpPr>
-          <p:nvPr>
-            <p:ph type="title"/>
-          </p:nvPr>
-        </p:nvSpPr>
-        <p:spPr/>
-        <p:txBody>
-          <a:bodyPr/>
-          <a:lstStyle/>
-          <a:p>
-            <a:r>
-              <a:rPr lang="en-IN" dirty="0" smtClean="0"/>
-              <a:t>Operations on String</a:t>
-            </a:r>
-            <a:endParaRPr lang="en-IN" dirty="0"/>
-          </a:p>
-        </p:txBody>
-      </p:sp>
-      <p:sp>
-        <p:nvSpPr>
-          <p:cNvPr id="3" name="Text Placeholder 2"/>
-          <p:cNvSpPr>
-            <a:spLocks noGrp="1"/>
-          </p:cNvSpPr>
-          <p:nvPr>
-            <p:ph type="body" idx="1"/>
-          </p:nvPr>
-        </p:nvSpPr>
-        <p:spPr>
-          <a:xfrm>
-            <a:off x="729450" y="1941715"/>
-            <a:ext cx="7688700" cy="1296785"/>
-          </a:xfrm>
-        </p:spPr>
-        <p:txBody>
-          <a:bodyPr/>
-          <a:lstStyle/>
-          <a:p>
-            <a:r>
-              <a:rPr lang="en-IN" sz="2800" b="1" dirty="0" smtClean="0"/>
-              <a:t>Indexing</a:t>
-            </a:r>
-            <a:r>
-              <a:rPr lang="en-IN" dirty="0" smtClean="0"/>
-              <a:t/>
-            </a:r>
-            <a:br>
-              <a:rPr lang="en-IN" dirty="0" smtClean="0"/>
-            </a:br>
-            <a:r>
-              <a:rPr lang="en-IN" sz="1800" dirty="0" smtClean="0"/>
-              <a:t>"Python"[0] will result in "P"</a:t>
-            </a:r>
-            <a:endParaRPr lang="en-IN" sz="1800" b="1" dirty="0" smtClean="0"/>
-          </a:p>
-          <a:p>
-            <a:endParaRPr lang="en-IN" sz="1800" b="1" dirty="0" smtClean="0"/>
-          </a:p>
-          <a:p>
-            <a:endParaRPr lang="en-IN" dirty="0"/>
-          </a:p>
-        </p:txBody>
-      </p:sp>
-      <p:sp>
-        <p:nvSpPr>
-          <p:cNvPr id="4" name="Text Placeholder 2"/>
-          <p:cNvSpPr txBox="1">
-            <a:spLocks/>
-          </p:cNvSpPr>
-          <p:nvPr/>
-        </p:nvSpPr>
-        <p:spPr>
-          <a:xfrm>
-            <a:off x="836130" y="3604260"/>
-            <a:ext cx="7688700" cy="1242060"/>
-          </a:xfrm>
-          <a:prstGeom prst="rect">
-            <a:avLst/>
-          </a:prstGeom>
-          <a:solidFill>
-            <a:schemeClr val="bg2">
-              <a:lumMod val="75000"/>
-              <a:lumOff val="25000"/>
-            </a:schemeClr>
-          </a:solidFill>
-          <a:ln>
-            <a:noFill/>
-          </a:ln>
-        </p:spPr>
-        <p:txBody>
-          <a:bodyPr spcFirstLastPara="1" wrap="square" lIns="91425" tIns="91425" rIns="91425" bIns="91425" anchor="t" anchorCtr="0"/>
-          <a:lstStyle/>
-          <a:p>
-            <a:pPr marL="457200" marR="0" lvl="0" indent="-311150" algn="l" defTabSz="914400" rtl="0" eaLnBrk="1" fontAlgn="auto" latinLnBrk="0" hangingPunct="1">
-              <a:lnSpc>
-                <a:spcPct val="115000"/>
-              </a:lnSpc>
-              <a:spcBef>
-                <a:spcPts val="0"/>
-              </a:spcBef>
-              <a:spcAft>
-                <a:spcPts val="0"/>
-              </a:spcAft>
-              <a:buClr>
-                <a:schemeClr val="accent1"/>
-              </a:buClr>
-              <a:buSzPts val="1300"/>
-              <a:tabLst/>
-              <a:defRPr/>
-            </a:pPr>
-            <a:r>
-              <a:rPr kumimoji="0" lang="en-IN" sz="1800" b="1" i="0" u="none" strike="noStrike" kern="0" cap="none" spc="0" normalizeH="0" baseline="0" noProof="0" dirty="0" smtClean="0">
-                <a:ln>
-                  <a:noFill/>
-                </a:ln>
-                <a:solidFill>
-                  <a:schemeClr val="bg1"/>
-                </a:solidFill>
-                <a:effectLst/>
-                <a:uLnTx/>
-                <a:uFillTx/>
-                <a:latin typeface="Lato"/>
-                <a:ea typeface="Lato"/>
-                <a:cs typeface="Lato"/>
-                <a:sym typeface="Lato"/>
-              </a:rPr>
-              <a:t>&gt;&gt;&gt;  name=“Python </a:t>
-            </a:r>
-            <a:r>
-              <a:rPr kumimoji="0" lang="en-IN" sz="1800" b="1" i="0" u="none" strike="noStrike" kern="0" cap="none" spc="0" normalizeH="0" noProof="0" dirty="0" smtClean="0">
-                <a:ln>
-                  <a:noFill/>
-                </a:ln>
-                <a:solidFill>
-                  <a:schemeClr val="bg1"/>
-                </a:solidFill>
-                <a:effectLst/>
-                <a:uLnTx/>
-                <a:uFillTx/>
-                <a:latin typeface="Lato"/>
-                <a:ea typeface="Lato"/>
-                <a:cs typeface="Lato"/>
-                <a:sym typeface="Lato"/>
-              </a:rPr>
-              <a:t> </a:t>
-            </a:r>
-            <a:r>
-              <a:rPr kumimoji="0" lang="en-IN" sz="1800" b="1" i="0" u="none" strike="noStrike" kern="0" cap="none" spc="0" normalizeH="0" baseline="0" noProof="0" dirty="0" smtClean="0">
-                <a:ln>
-                  <a:noFill/>
-                </a:ln>
-                <a:solidFill>
-                  <a:schemeClr val="bg1"/>
-                </a:solidFill>
-                <a:effectLst/>
-                <a:uLnTx/>
-                <a:uFillTx/>
-                <a:latin typeface="Lato"/>
-                <a:ea typeface="Lato"/>
-                <a:cs typeface="Lato"/>
-                <a:sym typeface="Lato"/>
-              </a:rPr>
-              <a:t>”</a:t>
-            </a:r>
-          </a:p>
-          <a:p>
-            <a:pPr marL="457200" marR="0" lvl="0" indent="-311150" algn="l" defTabSz="914400" rtl="0" eaLnBrk="1" fontAlgn="auto" latinLnBrk="0" hangingPunct="1">
-              <a:lnSpc>
-                <a:spcPct val="115000"/>
-              </a:lnSpc>
-              <a:spcBef>
-                <a:spcPts val="0"/>
-              </a:spcBef>
-              <a:spcAft>
-                <a:spcPts val="0"/>
-              </a:spcAft>
-              <a:buClr>
-                <a:schemeClr val="accent1"/>
-              </a:buClr>
-              <a:buSzPts val="1300"/>
-              <a:tabLst/>
-              <a:defRPr/>
-            </a:pPr>
-            <a:r>
-              <a:rPr lang="en-IN" sz="1800" b="1" dirty="0" smtClean="0">
-                <a:solidFill>
-                  <a:schemeClr val="bg1"/>
-                </a:solidFill>
-                <a:latin typeface="Lato"/>
-                <a:ea typeface="Lato"/>
-                <a:cs typeface="Lato"/>
-                <a:sym typeface="Lato"/>
-              </a:rPr>
-              <a:t>&gt;&gt;&gt;  name*10</a:t>
-            </a:r>
-          </a:p>
-          <a:p>
-            <a:pPr marL="457200" lvl="0" indent="-311150">
-              <a:lnSpc>
-                <a:spcPct val="115000"/>
-              </a:lnSpc>
-              <a:buClr>
-                <a:schemeClr val="accent1"/>
-              </a:buClr>
-              <a:buSzPts val="1300"/>
-            </a:pPr>
-            <a:r>
-              <a:rPr lang="en-IN" sz="1200" b="1" dirty="0" smtClean="0">
-                <a:solidFill>
-                  <a:schemeClr val="bg1"/>
-                </a:solidFill>
-                <a:latin typeface="Lato"/>
-                <a:ea typeface="Lato"/>
-                <a:cs typeface="Lato"/>
-                <a:sym typeface="Lato"/>
-              </a:rPr>
-              <a:t>Python</a:t>
-            </a:r>
-            <a:r>
-              <a:rPr lang="en-IN" sz="1200" b="1" dirty="0" smtClean="0">
-                <a:solidFill>
-                  <a:schemeClr val="bg1"/>
-                </a:solidFill>
-                <a:latin typeface="Lato"/>
-                <a:ea typeface="Lato"/>
-                <a:cs typeface="Lato"/>
-                <a:sym typeface="Lato"/>
-              </a:rPr>
-              <a:t> </a:t>
-            </a:r>
-            <a:r>
-              <a:rPr lang="en-IN" sz="1200" b="1" dirty="0" err="1" smtClean="0">
-                <a:solidFill>
-                  <a:schemeClr val="bg1"/>
-                </a:solidFill>
-                <a:latin typeface="Lato"/>
-                <a:ea typeface="Lato"/>
-                <a:cs typeface="Lato"/>
-                <a:sym typeface="Lato"/>
-              </a:rPr>
-              <a:t>Python</a:t>
-            </a:r>
-            <a:r>
-              <a:rPr lang="en-IN" sz="1200" b="1" dirty="0" smtClean="0">
-                <a:solidFill>
-                  <a:schemeClr val="bg1"/>
-                </a:solidFill>
-                <a:latin typeface="Lato"/>
-                <a:ea typeface="Lato"/>
-                <a:cs typeface="Lato"/>
-                <a:sym typeface="Lato"/>
-              </a:rPr>
-              <a:t> </a:t>
-            </a:r>
-            <a:r>
-              <a:rPr lang="en-IN" sz="1200" b="1" dirty="0" err="1" smtClean="0">
-                <a:solidFill>
-                  <a:schemeClr val="bg1"/>
-                </a:solidFill>
-                <a:latin typeface="Lato"/>
-                <a:ea typeface="Lato"/>
-                <a:cs typeface="Lato"/>
-                <a:sym typeface="Lato"/>
-              </a:rPr>
-              <a:t>Python</a:t>
-            </a:r>
-            <a:r>
-              <a:rPr lang="en-IN" sz="1200" b="1" dirty="0" smtClean="0">
-                <a:solidFill>
-                  <a:schemeClr val="bg1"/>
-                </a:solidFill>
-                <a:latin typeface="Lato"/>
-                <a:ea typeface="Lato"/>
-                <a:cs typeface="Lato"/>
-                <a:sym typeface="Lato"/>
-              </a:rPr>
-              <a:t> </a:t>
-            </a:r>
-            <a:r>
-              <a:rPr lang="en-IN" sz="1200" b="1" dirty="0" err="1" smtClean="0">
-                <a:solidFill>
-                  <a:schemeClr val="bg1"/>
-                </a:solidFill>
-                <a:latin typeface="Lato"/>
-                <a:ea typeface="Lato"/>
-                <a:cs typeface="Lato"/>
-                <a:sym typeface="Lato"/>
-              </a:rPr>
-              <a:t>Python</a:t>
-            </a:r>
-            <a:r>
-              <a:rPr lang="en-IN" sz="1200" b="1" dirty="0" smtClean="0">
-                <a:solidFill>
-                  <a:schemeClr val="bg1"/>
-                </a:solidFill>
-                <a:latin typeface="Lato"/>
-                <a:ea typeface="Lato"/>
-                <a:cs typeface="Lato"/>
-                <a:sym typeface="Lato"/>
-              </a:rPr>
-              <a:t> </a:t>
-            </a:r>
-            <a:r>
-              <a:rPr lang="en-IN" sz="1200" b="1" dirty="0" err="1" smtClean="0">
-                <a:solidFill>
-                  <a:schemeClr val="bg1"/>
-                </a:solidFill>
-                <a:latin typeface="Lato"/>
-                <a:ea typeface="Lato"/>
-                <a:cs typeface="Lato"/>
-                <a:sym typeface="Lato"/>
-              </a:rPr>
-              <a:t>Python</a:t>
-            </a:r>
-            <a:r>
-              <a:rPr lang="en-IN" sz="1200" b="1" dirty="0" smtClean="0">
-                <a:solidFill>
-                  <a:schemeClr val="bg1"/>
-                </a:solidFill>
-                <a:latin typeface="Lato"/>
-                <a:ea typeface="Lato"/>
-                <a:cs typeface="Lato"/>
-                <a:sym typeface="Lato"/>
-              </a:rPr>
-              <a:t> </a:t>
-            </a:r>
-            <a:r>
-              <a:rPr lang="en-IN" sz="1200" b="1" dirty="0" err="1" smtClean="0">
-                <a:solidFill>
-                  <a:schemeClr val="bg1"/>
-                </a:solidFill>
-                <a:latin typeface="Lato"/>
-                <a:ea typeface="Lato"/>
-                <a:cs typeface="Lato"/>
-                <a:sym typeface="Lato"/>
-              </a:rPr>
-              <a:t>Python</a:t>
-            </a:r>
-            <a:r>
-              <a:rPr lang="en-IN" sz="1200" b="1" dirty="0" smtClean="0">
-                <a:solidFill>
-                  <a:schemeClr val="bg1"/>
-                </a:solidFill>
-                <a:latin typeface="Lato"/>
-                <a:ea typeface="Lato"/>
-                <a:cs typeface="Lato"/>
-                <a:sym typeface="Lato"/>
-              </a:rPr>
-              <a:t> </a:t>
-            </a:r>
-            <a:r>
-              <a:rPr lang="en-IN" sz="1200" b="1" dirty="0" err="1" smtClean="0">
-                <a:solidFill>
-                  <a:schemeClr val="bg1"/>
-                </a:solidFill>
-                <a:latin typeface="Lato"/>
-                <a:ea typeface="Lato"/>
-                <a:cs typeface="Lato"/>
-                <a:sym typeface="Lato"/>
-              </a:rPr>
-              <a:t>Python</a:t>
-            </a:r>
-            <a:r>
-              <a:rPr lang="en-IN" sz="1200" b="1" dirty="0" smtClean="0">
-                <a:solidFill>
-                  <a:schemeClr val="bg1"/>
-                </a:solidFill>
-                <a:latin typeface="Lato"/>
-                <a:ea typeface="Lato"/>
-                <a:cs typeface="Lato"/>
-                <a:sym typeface="Lato"/>
-              </a:rPr>
-              <a:t> </a:t>
-            </a:r>
-            <a:r>
-              <a:rPr lang="en-IN" sz="1200" b="1" dirty="0" err="1" smtClean="0">
-                <a:solidFill>
-                  <a:schemeClr val="bg1"/>
-                </a:solidFill>
-                <a:latin typeface="Lato"/>
-                <a:ea typeface="Lato"/>
-                <a:cs typeface="Lato"/>
-                <a:sym typeface="Lato"/>
-              </a:rPr>
-              <a:t>Python</a:t>
-            </a:r>
-            <a:r>
-              <a:rPr lang="en-IN" sz="1200" b="1" dirty="0" smtClean="0">
-                <a:solidFill>
-                  <a:schemeClr val="bg1"/>
-                </a:solidFill>
-                <a:latin typeface="Lato"/>
-                <a:ea typeface="Lato"/>
-                <a:cs typeface="Lato"/>
-                <a:sym typeface="Lato"/>
-              </a:rPr>
-              <a:t> </a:t>
-            </a:r>
-            <a:r>
-              <a:rPr lang="en-IN" sz="1200" b="1" dirty="0" err="1" smtClean="0">
-                <a:solidFill>
-                  <a:schemeClr val="bg1"/>
-                </a:solidFill>
-                <a:latin typeface="Lato"/>
-                <a:ea typeface="Lato"/>
-                <a:cs typeface="Lato"/>
-                <a:sym typeface="Lato"/>
-              </a:rPr>
-              <a:t>Python</a:t>
-            </a:r>
-            <a:r>
-              <a:rPr lang="en-IN" sz="1200" b="1" dirty="0" smtClean="0">
-                <a:solidFill>
-                  <a:schemeClr val="bg1"/>
-                </a:solidFill>
-                <a:latin typeface="Lato"/>
-                <a:ea typeface="Lato"/>
-                <a:cs typeface="Lato"/>
-                <a:sym typeface="Lato"/>
-              </a:rPr>
-              <a:t> </a:t>
-            </a:r>
-            <a:r>
-              <a:rPr lang="en-IN" sz="1200" b="1" dirty="0" err="1" smtClean="0">
-                <a:solidFill>
-                  <a:schemeClr val="bg1"/>
-                </a:solidFill>
-                <a:latin typeface="Lato"/>
-                <a:ea typeface="Lato"/>
-                <a:cs typeface="Lato"/>
-                <a:sym typeface="Lato"/>
-              </a:rPr>
-              <a:t>Python</a:t>
-            </a:r>
-            <a:r>
-              <a:rPr lang="en-IN" sz="1200" b="1" dirty="0" smtClean="0">
-                <a:solidFill>
-                  <a:schemeClr val="bg1"/>
-                </a:solidFill>
-                <a:latin typeface="Lato"/>
-                <a:ea typeface="Lato"/>
-                <a:cs typeface="Lato"/>
-                <a:sym typeface="Lato"/>
-              </a:rPr>
-              <a:t> </a:t>
-            </a:r>
-            <a:endParaRPr kumimoji="0" lang="en-IN" sz="1300" b="0" i="0" u="none" strike="noStrike" kern="0" cap="none" spc="0" normalizeH="0" baseline="0" noProof="0" dirty="0">
-              <a:ln>
-                <a:noFill/>
-              </a:ln>
-              <a:solidFill>
-                <a:schemeClr val="bg1"/>
-              </a:solidFill>
-              <a:effectLst/>
-              <a:uLnTx/>
-              <a:uFillTx/>
-              <a:latin typeface="Lato"/>
-              <a:ea typeface="Lato"/>
-              <a:cs typeface="Lato"/>
-              <a:sym typeface="Lato"/>
-            </a:endParaRPr>
-          </a:p>
-        </p:txBody>
-      </p:sp>
-      <p:pic>
-        <p:nvPicPr>
-          <p:cNvPr id="5" name="Picture 2" descr="String Indexing or subscripting"/>
-          <p:cNvPicPr>
-            <a:picLocks noChangeAspect="1" noChangeArrowheads="1"/>
-          </p:cNvPicPr>
-          <p:nvPr/>
-        </p:nvPicPr>
-        <p:blipFill>
-          <a:blip r:embed="rId2"/>
-          <a:srcRect/>
-          <a:stretch>
-            <a:fillRect/>
-          </a:stretch>
-        </p:blipFill>
-        <p:spPr bwMode="auto">
-          <a:xfrm>
-            <a:off x="5070476" y="891857"/>
-            <a:ext cx="2950940" cy="929323"/>
-          </a:xfrm>
-          <a:prstGeom prst="rect">
-            <a:avLst/>
-          </a:prstGeom>
-          <a:noFill/>
-        </p:spPr>
-      </p:pic>
-      <p:pic>
-        <p:nvPicPr>
-          <p:cNvPr id="6" name="Picture 4" descr="Negative String indices from the right"/>
-          <p:cNvPicPr>
-            <a:picLocks noChangeAspect="1" noChangeArrowheads="1"/>
-          </p:cNvPicPr>
-          <p:nvPr/>
-        </p:nvPicPr>
-        <p:blipFill>
-          <a:blip r:embed="rId3"/>
-          <a:srcRect/>
-          <a:stretch>
-            <a:fillRect/>
-          </a:stretch>
-        </p:blipFill>
-        <p:spPr bwMode="auto">
-          <a:xfrm>
-            <a:off x="5131435" y="2149793"/>
-            <a:ext cx="2884805" cy="898207"/>
-          </a:xfrm>
-          <a:prstGeom prst="rect">
-            <a:avLst/>
-          </a:prstGeom>
-          <a:noFill/>
-        </p:spPr>
-      </p:pic>
-    </p:spTree>
-  </p:cSld>
-  <p:clrMapOvr>
-    <a:masterClrMapping/>
-  </p:clrMapOvr>
-</p:sld>
-</file>
-
-<file path=ppt/slides/slide35.xml><?xml version="1.0" encoding="utf-8"?>
-<p:sld xmlns:a="http://schemas.openxmlformats.org/drawingml/2006/main" xmlns:r="http://schemas.openxmlformats.org/officeDocument/2006/relationships" xmlns:p="http://schemas.openxmlformats.org/presentationml/2006/main">
-  <p:cSld>
-    <p:spTree>
-      <p:nvGrpSpPr>
-        <p:cNvPr id="1" name=""/>
-        <p:cNvGrpSpPr/>
-        <p:nvPr/>
-      </p:nvGrpSpPr>
-      <p:grpSpPr>
-        <a:xfrm>
-          <a:off x="0" y="0"/>
-          <a:ext cx="0" cy="0"/>
-          <a:chOff x="0" y="0"/>
-          <a:chExt cx="0" cy="0"/>
-        </a:xfrm>
-      </p:grpSpPr>
-      <p:sp>
-        <p:nvSpPr>
-          <p:cNvPr id="2" name="Title 1"/>
-          <p:cNvSpPr>
-            <a:spLocks noGrp="1"/>
-          </p:cNvSpPr>
-          <p:nvPr>
-            <p:ph type="title"/>
-          </p:nvPr>
-        </p:nvSpPr>
-        <p:spPr/>
-        <p:txBody>
-          <a:bodyPr/>
-          <a:lstStyle/>
-          <a:p>
-            <a:r>
-              <a:rPr lang="en-IN" dirty="0" smtClean="0"/>
-              <a:t>Operations on String</a:t>
-            </a:r>
-            <a:endParaRPr lang="en-IN" dirty="0"/>
-          </a:p>
-        </p:txBody>
-      </p:sp>
-      <p:sp>
-        <p:nvSpPr>
-          <p:cNvPr id="3" name="Text Placeholder 2"/>
-          <p:cNvSpPr>
-            <a:spLocks noGrp="1"/>
-          </p:cNvSpPr>
-          <p:nvPr>
-            <p:ph type="body" idx="1"/>
-          </p:nvPr>
-        </p:nvSpPr>
-        <p:spPr>
-          <a:xfrm>
-            <a:off x="729450" y="1941715"/>
-            <a:ext cx="7688700" cy="1487285"/>
-          </a:xfrm>
-        </p:spPr>
-        <p:txBody>
-          <a:bodyPr/>
-          <a:lstStyle/>
-          <a:p>
-            <a:r>
-              <a:rPr lang="en-IN" sz="2800" b="1" dirty="0" smtClean="0"/>
-              <a:t>Slicing</a:t>
-            </a:r>
-            <a:r>
-              <a:rPr lang="en-IN" dirty="0" smtClean="0"/>
-              <a:t/>
-            </a:r>
-            <a:br>
-              <a:rPr lang="en-IN" dirty="0" smtClean="0"/>
-            </a:br>
-            <a:r>
-              <a:rPr lang="en-IN" sz="1800" dirty="0" smtClean="0"/>
-              <a:t> </a:t>
-            </a:r>
-            <a:r>
-              <a:rPr lang="en-IN" sz="1600" dirty="0" smtClean="0"/>
-              <a:t>Substrings can be created with the slice or slicing notation, i.e. two indices in square brackets separated by a colon: </a:t>
-            </a:r>
-            <a:br>
-              <a:rPr lang="en-IN" sz="1600" dirty="0" smtClean="0"/>
-            </a:br>
-            <a:r>
-              <a:rPr lang="en-IN" sz="1600" dirty="0" smtClean="0"/>
-              <a:t>"Python"[2:4] will result in "</a:t>
-            </a:r>
-            <a:r>
-              <a:rPr lang="en-IN" sz="1600" dirty="0" err="1" smtClean="0"/>
-              <a:t>th</a:t>
-            </a:r>
-            <a:r>
-              <a:rPr lang="en-IN" sz="1600" dirty="0" smtClean="0"/>
-              <a:t>" </a:t>
-            </a:r>
-            <a:r>
-              <a:rPr lang="en-IN" sz="1800" dirty="0" smtClean="0"/>
-              <a:t/>
-            </a:r>
-            <a:br>
-              <a:rPr lang="en-IN" sz="1800" dirty="0" smtClean="0"/>
-            </a:br>
-            <a:endParaRPr lang="en-IN" sz="1800" b="1" dirty="0" smtClean="0"/>
-          </a:p>
-          <a:p>
-            <a:endParaRPr lang="en-IN" sz="1800" b="1" dirty="0" smtClean="0"/>
-          </a:p>
-          <a:p>
-            <a:endParaRPr lang="en-IN" dirty="0"/>
-          </a:p>
-        </p:txBody>
-      </p:sp>
-      <p:sp>
-        <p:nvSpPr>
-          <p:cNvPr id="4" name="Text Placeholder 2"/>
-          <p:cNvSpPr txBox="1">
-            <a:spLocks/>
-          </p:cNvSpPr>
-          <p:nvPr/>
-        </p:nvSpPr>
-        <p:spPr>
-          <a:xfrm>
-            <a:off x="836130" y="3604260"/>
-            <a:ext cx="7688700" cy="1242060"/>
-          </a:xfrm>
-          <a:prstGeom prst="rect">
-            <a:avLst/>
-          </a:prstGeom>
-          <a:solidFill>
-            <a:schemeClr val="bg2">
-              <a:lumMod val="75000"/>
-              <a:lumOff val="25000"/>
-            </a:schemeClr>
-          </a:solidFill>
-          <a:ln>
-            <a:noFill/>
-          </a:ln>
-        </p:spPr>
-        <p:txBody>
-          <a:bodyPr spcFirstLastPara="1" wrap="square" lIns="91425" tIns="91425" rIns="91425" bIns="91425" anchor="t" anchorCtr="0"/>
-          <a:lstStyle/>
-          <a:p>
-            <a:pPr marL="457200" marR="0" lvl="0" indent="-311150" algn="l" defTabSz="914400" rtl="0" eaLnBrk="1" fontAlgn="auto" latinLnBrk="0" hangingPunct="1">
-              <a:lnSpc>
-                <a:spcPct val="115000"/>
-              </a:lnSpc>
-              <a:spcBef>
-                <a:spcPts val="0"/>
-              </a:spcBef>
-              <a:spcAft>
-                <a:spcPts val="0"/>
-              </a:spcAft>
-              <a:buClr>
-                <a:schemeClr val="accent1"/>
-              </a:buClr>
-              <a:buSzPts val="1300"/>
-              <a:tabLst/>
-              <a:defRPr/>
-            </a:pPr>
-            <a:r>
-              <a:rPr kumimoji="0" lang="en-IN" sz="1800" b="1" i="0" u="none" strike="noStrike" kern="0" cap="none" spc="0" normalizeH="0" baseline="0" noProof="0" dirty="0" smtClean="0">
-                <a:ln>
-                  <a:noFill/>
-                </a:ln>
-                <a:solidFill>
-                  <a:schemeClr val="bg1"/>
-                </a:solidFill>
-                <a:effectLst/>
-                <a:uLnTx/>
-                <a:uFillTx/>
-                <a:latin typeface="Lato"/>
-                <a:ea typeface="Lato"/>
-                <a:cs typeface="Lato"/>
-                <a:sym typeface="Lato"/>
-              </a:rPr>
-              <a:t>&gt;&gt;&gt;  name=“Python </a:t>
-            </a:r>
-            <a:r>
-              <a:rPr kumimoji="0" lang="en-IN" sz="1800" b="1" i="0" u="none" strike="noStrike" kern="0" cap="none" spc="0" normalizeH="0" noProof="0" dirty="0" smtClean="0">
-                <a:ln>
-                  <a:noFill/>
-                </a:ln>
-                <a:solidFill>
-                  <a:schemeClr val="bg1"/>
-                </a:solidFill>
-                <a:effectLst/>
-                <a:uLnTx/>
-                <a:uFillTx/>
-                <a:latin typeface="Lato"/>
-                <a:ea typeface="Lato"/>
-                <a:cs typeface="Lato"/>
-                <a:sym typeface="Lato"/>
-              </a:rPr>
-              <a:t> </a:t>
-            </a:r>
-            <a:r>
-              <a:rPr kumimoji="0" lang="en-IN" sz="1800" b="1" i="0" u="none" strike="noStrike" kern="0" cap="none" spc="0" normalizeH="0" baseline="0" noProof="0" dirty="0" smtClean="0">
-                <a:ln>
-                  <a:noFill/>
-                </a:ln>
-                <a:solidFill>
-                  <a:schemeClr val="bg1"/>
-                </a:solidFill>
-                <a:effectLst/>
-                <a:uLnTx/>
-                <a:uFillTx/>
-                <a:latin typeface="Lato"/>
-                <a:ea typeface="Lato"/>
-                <a:cs typeface="Lato"/>
-                <a:sym typeface="Lato"/>
-              </a:rPr>
-              <a:t>”</a:t>
-            </a:r>
-          </a:p>
-          <a:p>
-            <a:pPr marL="457200" marR="0" lvl="0" indent="-311150" algn="l" defTabSz="914400" rtl="0" eaLnBrk="1" fontAlgn="auto" latinLnBrk="0" hangingPunct="1">
-              <a:lnSpc>
-                <a:spcPct val="115000"/>
-              </a:lnSpc>
-              <a:spcBef>
-                <a:spcPts val="0"/>
-              </a:spcBef>
-              <a:spcAft>
-                <a:spcPts val="0"/>
-              </a:spcAft>
-              <a:buClr>
-                <a:schemeClr val="accent1"/>
-              </a:buClr>
-              <a:buSzPts val="1300"/>
-              <a:tabLst/>
-              <a:defRPr/>
-            </a:pPr>
-            <a:r>
-              <a:rPr lang="en-IN" sz="1800" b="1" dirty="0" smtClean="0">
-                <a:solidFill>
-                  <a:schemeClr val="bg1"/>
-                </a:solidFill>
-                <a:latin typeface="Lato"/>
-                <a:ea typeface="Lato"/>
-                <a:cs typeface="Lato"/>
-                <a:sym typeface="Lato"/>
-              </a:rPr>
-              <a:t>&gt;&gt;&gt;  name[2:4]</a:t>
-            </a:r>
-          </a:p>
-          <a:p>
-            <a:pPr marL="457200" lvl="0" indent="-311150">
-              <a:lnSpc>
-                <a:spcPct val="115000"/>
-              </a:lnSpc>
-              <a:buClr>
-                <a:schemeClr val="accent1"/>
-              </a:buClr>
-              <a:buSzPts val="1300"/>
-            </a:pPr>
-            <a:r>
-              <a:rPr lang="en-IN" sz="1200" b="1" dirty="0" err="1" smtClean="0">
-                <a:solidFill>
-                  <a:schemeClr val="bg1"/>
-                </a:solidFill>
-                <a:latin typeface="Lato"/>
-                <a:ea typeface="Lato"/>
-                <a:cs typeface="Lato"/>
-                <a:sym typeface="Lato"/>
-              </a:rPr>
-              <a:t>th</a:t>
-            </a:r>
-            <a:endParaRPr kumimoji="0" lang="en-IN" sz="1300" b="0" i="0" u="none" strike="noStrike" kern="0" cap="none" spc="0" normalizeH="0" baseline="0" noProof="0" dirty="0">
-              <a:ln>
-                <a:noFill/>
-              </a:ln>
-              <a:solidFill>
-                <a:schemeClr val="bg1"/>
-              </a:solidFill>
-              <a:effectLst/>
-              <a:uLnTx/>
-              <a:uFillTx/>
-              <a:latin typeface="Lato"/>
-              <a:ea typeface="Lato"/>
-              <a:cs typeface="Lato"/>
-              <a:sym typeface="Lato"/>
-            </a:endParaRPr>
-          </a:p>
-        </p:txBody>
-      </p:sp>
-      <p:pic>
-        <p:nvPicPr>
-          <p:cNvPr id="58370" name="Picture 2" descr="String Slicing"/>
-          <p:cNvPicPr>
-            <a:picLocks noChangeAspect="1" noChangeArrowheads="1"/>
-          </p:cNvPicPr>
-          <p:nvPr/>
-        </p:nvPicPr>
-        <p:blipFill>
-          <a:blip r:embed="rId2"/>
-          <a:srcRect/>
-          <a:stretch>
-            <a:fillRect/>
-          </a:stretch>
-        </p:blipFill>
-        <p:spPr bwMode="auto">
-          <a:xfrm>
-            <a:off x="5113019" y="1331562"/>
-            <a:ext cx="3455035" cy="997936"/>
-          </a:xfrm>
-          <a:prstGeom prst="rect">
-            <a:avLst/>
-          </a:prstGeom>
-          <a:noFill/>
-        </p:spPr>
-      </p:pic>
-    </p:spTree>
-  </p:cSld>
-  <p:clrMapOvr>
-    <a:masterClrMapping/>
-  </p:clrMapOvr>
-</p:sld>
-</file>
-
-<file path=ppt/slides/slide36.xml><?xml version="1.0" encoding="utf-8"?>
-<p:sld xmlns:a="http://schemas.openxmlformats.org/drawingml/2006/main" xmlns:r="http://schemas.openxmlformats.org/officeDocument/2006/relationships" xmlns:p="http://schemas.openxmlformats.org/presentationml/2006/main">
-  <p:cSld>
-    <p:spTree>
-      <p:nvGrpSpPr>
-        <p:cNvPr id="1" name=""/>
-        <p:cNvGrpSpPr/>
-        <p:nvPr/>
-      </p:nvGrpSpPr>
-      <p:grpSpPr>
-        <a:xfrm>
-          <a:off x="0" y="0"/>
-          <a:ext cx="0" cy="0"/>
-          <a:chOff x="0" y="0"/>
-          <a:chExt cx="0" cy="0"/>
-        </a:xfrm>
-      </p:grpSpPr>
-      <p:sp>
-        <p:nvSpPr>
-          <p:cNvPr id="2" name="Title 1"/>
-          <p:cNvSpPr>
-            <a:spLocks noGrp="1"/>
-          </p:cNvSpPr>
-          <p:nvPr>
-            <p:ph type="title"/>
-          </p:nvPr>
-        </p:nvSpPr>
-        <p:spPr/>
-        <p:txBody>
-          <a:bodyPr/>
-          <a:lstStyle/>
-          <a:p>
-            <a:r>
-              <a:rPr lang="en-IN" dirty="0" smtClean="0"/>
-              <a:t>Operations on String</a:t>
-            </a:r>
-            <a:endParaRPr lang="en-IN" dirty="0"/>
-          </a:p>
-        </p:txBody>
-      </p:sp>
-      <p:sp>
-        <p:nvSpPr>
-          <p:cNvPr id="3" name="Text Placeholder 2"/>
-          <p:cNvSpPr>
-            <a:spLocks noGrp="1"/>
-          </p:cNvSpPr>
-          <p:nvPr>
-            <p:ph type="body" idx="1"/>
-          </p:nvPr>
-        </p:nvSpPr>
-        <p:spPr>
-          <a:xfrm>
-            <a:off x="729450" y="1941715"/>
-            <a:ext cx="7688700" cy="1296785"/>
-          </a:xfrm>
-        </p:spPr>
-        <p:txBody>
-          <a:bodyPr/>
-          <a:lstStyle/>
-          <a:p>
-            <a:r>
-              <a:rPr lang="en-IN" sz="2800" b="1" dirty="0" smtClean="0"/>
-              <a:t>Size</a:t>
-            </a:r>
-            <a:r>
-              <a:rPr lang="en-IN" dirty="0" smtClean="0"/>
-              <a:t/>
-            </a:r>
-            <a:br>
-              <a:rPr lang="en-IN" dirty="0" smtClean="0"/>
-            </a:br>
-            <a:r>
-              <a:rPr lang="en-IN" sz="1800" dirty="0" smtClean="0"/>
-              <a:t>You find Size of string using a generic function Len</a:t>
-            </a:r>
-            <a:endParaRPr lang="en-IN" sz="1800" b="1" dirty="0" smtClean="0"/>
-          </a:p>
-          <a:p>
-            <a:endParaRPr lang="en-IN" sz="1800" b="1" dirty="0" smtClean="0"/>
-          </a:p>
-          <a:p>
-            <a:endParaRPr lang="en-IN" dirty="0"/>
-          </a:p>
-        </p:txBody>
-      </p:sp>
-      <p:sp>
-        <p:nvSpPr>
-          <p:cNvPr id="4" name="Text Placeholder 2"/>
-          <p:cNvSpPr txBox="1">
-            <a:spLocks/>
-          </p:cNvSpPr>
-          <p:nvPr/>
-        </p:nvSpPr>
-        <p:spPr>
-          <a:xfrm>
-            <a:off x="836130" y="3427615"/>
-            <a:ext cx="7688700" cy="1418705"/>
-          </a:xfrm>
-          <a:prstGeom prst="rect">
-            <a:avLst/>
-          </a:prstGeom>
-          <a:solidFill>
-            <a:schemeClr val="bg2">
-              <a:lumMod val="75000"/>
-              <a:lumOff val="25000"/>
-            </a:schemeClr>
-          </a:solidFill>
-          <a:ln>
-            <a:noFill/>
-          </a:ln>
-        </p:spPr>
-        <p:txBody>
-          <a:bodyPr spcFirstLastPara="1" wrap="square" lIns="91425" tIns="91425" rIns="91425" bIns="91425" anchor="t" anchorCtr="0"/>
-          <a:lstStyle/>
-          <a:p>
-            <a:pPr marL="457200" marR="0" lvl="0" indent="-311150" algn="l" defTabSz="914400" rtl="0" eaLnBrk="1" fontAlgn="auto" latinLnBrk="0" hangingPunct="1">
-              <a:lnSpc>
-                <a:spcPct val="115000"/>
-              </a:lnSpc>
-              <a:spcBef>
-                <a:spcPts val="0"/>
-              </a:spcBef>
-              <a:spcAft>
-                <a:spcPts val="0"/>
-              </a:spcAft>
-              <a:buClr>
-                <a:schemeClr val="accent1"/>
-              </a:buClr>
-              <a:buSzPts val="1300"/>
-              <a:tabLst/>
-              <a:defRPr/>
-            </a:pPr>
-            <a:r>
-              <a:rPr kumimoji="0" lang="en-IN" sz="1800" b="1" i="0" u="none" strike="noStrike" kern="0" cap="none" spc="0" normalizeH="0" baseline="0" noProof="0" dirty="0" smtClean="0">
-                <a:ln>
-                  <a:noFill/>
-                </a:ln>
-                <a:solidFill>
-                  <a:schemeClr val="bg1"/>
-                </a:solidFill>
-                <a:effectLst/>
-                <a:uLnTx/>
-                <a:uFillTx/>
-                <a:latin typeface="Lato"/>
-                <a:ea typeface="Lato"/>
-                <a:cs typeface="Lato"/>
-                <a:sym typeface="Lato"/>
-              </a:rPr>
-              <a:t>&gt;&gt;&gt;  name=“Python ”</a:t>
-            </a:r>
-          </a:p>
-          <a:p>
-            <a:pPr marL="457200" marR="0" lvl="0" indent="-311150" algn="l" defTabSz="914400" rtl="0" eaLnBrk="1" fontAlgn="auto" latinLnBrk="0" hangingPunct="1">
-              <a:lnSpc>
-                <a:spcPct val="115000"/>
-              </a:lnSpc>
-              <a:spcBef>
-                <a:spcPts val="0"/>
-              </a:spcBef>
-              <a:spcAft>
-                <a:spcPts val="0"/>
-              </a:spcAft>
-              <a:buClr>
-                <a:schemeClr val="accent1"/>
-              </a:buClr>
-              <a:buSzPts val="1300"/>
-              <a:tabLst/>
-              <a:defRPr/>
-            </a:pPr>
-            <a:r>
-              <a:rPr lang="en-IN" sz="1800" b="1" dirty="0" smtClean="0">
-                <a:solidFill>
-                  <a:schemeClr val="bg1"/>
-                </a:solidFill>
-                <a:latin typeface="Lato"/>
-                <a:ea typeface="Lato"/>
-                <a:cs typeface="Lato"/>
-                <a:sym typeface="Lato"/>
-              </a:rPr>
-              <a:t>&gt;&gt;&gt; </a:t>
-            </a:r>
-            <a:r>
-              <a:rPr lang="en-IN" sz="1800" b="1" dirty="0" err="1" smtClean="0">
-                <a:solidFill>
-                  <a:schemeClr val="bg1"/>
-                </a:solidFill>
-                <a:latin typeface="Lato"/>
-                <a:ea typeface="Lato"/>
-                <a:cs typeface="Lato"/>
-                <a:sym typeface="Lato"/>
-              </a:rPr>
-              <a:t>len</a:t>
-            </a:r>
-            <a:r>
-              <a:rPr lang="en-IN" sz="1800" b="1" dirty="0" smtClean="0">
-                <a:solidFill>
-                  <a:schemeClr val="bg1"/>
-                </a:solidFill>
-                <a:latin typeface="Lato"/>
-                <a:ea typeface="Lato"/>
-                <a:cs typeface="Lato"/>
-                <a:sym typeface="Lato"/>
-              </a:rPr>
-              <a:t>(name)</a:t>
-            </a:r>
-          </a:p>
-          <a:p>
-            <a:pPr marL="457200" marR="0" lvl="0" indent="-311150" algn="l" defTabSz="914400" rtl="0" eaLnBrk="1" fontAlgn="auto" latinLnBrk="0" hangingPunct="1">
-              <a:lnSpc>
-                <a:spcPct val="115000"/>
-              </a:lnSpc>
-              <a:spcBef>
-                <a:spcPts val="0"/>
-              </a:spcBef>
-              <a:spcAft>
-                <a:spcPts val="0"/>
-              </a:spcAft>
-              <a:buClr>
-                <a:schemeClr val="accent1"/>
-              </a:buClr>
-              <a:buSzPts val="1300"/>
-              <a:tabLst/>
-              <a:defRPr/>
-            </a:pPr>
-            <a:r>
-              <a:rPr lang="en-IN" sz="1800" b="1" dirty="0" smtClean="0">
-                <a:solidFill>
-                  <a:schemeClr val="bg1"/>
-                </a:solidFill>
-                <a:latin typeface="Lato"/>
-                <a:ea typeface="Lato"/>
-                <a:cs typeface="Lato"/>
-                <a:sym typeface="Lato"/>
-              </a:rPr>
-              <a:t>6</a:t>
-            </a:r>
-            <a:endParaRPr lang="en-IN" sz="1800" b="1" dirty="0" smtClean="0">
-              <a:solidFill>
-                <a:schemeClr val="bg1"/>
-              </a:solidFill>
-              <a:latin typeface="Lato"/>
-              <a:ea typeface="Lato"/>
-              <a:cs typeface="Lato"/>
-              <a:sym typeface="Lato"/>
-            </a:endParaRPr>
-          </a:p>
-          <a:p>
-            <a:pPr marL="457200" marR="0" lvl="0" indent="-311150" algn="l" defTabSz="914400" rtl="0" eaLnBrk="1" fontAlgn="auto" latinLnBrk="0" hangingPunct="1">
-              <a:lnSpc>
-                <a:spcPct val="115000"/>
-              </a:lnSpc>
-              <a:spcBef>
-                <a:spcPts val="0"/>
-              </a:spcBef>
-              <a:spcAft>
-                <a:spcPts val="0"/>
-              </a:spcAft>
-              <a:buClr>
-                <a:schemeClr val="accent1"/>
-              </a:buClr>
-              <a:buSzPts val="1300"/>
-              <a:tabLst/>
-              <a:defRPr/>
-            </a:pPr>
-            <a:endParaRPr kumimoji="0" lang="en-IN" sz="1800" b="1" i="0" u="none" strike="noStrike" kern="0" cap="none" spc="0" normalizeH="0" baseline="0" noProof="0" dirty="0" smtClean="0">
-              <a:ln>
-                <a:noFill/>
-              </a:ln>
-              <a:solidFill>
-                <a:schemeClr val="bg1"/>
-              </a:solidFill>
-              <a:effectLst/>
-              <a:uLnTx/>
-              <a:uFillTx/>
-              <a:latin typeface="Lato"/>
-              <a:ea typeface="Lato"/>
-              <a:cs typeface="Lato"/>
-              <a:sym typeface="Lato"/>
-            </a:endParaRPr>
-          </a:p>
-          <a:p>
-            <a:pPr marL="457200" marR="0" lvl="0" indent="-311150" algn="l" defTabSz="914400" rtl="0" eaLnBrk="1" fontAlgn="auto" latinLnBrk="0" hangingPunct="1">
-              <a:lnSpc>
-                <a:spcPct val="115000"/>
-              </a:lnSpc>
-              <a:spcBef>
-                <a:spcPts val="0"/>
-              </a:spcBef>
-              <a:spcAft>
-                <a:spcPts val="0"/>
-              </a:spcAft>
-              <a:buClr>
-                <a:schemeClr val="accent1"/>
-              </a:buClr>
-              <a:buSzPts val="1300"/>
-              <a:buFont typeface="Lato"/>
-              <a:buChar char="●"/>
-              <a:tabLst/>
-              <a:defRPr/>
-            </a:pPr>
-            <a:endParaRPr kumimoji="0" lang="en-IN" sz="1300" b="0" i="0" u="none" strike="noStrike" kern="0" cap="none" spc="0" normalizeH="0" baseline="0" noProof="0" dirty="0">
-              <a:ln>
-                <a:noFill/>
-              </a:ln>
-              <a:solidFill>
-                <a:schemeClr val="bg1"/>
-              </a:solidFill>
-              <a:effectLst/>
-              <a:uLnTx/>
-              <a:uFillTx/>
-              <a:latin typeface="Lato"/>
-              <a:ea typeface="Lato"/>
-              <a:cs typeface="Lato"/>
-              <a:sym typeface="Lato"/>
-            </a:endParaRPr>
-          </a:p>
-        </p:txBody>
-      </p:sp>
-    </p:spTree>
-  </p:cSld>
-  <p:clrMapOvr>
-    <a:masterClrMapping/>
-  </p:clrMapOvr>
-</p:sld>
-</file>
-
-<file path=ppt/slides/slide37.xml><?xml version="1.0" encoding="utf-8"?>
-<p:sld xmlns:a="http://schemas.openxmlformats.org/drawingml/2006/main" xmlns:r="http://schemas.openxmlformats.org/officeDocument/2006/relationships" xmlns:p="http://schemas.openxmlformats.org/presentationml/2006/main">
-  <p:cSld>
-    <p:spTree>
-      <p:nvGrpSpPr>
-        <p:cNvPr id="1" name=""/>
-        <p:cNvGrpSpPr/>
-        <p:nvPr/>
-      </p:nvGrpSpPr>
-      <p:grpSpPr>
-        <a:xfrm>
-          <a:off x="0" y="0"/>
-          <a:ext cx="0" cy="0"/>
-          <a:chOff x="0" y="0"/>
-          <a:chExt cx="0" cy="0"/>
-        </a:xfrm>
-      </p:grpSpPr>
-      <p:sp>
-        <p:nvSpPr>
-          <p:cNvPr id="2" name="Title 1"/>
-          <p:cNvSpPr>
-            <a:spLocks noGrp="1"/>
-          </p:cNvSpPr>
-          <p:nvPr>
-            <p:ph type="title"/>
-          </p:nvPr>
-        </p:nvSpPr>
-        <p:spPr/>
-        <p:txBody>
-          <a:bodyPr/>
-          <a:lstStyle/>
-          <a:p>
-            <a:r>
-              <a:rPr lang="en-IN" dirty="0" smtClean="0"/>
-              <a:t>Strings are immutable </a:t>
-            </a:r>
-            <a:endParaRPr lang="en-IN" dirty="0"/>
-          </a:p>
-        </p:txBody>
-      </p:sp>
-      <p:sp>
-        <p:nvSpPr>
-          <p:cNvPr id="3" name="Text Placeholder 2"/>
-          <p:cNvSpPr>
-            <a:spLocks noGrp="1"/>
-          </p:cNvSpPr>
-          <p:nvPr>
-            <p:ph type="body" idx="1"/>
-          </p:nvPr>
-        </p:nvSpPr>
-        <p:spPr>
-          <a:xfrm>
-            <a:off x="729450" y="2078875"/>
-            <a:ext cx="7688700" cy="1898765"/>
-          </a:xfrm>
-          <a:solidFill>
-            <a:schemeClr val="bg2">
-              <a:lumMod val="75000"/>
-              <a:lumOff val="25000"/>
-            </a:schemeClr>
-          </a:solidFill>
-        </p:spPr>
-        <p:txBody>
-          <a:bodyPr/>
-          <a:lstStyle/>
-          <a:p>
-            <a:pPr>
-              <a:buNone/>
-            </a:pPr>
-            <a:r>
-              <a:rPr lang="en-IN" sz="1800" dirty="0" smtClean="0">
-                <a:solidFill>
-                  <a:schemeClr val="bg1"/>
-                </a:solidFill>
-              </a:rPr>
-              <a:t>&gt;&gt;&gt; </a:t>
-            </a:r>
-            <a:r>
-              <a:rPr lang="en-IN" sz="1800" dirty="0" smtClean="0">
-                <a:solidFill>
-                  <a:schemeClr val="bg1"/>
-                </a:solidFill>
-              </a:rPr>
-              <a:t>name=“</a:t>
-            </a:r>
-            <a:r>
-              <a:rPr lang="en-IN" sz="1800" dirty="0" err="1" smtClean="0">
-                <a:solidFill>
-                  <a:schemeClr val="bg1"/>
-                </a:solidFill>
-              </a:rPr>
-              <a:t>g</a:t>
-            </a:r>
-            <a:r>
-              <a:rPr lang="en-IN" sz="1800" dirty="0" err="1" smtClean="0">
-                <a:solidFill>
-                  <a:schemeClr val="bg1"/>
-                </a:solidFill>
-              </a:rPr>
-              <a:t>iridher</a:t>
-            </a:r>
-            <a:r>
-              <a:rPr lang="en-IN" sz="1800" dirty="0" smtClean="0">
-                <a:solidFill>
-                  <a:schemeClr val="bg1"/>
-                </a:solidFill>
-              </a:rPr>
-              <a:t>”</a:t>
-            </a:r>
-          </a:p>
-          <a:p>
-            <a:pPr>
-              <a:buNone/>
-            </a:pPr>
-            <a:r>
-              <a:rPr lang="en-IN" sz="1800" dirty="0" smtClean="0">
-                <a:solidFill>
-                  <a:schemeClr val="bg1"/>
-                </a:solidFill>
-              </a:rPr>
-              <a:t>&gt;&gt;&gt; </a:t>
-            </a:r>
-            <a:r>
-              <a:rPr lang="en-IN" sz="1800" dirty="0" smtClean="0">
-                <a:solidFill>
-                  <a:schemeClr val="bg1"/>
-                </a:solidFill>
-              </a:rPr>
-              <a:t>name[0]='G'</a:t>
-            </a:r>
-          </a:p>
-          <a:p>
-            <a:pPr>
-              <a:buNone/>
-            </a:pPr>
-            <a:r>
-              <a:rPr lang="en-IN" sz="1800" dirty="0" err="1" smtClean="0">
-                <a:solidFill>
-                  <a:schemeClr val="bg1"/>
-                </a:solidFill>
-              </a:rPr>
-              <a:t>Traceback</a:t>
-            </a:r>
-            <a:r>
-              <a:rPr lang="en-IN" sz="1800" dirty="0" smtClean="0">
-                <a:solidFill>
-                  <a:schemeClr val="bg1"/>
-                </a:solidFill>
-              </a:rPr>
-              <a:t> (most recent call last):</a:t>
-            </a:r>
-          </a:p>
-          <a:p>
-            <a:pPr>
-              <a:buNone/>
-            </a:pPr>
-            <a:r>
-              <a:rPr lang="en-IN" sz="1800" dirty="0" smtClean="0">
-                <a:solidFill>
-                  <a:schemeClr val="bg1"/>
-                </a:solidFill>
-              </a:rPr>
-              <a:t>  File "&lt;</a:t>
-            </a:r>
-            <a:r>
-              <a:rPr lang="en-IN" sz="1800" dirty="0" err="1" smtClean="0">
-                <a:solidFill>
-                  <a:schemeClr val="bg1"/>
-                </a:solidFill>
-              </a:rPr>
-              <a:t>stdin</a:t>
-            </a:r>
-            <a:r>
-              <a:rPr lang="en-IN" sz="1800" dirty="0" smtClean="0">
-                <a:solidFill>
-                  <a:schemeClr val="bg1"/>
-                </a:solidFill>
-              </a:rPr>
-              <a:t>&gt;", line 1, in &lt;module&gt;</a:t>
-            </a:r>
-          </a:p>
-          <a:p>
-            <a:pPr>
-              <a:buNone/>
-            </a:pPr>
-            <a:r>
-              <a:rPr lang="en-IN" sz="1800" dirty="0" err="1" smtClean="0">
-                <a:solidFill>
-                  <a:schemeClr val="bg1"/>
-                </a:solidFill>
-              </a:rPr>
-              <a:t>TypeError</a:t>
-            </a:r>
-            <a:r>
-              <a:rPr lang="en-IN" sz="1800" dirty="0" smtClean="0">
-                <a:solidFill>
-                  <a:schemeClr val="bg1"/>
-                </a:solidFill>
-              </a:rPr>
-              <a:t>: '</a:t>
-            </a:r>
-            <a:r>
-              <a:rPr lang="en-IN" sz="1800" dirty="0" err="1" smtClean="0">
-                <a:solidFill>
-                  <a:schemeClr val="bg1"/>
-                </a:solidFill>
-              </a:rPr>
-              <a:t>str</a:t>
-            </a:r>
-            <a:r>
-              <a:rPr lang="en-IN" sz="1800" dirty="0" smtClean="0">
-                <a:solidFill>
-                  <a:schemeClr val="bg1"/>
-                </a:solidFill>
-              </a:rPr>
-              <a:t>' object does not support item </a:t>
-            </a:r>
-            <a:r>
-              <a:rPr lang="en-IN" sz="1800" dirty="0" smtClean="0">
-                <a:solidFill>
-                  <a:schemeClr val="bg1"/>
-                </a:solidFill>
-              </a:rPr>
-              <a:t>assignment</a:t>
-            </a:r>
-            <a:endParaRPr lang="en-IN" sz="1800" dirty="0" smtClean="0">
-              <a:solidFill>
-                <a:schemeClr val="bg1"/>
-              </a:solidFill>
-            </a:endParaRPr>
-          </a:p>
-        </p:txBody>
-      </p:sp>
-    </p:spTree>
-  </p:cSld>
-  <p:clrMapOvr>
-    <a:masterClrMapping/>
-  </p:clrMapOvr>
-</p:sld>
-</file>
-
-<file path=ppt/slides/slide38.xml><?xml version="1.0" encoding="utf-8"?>
-<p:sld xmlns:a="http://schemas.openxmlformats.org/drawingml/2006/main" xmlns:r="http://schemas.openxmlformats.org/officeDocument/2006/relationships" xmlns:p="http://schemas.openxmlformats.org/presentationml/2006/main">
-  <p:cSld>
-    <p:spTree>
-      <p:nvGrpSpPr>
-        <p:cNvPr id="1" name=""/>
-        <p:cNvGrpSpPr/>
-        <p:nvPr/>
-      </p:nvGrpSpPr>
-      <p:grpSpPr>
-        <a:xfrm>
-          <a:off x="0" y="0"/>
-          <a:ext cx="0" cy="0"/>
-          <a:chOff x="0" y="0"/>
-          <a:chExt cx="0" cy="0"/>
-        </a:xfrm>
-      </p:grpSpPr>
-      <p:sp>
-        <p:nvSpPr>
-          <p:cNvPr id="2" name="Title 1"/>
-          <p:cNvSpPr>
-            <a:spLocks noGrp="1"/>
-          </p:cNvSpPr>
-          <p:nvPr>
-            <p:ph type="title"/>
-          </p:nvPr>
-        </p:nvSpPr>
-        <p:spPr/>
-        <p:txBody>
-          <a:bodyPr/>
-          <a:lstStyle/>
-          <a:p>
-            <a:r>
-              <a:rPr lang="en-IN" dirty="0" smtClean="0"/>
-              <a:t>Escape Sequences</a:t>
-            </a:r>
-            <a:endParaRPr lang="en-IN" dirty="0"/>
-          </a:p>
-        </p:txBody>
-      </p:sp>
-      <p:sp>
-        <p:nvSpPr>
-          <p:cNvPr id="3" name="Text Placeholder 2"/>
-          <p:cNvSpPr>
-            <a:spLocks noGrp="1"/>
-          </p:cNvSpPr>
-          <p:nvPr>
-            <p:ph type="body" idx="1"/>
-          </p:nvPr>
-        </p:nvSpPr>
-        <p:spPr/>
-        <p:txBody>
-          <a:bodyPr/>
-          <a:lstStyle/>
-          <a:p>
-            <a:r>
-              <a:rPr lang="en-IN" dirty="0" smtClean="0"/>
-              <a:t>The backslash (\) character is used to escape characters, i.e. to "escape" the special meaning, which this character would otherwise have. </a:t>
-            </a:r>
-            <a:endParaRPr lang="en-IN" dirty="0" smtClean="0"/>
-          </a:p>
-          <a:p>
-            <a:r>
-              <a:rPr lang="en-IN" dirty="0" smtClean="0"/>
-              <a:t>Examples </a:t>
-            </a:r>
-            <a:r>
-              <a:rPr lang="en-IN" dirty="0" smtClean="0"/>
-              <a:t>for such characters are newline, backslash itself, or the quote character</a:t>
-            </a:r>
-            <a:r>
-              <a:rPr lang="en-IN" dirty="0" smtClean="0"/>
-              <a:t>.</a:t>
-            </a:r>
-          </a:p>
-          <a:p>
-            <a:r>
-              <a:rPr lang="en-IN" dirty="0" smtClean="0"/>
-              <a:t> </a:t>
-            </a:r>
-            <a:r>
-              <a:rPr lang="en-IN" dirty="0" smtClean="0"/>
-              <a:t>String literals may optionally be prefixed with a letter 'r' or 'R'; </a:t>
-            </a:r>
-            <a:endParaRPr lang="en-IN" dirty="0" smtClean="0"/>
-          </a:p>
-          <a:p>
-            <a:r>
-              <a:rPr lang="en-IN" dirty="0" smtClean="0"/>
-              <a:t>these </a:t>
-            </a:r>
-            <a:r>
-              <a:rPr lang="en-IN" dirty="0" smtClean="0"/>
-              <a:t>strings are called raw strings. Raw strings use different rules for interpreting backslash escape sequences. </a:t>
-            </a:r>
-            <a:endParaRPr lang="en-IN" dirty="0" smtClean="0"/>
-          </a:p>
-          <a:p>
-            <a:endParaRPr lang="en-IN" dirty="0" smtClean="0"/>
-          </a:p>
-        </p:txBody>
-      </p:sp>
-    </p:spTree>
-  </p:cSld>
-  <p:clrMapOvr>
-    <a:masterClrMapping/>
-  </p:clrMapOvr>
-</p:sld>
-</file>
-
-<file path=ppt/slides/slide39.xml><?xml version="1.0" encoding="utf-8"?>
-<p:sld xmlns:a="http://schemas.openxmlformats.org/drawingml/2006/main" xmlns:r="http://schemas.openxmlformats.org/officeDocument/2006/relationships" xmlns:p="http://schemas.openxmlformats.org/presentationml/2006/main">
-  <p:cSld>
-    <p:spTree>
-      <p:nvGrpSpPr>
-        <p:cNvPr id="1" name=""/>
-        <p:cNvGrpSpPr/>
-        <p:nvPr/>
-      </p:nvGrpSpPr>
-      <p:grpSpPr>
-        <a:xfrm>
-          <a:off x="0" y="0"/>
-          <a:ext cx="0" cy="0"/>
-          <a:chOff x="0" y="0"/>
-          <a:chExt cx="0" cy="0"/>
-        </a:xfrm>
-      </p:grpSpPr>
-      <p:sp>
-        <p:nvSpPr>
-          <p:cNvPr id="3" name="Text Placeholder 2"/>
-          <p:cNvSpPr>
-            <a:spLocks noGrp="1"/>
-          </p:cNvSpPr>
-          <p:nvPr>
-            <p:ph type="body" idx="1"/>
-          </p:nvPr>
-        </p:nvSpPr>
-        <p:spPr/>
-        <p:txBody>
-          <a:bodyPr/>
-          <a:lstStyle/>
-          <a:p>
-            <a:pPr>
-              <a:buNone/>
-            </a:pPr>
-            <a:endParaRPr lang="en-IN" dirty="0"/>
-          </a:p>
-        </p:txBody>
-      </p:sp>
-      <p:sp>
-        <p:nvSpPr>
-          <p:cNvPr id="4" name="Title 3"/>
-          <p:cNvSpPr>
-            <a:spLocks noGrp="1"/>
-          </p:cNvSpPr>
-          <p:nvPr>
-            <p:ph type="title"/>
-          </p:nvPr>
-        </p:nvSpPr>
-        <p:spPr/>
-        <p:txBody>
-          <a:bodyPr/>
-          <a:lstStyle/>
-          <a:p>
-            <a:endParaRPr lang="en-IN" dirty="0"/>
-          </a:p>
-        </p:txBody>
-      </p:sp>
-      <p:pic>
-        <p:nvPicPr>
-          <p:cNvPr id="65538" name="Picture 2"/>
-          <p:cNvPicPr>
-            <a:picLocks noChangeAspect="1" noChangeArrowheads="1"/>
-          </p:cNvPicPr>
-          <p:nvPr/>
-        </p:nvPicPr>
-        <p:blipFill>
-          <a:blip r:embed="rId2"/>
-          <a:srcRect/>
-          <a:stretch>
-            <a:fillRect/>
-          </a:stretch>
-        </p:blipFill>
-        <p:spPr bwMode="auto">
-          <a:xfrm>
-            <a:off x="662916" y="1213485"/>
-            <a:ext cx="4434163" cy="3424247"/>
-          </a:xfrm>
-          <a:prstGeom prst="rect">
-            <a:avLst/>
-          </a:prstGeom>
-          <a:noFill/>
-          <a:ln w="9525">
-            <a:noFill/>
-            <a:miter lim="800000"/>
-            <a:headEnd/>
-            <a:tailEnd/>
-          </a:ln>
-          <a:effectLst/>
-        </p:spPr>
-      </p:pic>
     </p:spTree>
   </p:cSld>
   <p:clrMapOvr>
@@ -15051,962 +11647,6 @@
   <p:clrMapOvr>
     <a:masterClrMapping/>
   </p:clrMapOvr>
-  <p:timing>
-    <p:tnLst>
-      <p:par>
-        <p:cTn id="1" dur="indefinite" restart="never" nodeType="tmRoot"/>
-      </p:par>
-    </p:tnLst>
-  </p:timing>
-</p:sld>
-</file>
-
-<file path=ppt/slides/slide40.xml><?xml version="1.0" encoding="utf-8"?>
-<p:sld xmlns:a="http://schemas.openxmlformats.org/drawingml/2006/main" xmlns:r="http://schemas.openxmlformats.org/officeDocument/2006/relationships" xmlns:p="http://schemas.openxmlformats.org/presentationml/2006/main">
-  <p:cSld>
-    <p:spTree>
-      <p:nvGrpSpPr>
-        <p:cNvPr id="1" name=""/>
-        <p:cNvGrpSpPr/>
-        <p:nvPr/>
-      </p:nvGrpSpPr>
-      <p:grpSpPr>
-        <a:xfrm>
-          <a:off x="0" y="0"/>
-          <a:ext cx="0" cy="0"/>
-          <a:chOff x="0" y="0"/>
-          <a:chExt cx="0" cy="0"/>
-        </a:xfrm>
-      </p:grpSpPr>
-      <p:sp>
-        <p:nvSpPr>
-          <p:cNvPr id="2" name="Title 1"/>
-          <p:cNvSpPr>
-            <a:spLocks noGrp="1"/>
-          </p:cNvSpPr>
-          <p:nvPr>
-            <p:ph type="title"/>
-          </p:nvPr>
-        </p:nvSpPr>
-        <p:spPr/>
-        <p:txBody>
-          <a:bodyPr/>
-          <a:lstStyle/>
-          <a:p>
-            <a:r>
-              <a:rPr lang="en-IN" sz="6000" dirty="0" smtClean="0"/>
-              <a:t>Operators</a:t>
-            </a:r>
-            <a:br>
-              <a:rPr lang="en-IN" sz="6000" dirty="0" smtClean="0"/>
-            </a:br>
-            <a:endParaRPr lang="en-IN" dirty="0"/>
-          </a:p>
-        </p:txBody>
-      </p:sp>
-    </p:spTree>
-  </p:cSld>
-  <p:clrMapOvr>
-    <a:masterClrMapping/>
-  </p:clrMapOvr>
-</p:sld>
-</file>
-
-<file path=ppt/slides/slide41.xml><?xml version="1.0" encoding="utf-8"?>
-<p:sld xmlns:a="http://schemas.openxmlformats.org/drawingml/2006/main" xmlns:r="http://schemas.openxmlformats.org/officeDocument/2006/relationships" xmlns:p="http://schemas.openxmlformats.org/presentationml/2006/main">
-  <p:cSld>
-    <p:spTree>
-      <p:nvGrpSpPr>
-        <p:cNvPr id="1" name=""/>
-        <p:cNvGrpSpPr/>
-        <p:nvPr/>
-      </p:nvGrpSpPr>
-      <p:grpSpPr>
-        <a:xfrm>
-          <a:off x="0" y="0"/>
-          <a:ext cx="0" cy="0"/>
-          <a:chOff x="0" y="0"/>
-          <a:chExt cx="0" cy="0"/>
-        </a:xfrm>
-      </p:grpSpPr>
-      <p:sp>
-        <p:nvSpPr>
-          <p:cNvPr id="2" name="Title 1"/>
-          <p:cNvSpPr>
-            <a:spLocks noGrp="1"/>
-          </p:cNvSpPr>
-          <p:nvPr>
-            <p:ph type="title"/>
-          </p:nvPr>
-        </p:nvSpPr>
-        <p:spPr/>
-        <p:txBody>
-          <a:bodyPr/>
-          <a:lstStyle/>
-          <a:p>
-            <a:r>
-              <a:rPr lang="en-IN" dirty="0" smtClean="0"/>
-              <a:t>Arithmetic  Operators</a:t>
-            </a:r>
-            <a:br>
-              <a:rPr lang="en-IN" dirty="0" smtClean="0"/>
-            </a:br>
-            <a:endParaRPr lang="en-IN" dirty="0"/>
-          </a:p>
-        </p:txBody>
-      </p:sp>
-      <p:graphicFrame>
-        <p:nvGraphicFramePr>
-          <p:cNvPr id="5" name="Table 4"/>
-          <p:cNvGraphicFramePr>
-            <a:graphicFrameLocks noGrp="1"/>
-          </p:cNvGraphicFramePr>
-          <p:nvPr/>
-        </p:nvGraphicFramePr>
-        <p:xfrm>
-          <a:off x="914400" y="2025650"/>
-          <a:ext cx="7264449" cy="2275840"/>
-        </p:xfrm>
-        <a:graphic>
-          <a:graphicData uri="http://schemas.openxmlformats.org/drawingml/2006/table">
-            <a:tbl>
-              <a:tblPr firstRow="1" bandRow="1">
-                <a:tableStyleId>{5C22544A-7EE6-4342-B048-85BDC9FD1C3A}</a:tableStyleId>
-              </a:tblPr>
-              <a:tblGrid>
-                <a:gridCol w="981393"/>
-                <a:gridCol w="2953115"/>
-                <a:gridCol w="3329941"/>
-              </a:tblGrid>
-              <a:tr h="370840">
-                <a:tc>
-                  <a:txBody>
-                    <a:bodyPr/>
-                    <a:lstStyle/>
-                    <a:p>
-                      <a:r>
-                        <a:rPr lang="en-IN" dirty="0" smtClean="0"/>
-                        <a:t>Operator</a:t>
-                      </a:r>
-                      <a:endParaRPr lang="en-IN" dirty="0"/>
-                    </a:p>
-                  </a:txBody>
-                  <a:tcPr/>
-                </a:tc>
-                <a:tc>
-                  <a:txBody>
-                    <a:bodyPr/>
-                    <a:lstStyle/>
-                    <a:p>
-                      <a:r>
-                        <a:rPr lang="en-IN" dirty="0" smtClean="0"/>
-                        <a:t>Operation Performed</a:t>
-                      </a:r>
-                      <a:endParaRPr lang="en-IN" dirty="0"/>
-                    </a:p>
-                  </a:txBody>
-                  <a:tcPr/>
-                </a:tc>
-                <a:tc>
-                  <a:txBody>
-                    <a:bodyPr/>
-                    <a:lstStyle/>
-                    <a:p>
-                      <a:endParaRPr lang="en-IN" dirty="0"/>
-                    </a:p>
-                  </a:txBody>
-                  <a:tcPr/>
-                </a:tc>
-              </a:tr>
-              <a:tr h="370840">
-                <a:tc>
-                  <a:txBody>
-                    <a:bodyPr/>
-                    <a:lstStyle/>
-                    <a:p>
-                      <a:r>
-                        <a:rPr lang="en-IN" sz="2000" dirty="0" smtClean="0"/>
-                        <a:t>+</a:t>
-                      </a:r>
-                      <a:endParaRPr lang="en-IN" sz="2000" dirty="0"/>
-                    </a:p>
-                  </a:txBody>
-                  <a:tcPr/>
-                </a:tc>
-                <a:tc>
-                  <a:txBody>
-                    <a:bodyPr/>
-                    <a:lstStyle/>
-                    <a:p>
-                      <a:r>
-                        <a:rPr lang="en-IN" sz="1400" b="0" i="0" u="none" strike="noStrike" cap="none" dirty="0" smtClean="0">
-                          <a:solidFill>
-                            <a:schemeClr val="dk1"/>
-                          </a:solidFill>
-                          <a:latin typeface="+mn-lt"/>
-                          <a:ea typeface="+mn-ea"/>
-                          <a:cs typeface="+mn-cs"/>
-                          <a:sym typeface="Arial"/>
-                        </a:rPr>
-                        <a:t>Addition</a:t>
-                      </a:r>
-                      <a:endParaRPr lang="en-IN" dirty="0"/>
-                    </a:p>
-                  </a:txBody>
-                  <a:tcPr/>
-                </a:tc>
-                <a:tc>
-                  <a:txBody>
-                    <a:bodyPr/>
-                    <a:lstStyle/>
-                    <a:p>
-                      <a:r>
-                        <a:rPr lang="en-IN" dirty="0" smtClean="0"/>
-                        <a:t>10+20</a:t>
-                      </a:r>
-                      <a:endParaRPr lang="en-IN" dirty="0"/>
-                    </a:p>
-                  </a:txBody>
-                  <a:tcPr/>
-                </a:tc>
-              </a:tr>
-              <a:tr h="370840">
-                <a:tc>
-                  <a:txBody>
-                    <a:bodyPr/>
-                    <a:lstStyle/>
-                    <a:p>
-                      <a:pPr marL="0" marR="0" indent="0" algn="l" defTabSz="914400" rtl="0" eaLnBrk="1" fontAlgn="auto" latinLnBrk="0" hangingPunct="1">
-                        <a:lnSpc>
-                          <a:spcPct val="100000"/>
-                        </a:lnSpc>
-                        <a:spcBef>
-                          <a:spcPts val="0"/>
-                        </a:spcBef>
-                        <a:spcAft>
-                          <a:spcPts val="0"/>
-                        </a:spcAft>
-                        <a:buClr>
-                          <a:srgbClr val="000000"/>
-                        </a:buClr>
-                        <a:buSzTx/>
-                        <a:buFont typeface="Arial"/>
-                        <a:buNone/>
-                        <a:tabLst/>
-                        <a:defRPr/>
-                      </a:pPr>
-                      <a:r>
-                        <a:rPr lang="en-IN" sz="2000" dirty="0" smtClean="0"/>
-                        <a:t>- </a:t>
-                      </a:r>
-                      <a:endParaRPr lang="en-IN" sz="1400" dirty="0" smtClean="0"/>
-                    </a:p>
-                  </a:txBody>
-                  <a:tcPr/>
-                </a:tc>
-                <a:tc>
-                  <a:txBody>
-                    <a:bodyPr/>
-                    <a:lstStyle/>
-                    <a:p>
-                      <a:r>
-                        <a:rPr lang="en-IN" sz="1400" b="0" i="0" u="none" strike="noStrike" cap="none" dirty="0" smtClean="0">
-                          <a:solidFill>
-                            <a:schemeClr val="dk1"/>
-                          </a:solidFill>
-                          <a:latin typeface="+mn-lt"/>
-                          <a:ea typeface="+mn-ea"/>
-                          <a:cs typeface="+mn-cs"/>
-                          <a:sym typeface="Arial"/>
-                        </a:rPr>
-                        <a:t>Subtraction</a:t>
-                      </a:r>
-                      <a:endParaRPr lang="en-IN" dirty="0"/>
-                    </a:p>
-                  </a:txBody>
-                  <a:tcPr/>
-                </a:tc>
-                <a:tc>
-                  <a:txBody>
-                    <a:bodyPr/>
-                    <a:lstStyle/>
-                    <a:p>
-                      <a:r>
-                        <a:rPr lang="en-IN" dirty="0" smtClean="0"/>
-                        <a:t>10-3</a:t>
-                      </a:r>
-                      <a:endParaRPr lang="en-IN" dirty="0"/>
-                    </a:p>
-                  </a:txBody>
-                  <a:tcPr/>
-                </a:tc>
-              </a:tr>
-              <a:tr h="370840">
-                <a:tc>
-                  <a:txBody>
-                    <a:bodyPr/>
-                    <a:lstStyle/>
-                    <a:p>
-                      <a:pPr marL="0" marR="0" indent="0" algn="l" defTabSz="914400" rtl="0" eaLnBrk="1" fontAlgn="auto" latinLnBrk="0" hangingPunct="1">
-                        <a:lnSpc>
-                          <a:spcPct val="100000"/>
-                        </a:lnSpc>
-                        <a:spcBef>
-                          <a:spcPts val="0"/>
-                        </a:spcBef>
-                        <a:spcAft>
-                          <a:spcPts val="0"/>
-                        </a:spcAft>
-                        <a:buClr>
-                          <a:srgbClr val="000000"/>
-                        </a:buClr>
-                        <a:buSzTx/>
-                        <a:buFont typeface="Arial"/>
-                        <a:buNone/>
-                        <a:tabLst/>
-                        <a:defRPr/>
-                      </a:pPr>
-                      <a:r>
-                        <a:rPr lang="en-IN" sz="1400" dirty="0" smtClean="0"/>
-                        <a:t>*</a:t>
-                      </a:r>
-                    </a:p>
-                  </a:txBody>
-                  <a:tcPr/>
-                </a:tc>
-                <a:tc>
-                  <a:txBody>
-                    <a:bodyPr/>
-                    <a:lstStyle/>
-                    <a:p>
-                      <a:r>
-                        <a:rPr lang="en-IN" dirty="0" smtClean="0"/>
-                        <a:t>Multiplication</a:t>
-                      </a:r>
-                      <a:endParaRPr lang="en-IN" dirty="0"/>
-                    </a:p>
-                  </a:txBody>
-                  <a:tcPr/>
-                </a:tc>
-                <a:tc>
-                  <a:txBody>
-                    <a:bodyPr/>
-                    <a:lstStyle/>
-                    <a:p>
-                      <a:r>
-                        <a:rPr lang="en-IN" dirty="0" smtClean="0"/>
-                        <a:t>10*3</a:t>
-                      </a:r>
-                      <a:endParaRPr lang="en-IN" dirty="0"/>
-                    </a:p>
-                  </a:txBody>
-                  <a:tcPr/>
-                </a:tc>
-              </a:tr>
-              <a:tr h="370840">
-                <a:tc>
-                  <a:txBody>
-                    <a:bodyPr/>
-                    <a:lstStyle/>
-                    <a:p>
-                      <a:pPr marL="0" marR="0" indent="0" algn="l" defTabSz="914400" rtl="0" eaLnBrk="1" fontAlgn="auto" latinLnBrk="0" hangingPunct="1">
-                        <a:lnSpc>
-                          <a:spcPct val="100000"/>
-                        </a:lnSpc>
-                        <a:spcBef>
-                          <a:spcPts val="0"/>
-                        </a:spcBef>
-                        <a:spcAft>
-                          <a:spcPts val="0"/>
-                        </a:spcAft>
-                        <a:buClr>
-                          <a:srgbClr val="000000"/>
-                        </a:buClr>
-                        <a:buSzTx/>
-                        <a:buFont typeface="Arial"/>
-                        <a:buNone/>
-                        <a:tabLst/>
-                        <a:defRPr/>
-                      </a:pPr>
-                      <a:r>
-                        <a:rPr lang="en-IN" sz="1400" b="0" i="0" u="none" strike="noStrike" cap="none" dirty="0" smtClean="0">
-                          <a:solidFill>
-                            <a:schemeClr val="dk1"/>
-                          </a:solidFill>
-                          <a:latin typeface="+mn-lt"/>
-                          <a:ea typeface="+mn-ea"/>
-                          <a:cs typeface="+mn-cs"/>
-                          <a:sym typeface="Arial"/>
-                        </a:rPr>
-                        <a:t>/, %</a:t>
-                      </a:r>
-                      <a:endParaRPr lang="en-IN" sz="1400" dirty="0" smtClean="0"/>
-                    </a:p>
-                  </a:txBody>
-                  <a:tcPr/>
-                </a:tc>
-                <a:tc>
-                  <a:txBody>
-                    <a:bodyPr/>
-                    <a:lstStyle/>
-                    <a:p>
-                      <a:r>
-                        <a:rPr lang="en-IN" dirty="0" smtClean="0"/>
-                        <a:t>Division , Modulo</a:t>
-                      </a:r>
-                      <a:endParaRPr lang="en-IN" dirty="0"/>
-                    </a:p>
-                  </a:txBody>
-                  <a:tcPr/>
-                </a:tc>
-                <a:tc>
-                  <a:txBody>
-                    <a:bodyPr/>
-                    <a:lstStyle/>
-                    <a:p>
-                      <a:r>
-                        <a:rPr lang="en-IN" dirty="0" smtClean="0"/>
-                        <a:t>10/3    10%3</a:t>
-                      </a:r>
-                      <a:endParaRPr lang="en-IN" dirty="0"/>
-                    </a:p>
-                  </a:txBody>
-                  <a:tcPr/>
-                </a:tc>
-              </a:tr>
-              <a:tr h="370840">
-                <a:tc>
-                  <a:txBody>
-                    <a:bodyPr/>
-                    <a:lstStyle/>
-                    <a:p>
-                      <a:pPr marL="0" marR="0" indent="0" algn="l" defTabSz="914400" rtl="0" eaLnBrk="1" fontAlgn="auto" latinLnBrk="0" hangingPunct="1">
-                        <a:lnSpc>
-                          <a:spcPct val="100000"/>
-                        </a:lnSpc>
-                        <a:spcBef>
-                          <a:spcPts val="0"/>
-                        </a:spcBef>
-                        <a:spcAft>
-                          <a:spcPts val="0"/>
-                        </a:spcAft>
-                        <a:buClr>
-                          <a:srgbClr val="000000"/>
-                        </a:buClr>
-                        <a:buSzTx/>
-                        <a:buFont typeface="Arial"/>
-                        <a:buNone/>
-                        <a:tabLst/>
-                        <a:defRPr/>
-                      </a:pPr>
-                      <a:r>
-                        <a:rPr lang="en-IN" sz="1400" b="0" i="0" u="none" strike="noStrike" cap="none" dirty="0" smtClean="0">
-                          <a:solidFill>
-                            <a:schemeClr val="dk1"/>
-                          </a:solidFill>
-                          <a:latin typeface="+mn-lt"/>
-                          <a:ea typeface="+mn-ea"/>
-                          <a:cs typeface="+mn-cs"/>
-                          <a:sym typeface="Arial"/>
-                        </a:rPr>
-                        <a:t>//</a:t>
-                      </a:r>
-                      <a:endParaRPr lang="en-IN" sz="1400" dirty="0" smtClean="0"/>
-                    </a:p>
-                  </a:txBody>
-                  <a:tcPr/>
-                </a:tc>
-                <a:tc>
-                  <a:txBody>
-                    <a:bodyPr/>
-                    <a:lstStyle/>
-                    <a:p>
-                      <a:r>
-                        <a:rPr lang="en-IN" dirty="0" smtClean="0"/>
-                        <a:t>Truncation</a:t>
-                      </a:r>
-                      <a:r>
-                        <a:rPr lang="en-IN" baseline="0" dirty="0" smtClean="0"/>
-                        <a:t> Division</a:t>
-                      </a:r>
-                      <a:endParaRPr lang="en-IN" dirty="0"/>
-                    </a:p>
-                  </a:txBody>
-                  <a:tcPr/>
-                </a:tc>
-                <a:tc>
-                  <a:txBody>
-                    <a:bodyPr/>
-                    <a:lstStyle/>
-                    <a:p>
-                      <a:r>
-                        <a:rPr lang="en-IN" dirty="0" smtClean="0"/>
-                        <a:t>10//3</a:t>
-                      </a:r>
-                      <a:endParaRPr lang="en-IN" dirty="0"/>
-                    </a:p>
-                  </a:txBody>
-                  <a:tcPr/>
-                </a:tc>
-              </a:tr>
-            </a:tbl>
-          </a:graphicData>
-        </a:graphic>
-      </p:graphicFrame>
-    </p:spTree>
-  </p:cSld>
-  <p:clrMapOvr>
-    <a:masterClrMapping/>
-  </p:clrMapOvr>
-</p:sld>
-</file>
-
-<file path=ppt/slides/slide42.xml><?xml version="1.0" encoding="utf-8"?>
-<p:sld xmlns:a="http://schemas.openxmlformats.org/drawingml/2006/main" xmlns:r="http://schemas.openxmlformats.org/officeDocument/2006/relationships" xmlns:p="http://schemas.openxmlformats.org/presentationml/2006/main">
-  <p:cSld>
-    <p:spTree>
-      <p:nvGrpSpPr>
-        <p:cNvPr id="1" name=""/>
-        <p:cNvGrpSpPr/>
-        <p:nvPr/>
-      </p:nvGrpSpPr>
-      <p:grpSpPr>
-        <a:xfrm>
-          <a:off x="0" y="0"/>
-          <a:ext cx="0" cy="0"/>
-          <a:chOff x="0" y="0"/>
-          <a:chExt cx="0" cy="0"/>
-        </a:xfrm>
-      </p:grpSpPr>
-      <p:sp>
-        <p:nvSpPr>
-          <p:cNvPr id="2" name="Title 1"/>
-          <p:cNvSpPr>
-            <a:spLocks noGrp="1"/>
-          </p:cNvSpPr>
-          <p:nvPr>
-            <p:ph type="title"/>
-          </p:nvPr>
-        </p:nvSpPr>
-        <p:spPr/>
-        <p:txBody>
-          <a:bodyPr/>
-          <a:lstStyle/>
-          <a:p>
-            <a:r>
-              <a:rPr lang="en-IN" dirty="0" smtClean="0"/>
-              <a:t>Arithmetic  Operators</a:t>
-            </a:r>
-            <a:br>
-              <a:rPr lang="en-IN" dirty="0" smtClean="0"/>
-            </a:br>
-            <a:endParaRPr lang="en-IN" dirty="0"/>
-          </a:p>
-        </p:txBody>
-      </p:sp>
-      <p:graphicFrame>
-        <p:nvGraphicFramePr>
-          <p:cNvPr id="5" name="Table 4"/>
-          <p:cNvGraphicFramePr>
-            <a:graphicFrameLocks noGrp="1"/>
-          </p:cNvGraphicFramePr>
-          <p:nvPr/>
-        </p:nvGraphicFramePr>
-        <p:xfrm>
-          <a:off x="914400" y="2025650"/>
-          <a:ext cx="7264449" cy="2275840"/>
-        </p:xfrm>
-        <a:graphic>
-          <a:graphicData uri="http://schemas.openxmlformats.org/drawingml/2006/table">
-            <a:tbl>
-              <a:tblPr firstRow="1" bandRow="1">
-                <a:tableStyleId>{5C22544A-7EE6-4342-B048-85BDC9FD1C3A}</a:tableStyleId>
-              </a:tblPr>
-              <a:tblGrid>
-                <a:gridCol w="981393"/>
-                <a:gridCol w="2953115"/>
-                <a:gridCol w="3329941"/>
-              </a:tblGrid>
-              <a:tr h="370840">
-                <a:tc>
-                  <a:txBody>
-                    <a:bodyPr/>
-                    <a:lstStyle/>
-                    <a:p>
-                      <a:r>
-                        <a:rPr lang="en-IN" dirty="0" smtClean="0"/>
-                        <a:t>Operator</a:t>
-                      </a:r>
-                      <a:endParaRPr lang="en-IN" dirty="0"/>
-                    </a:p>
-                  </a:txBody>
-                  <a:tcPr/>
-                </a:tc>
-                <a:tc>
-                  <a:txBody>
-                    <a:bodyPr/>
-                    <a:lstStyle/>
-                    <a:p>
-                      <a:r>
-                        <a:rPr lang="en-IN" dirty="0" smtClean="0"/>
-                        <a:t>Operation Performed</a:t>
-                      </a:r>
-                      <a:endParaRPr lang="en-IN" dirty="0"/>
-                    </a:p>
-                  </a:txBody>
-                  <a:tcPr/>
-                </a:tc>
-                <a:tc>
-                  <a:txBody>
-                    <a:bodyPr/>
-                    <a:lstStyle/>
-                    <a:p>
-                      <a:endParaRPr lang="en-IN" dirty="0"/>
-                    </a:p>
-                  </a:txBody>
-                  <a:tcPr/>
-                </a:tc>
-              </a:tr>
-              <a:tr h="370840">
-                <a:tc>
-                  <a:txBody>
-                    <a:bodyPr/>
-                    <a:lstStyle/>
-                    <a:p>
-                      <a:r>
-                        <a:rPr lang="en-IN" sz="2000" dirty="0" smtClean="0"/>
-                        <a:t>+</a:t>
-                      </a:r>
-                      <a:endParaRPr lang="en-IN" sz="2000" dirty="0"/>
-                    </a:p>
-                  </a:txBody>
-                  <a:tcPr/>
-                </a:tc>
-                <a:tc>
-                  <a:txBody>
-                    <a:bodyPr/>
-                    <a:lstStyle/>
-                    <a:p>
-                      <a:r>
-                        <a:rPr lang="en-IN" sz="1400" b="0" i="0" u="none" strike="noStrike" cap="none" dirty="0" smtClean="0">
-                          <a:solidFill>
-                            <a:schemeClr val="dk1"/>
-                          </a:solidFill>
-                          <a:latin typeface="+mn-lt"/>
-                          <a:ea typeface="+mn-ea"/>
-                          <a:cs typeface="+mn-cs"/>
-                          <a:sym typeface="Arial"/>
-                        </a:rPr>
-                        <a:t>Addition</a:t>
-                      </a:r>
-                      <a:endParaRPr lang="en-IN" dirty="0"/>
-                    </a:p>
-                  </a:txBody>
-                  <a:tcPr/>
-                </a:tc>
-                <a:tc>
-                  <a:txBody>
-                    <a:bodyPr/>
-                    <a:lstStyle/>
-                    <a:p>
-                      <a:r>
-                        <a:rPr lang="en-IN" dirty="0" smtClean="0"/>
-                        <a:t>10+20</a:t>
-                      </a:r>
-                      <a:endParaRPr lang="en-IN" dirty="0"/>
-                    </a:p>
-                  </a:txBody>
-                  <a:tcPr/>
-                </a:tc>
-              </a:tr>
-              <a:tr h="370840">
-                <a:tc>
-                  <a:txBody>
-                    <a:bodyPr/>
-                    <a:lstStyle/>
-                    <a:p>
-                      <a:pPr marL="0" marR="0" indent="0" algn="l" defTabSz="914400" rtl="0" eaLnBrk="1" fontAlgn="auto" latinLnBrk="0" hangingPunct="1">
-                        <a:lnSpc>
-                          <a:spcPct val="100000"/>
-                        </a:lnSpc>
-                        <a:spcBef>
-                          <a:spcPts val="0"/>
-                        </a:spcBef>
-                        <a:spcAft>
-                          <a:spcPts val="0"/>
-                        </a:spcAft>
-                        <a:buClr>
-                          <a:srgbClr val="000000"/>
-                        </a:buClr>
-                        <a:buSzTx/>
-                        <a:buFont typeface="Arial"/>
-                        <a:buNone/>
-                        <a:tabLst/>
-                        <a:defRPr/>
-                      </a:pPr>
-                      <a:r>
-                        <a:rPr lang="en-IN" sz="2000" dirty="0" smtClean="0"/>
-                        <a:t>- </a:t>
-                      </a:r>
-                      <a:endParaRPr lang="en-IN" sz="1400" dirty="0" smtClean="0"/>
-                    </a:p>
-                  </a:txBody>
-                  <a:tcPr/>
-                </a:tc>
-                <a:tc>
-                  <a:txBody>
-                    <a:bodyPr/>
-                    <a:lstStyle/>
-                    <a:p>
-                      <a:r>
-                        <a:rPr lang="en-IN" sz="1400" b="0" i="0" u="none" strike="noStrike" cap="none" dirty="0" smtClean="0">
-                          <a:solidFill>
-                            <a:schemeClr val="dk1"/>
-                          </a:solidFill>
-                          <a:latin typeface="+mn-lt"/>
-                          <a:ea typeface="+mn-ea"/>
-                          <a:cs typeface="+mn-cs"/>
-                          <a:sym typeface="Arial"/>
-                        </a:rPr>
-                        <a:t>Subtraction</a:t>
-                      </a:r>
-                      <a:endParaRPr lang="en-IN" dirty="0"/>
-                    </a:p>
-                  </a:txBody>
-                  <a:tcPr/>
-                </a:tc>
-                <a:tc>
-                  <a:txBody>
-                    <a:bodyPr/>
-                    <a:lstStyle/>
-                    <a:p>
-                      <a:r>
-                        <a:rPr lang="en-IN" dirty="0" smtClean="0"/>
-                        <a:t>10-3</a:t>
-                      </a:r>
-                      <a:endParaRPr lang="en-IN" dirty="0"/>
-                    </a:p>
-                  </a:txBody>
-                  <a:tcPr/>
-                </a:tc>
-              </a:tr>
-              <a:tr h="370840">
-                <a:tc>
-                  <a:txBody>
-                    <a:bodyPr/>
-                    <a:lstStyle/>
-                    <a:p>
-                      <a:pPr marL="0" marR="0" indent="0" algn="l" defTabSz="914400" rtl="0" eaLnBrk="1" fontAlgn="auto" latinLnBrk="0" hangingPunct="1">
-                        <a:lnSpc>
-                          <a:spcPct val="100000"/>
-                        </a:lnSpc>
-                        <a:spcBef>
-                          <a:spcPts val="0"/>
-                        </a:spcBef>
-                        <a:spcAft>
-                          <a:spcPts val="0"/>
-                        </a:spcAft>
-                        <a:buClr>
-                          <a:srgbClr val="000000"/>
-                        </a:buClr>
-                        <a:buSzTx/>
-                        <a:buFont typeface="Arial"/>
-                        <a:buNone/>
-                        <a:tabLst/>
-                        <a:defRPr/>
-                      </a:pPr>
-                      <a:r>
-                        <a:rPr lang="en-IN" sz="1400" dirty="0" smtClean="0"/>
-                        <a:t>*</a:t>
-                      </a:r>
-                    </a:p>
-                  </a:txBody>
-                  <a:tcPr/>
-                </a:tc>
-                <a:tc>
-                  <a:txBody>
-                    <a:bodyPr/>
-                    <a:lstStyle/>
-                    <a:p>
-                      <a:r>
-                        <a:rPr lang="en-IN" dirty="0" smtClean="0"/>
-                        <a:t>Multiplication</a:t>
-                      </a:r>
-                      <a:endParaRPr lang="en-IN" dirty="0"/>
-                    </a:p>
-                  </a:txBody>
-                  <a:tcPr/>
-                </a:tc>
-                <a:tc>
-                  <a:txBody>
-                    <a:bodyPr/>
-                    <a:lstStyle/>
-                    <a:p>
-                      <a:r>
-                        <a:rPr lang="en-IN" dirty="0" smtClean="0"/>
-                        <a:t>10*3</a:t>
-                      </a:r>
-                      <a:endParaRPr lang="en-IN" dirty="0"/>
-                    </a:p>
-                  </a:txBody>
-                  <a:tcPr/>
-                </a:tc>
-              </a:tr>
-              <a:tr h="370840">
-                <a:tc>
-                  <a:txBody>
-                    <a:bodyPr/>
-                    <a:lstStyle/>
-                    <a:p>
-                      <a:pPr marL="0" marR="0" indent="0" algn="l" defTabSz="914400" rtl="0" eaLnBrk="1" fontAlgn="auto" latinLnBrk="0" hangingPunct="1">
-                        <a:lnSpc>
-                          <a:spcPct val="100000"/>
-                        </a:lnSpc>
-                        <a:spcBef>
-                          <a:spcPts val="0"/>
-                        </a:spcBef>
-                        <a:spcAft>
-                          <a:spcPts val="0"/>
-                        </a:spcAft>
-                        <a:buClr>
-                          <a:srgbClr val="000000"/>
-                        </a:buClr>
-                        <a:buSzTx/>
-                        <a:buFont typeface="Arial"/>
-                        <a:buNone/>
-                        <a:tabLst/>
-                        <a:defRPr/>
-                      </a:pPr>
-                      <a:r>
-                        <a:rPr lang="en-IN" sz="1400" b="0" i="0" u="none" strike="noStrike" cap="none" dirty="0" smtClean="0">
-                          <a:solidFill>
-                            <a:schemeClr val="dk1"/>
-                          </a:solidFill>
-                          <a:latin typeface="+mn-lt"/>
-                          <a:ea typeface="+mn-ea"/>
-                          <a:cs typeface="+mn-cs"/>
-                          <a:sym typeface="Arial"/>
-                        </a:rPr>
-                        <a:t>/, %</a:t>
-                      </a:r>
-                      <a:endParaRPr lang="en-IN" sz="1400" dirty="0" smtClean="0"/>
-                    </a:p>
-                  </a:txBody>
-                  <a:tcPr/>
-                </a:tc>
-                <a:tc>
-                  <a:txBody>
-                    <a:bodyPr/>
-                    <a:lstStyle/>
-                    <a:p>
-                      <a:r>
-                        <a:rPr lang="en-IN" dirty="0" smtClean="0"/>
-                        <a:t>Division , Modulo</a:t>
-                      </a:r>
-                      <a:endParaRPr lang="en-IN" dirty="0"/>
-                    </a:p>
-                  </a:txBody>
-                  <a:tcPr/>
-                </a:tc>
-                <a:tc>
-                  <a:txBody>
-                    <a:bodyPr/>
-                    <a:lstStyle/>
-                    <a:p>
-                      <a:r>
-                        <a:rPr lang="en-IN" dirty="0" smtClean="0"/>
-                        <a:t>10/3    10%3</a:t>
-                      </a:r>
-                      <a:endParaRPr lang="en-IN" dirty="0"/>
-                    </a:p>
-                  </a:txBody>
-                  <a:tcPr/>
-                </a:tc>
-              </a:tr>
-              <a:tr h="370840">
-                <a:tc>
-                  <a:txBody>
-                    <a:bodyPr/>
-                    <a:lstStyle/>
-                    <a:p>
-                      <a:pPr marL="0" marR="0" indent="0" algn="l" defTabSz="914400" rtl="0" eaLnBrk="1" fontAlgn="auto" latinLnBrk="0" hangingPunct="1">
-                        <a:lnSpc>
-                          <a:spcPct val="100000"/>
-                        </a:lnSpc>
-                        <a:spcBef>
-                          <a:spcPts val="0"/>
-                        </a:spcBef>
-                        <a:spcAft>
-                          <a:spcPts val="0"/>
-                        </a:spcAft>
-                        <a:buClr>
-                          <a:srgbClr val="000000"/>
-                        </a:buClr>
-                        <a:buSzTx/>
-                        <a:buFont typeface="Arial"/>
-                        <a:buNone/>
-                        <a:tabLst/>
-                        <a:defRPr/>
-                      </a:pPr>
-                      <a:r>
-                        <a:rPr lang="en-IN" sz="1400" b="0" i="0" u="none" strike="noStrike" cap="none" dirty="0" smtClean="0">
-                          <a:solidFill>
-                            <a:schemeClr val="dk1"/>
-                          </a:solidFill>
-                          <a:latin typeface="+mn-lt"/>
-                          <a:ea typeface="+mn-ea"/>
-                          <a:cs typeface="+mn-cs"/>
-                          <a:sym typeface="Arial"/>
-                        </a:rPr>
-                        <a:t>//</a:t>
-                      </a:r>
-                      <a:endParaRPr lang="en-IN" sz="1400" dirty="0" smtClean="0"/>
-                    </a:p>
-                  </a:txBody>
-                  <a:tcPr/>
-                </a:tc>
-                <a:tc>
-                  <a:txBody>
-                    <a:bodyPr/>
-                    <a:lstStyle/>
-                    <a:p>
-                      <a:r>
-                        <a:rPr lang="en-IN" dirty="0" smtClean="0"/>
-                        <a:t>Truncation</a:t>
-                      </a:r>
-                      <a:r>
-                        <a:rPr lang="en-IN" baseline="0" dirty="0" smtClean="0"/>
-                        <a:t> Division</a:t>
-                      </a:r>
-                      <a:endParaRPr lang="en-IN" dirty="0"/>
-                    </a:p>
-                  </a:txBody>
-                  <a:tcPr/>
-                </a:tc>
-                <a:tc>
-                  <a:txBody>
-                    <a:bodyPr/>
-                    <a:lstStyle/>
-                    <a:p>
-                      <a:r>
-                        <a:rPr lang="en-IN" dirty="0" smtClean="0"/>
-                        <a:t>10//3</a:t>
-                      </a:r>
-                      <a:endParaRPr lang="en-IN" dirty="0"/>
-                    </a:p>
-                  </a:txBody>
-                  <a:tcPr/>
-                </a:tc>
-              </a:tr>
-            </a:tbl>
-          </a:graphicData>
-        </a:graphic>
-      </p:graphicFrame>
-    </p:spTree>
-  </p:cSld>
-  <p:clrMapOvr>
-    <a:masterClrMapping/>
-  </p:clrMapOvr>
 </p:sld>
 </file>
 
@@ -16164,22 +11804,7 @@
                 <a:cs typeface="Open Sans"/>
                 <a:sym typeface="Open Sans"/>
               </a:rPr>
-              <a:t>It is influenced by Modula 3 &amp; ABC Programming </a:t>
-            </a:r>
-            <a:r>
-              <a:rPr lang="en" sz="1750" dirty="0" smtClean="0">
-                <a:solidFill>
-                  <a:srgbClr val="000000"/>
-                </a:solidFill>
-                <a:highlight>
-                  <a:srgbClr val="FFFFFF"/>
-                </a:highlight>
-                <a:latin typeface="Open Sans"/>
-                <a:ea typeface="Open Sans"/>
-                <a:cs typeface="Open Sans"/>
-                <a:sym typeface="Open Sans"/>
-              </a:rPr>
-              <a:t>Language</a:t>
+              <a:t>It is influenced by Modula 3 &amp; ABC Programming Language</a:t>
             </a:r>
           </a:p>
           <a:p>
@@ -16212,13 +11837,6 @@
   <p:clrMapOvr>
     <a:masterClrMapping/>
   </p:clrMapOvr>
-  <p:timing>
-    <p:tnLst>
-      <p:par>
-        <p:cTn id="1" dur="indefinite" restart="never" nodeType="tmRoot"/>
-      </p:par>
-    </p:tnLst>
-  </p:timing>
 </p:sld>
 </file>
 
@@ -16463,19 +12081,7 @@
                 <a:cs typeface="Open Sans"/>
                 <a:sym typeface="Open Sans"/>
               </a:rPr>
-              <a:t>GUI Programming </a:t>
-            </a:r>
-            <a:r>
-              <a:rPr lang="en" sz="1550" dirty="0" smtClean="0">
-                <a:solidFill>
-                  <a:srgbClr val="000000"/>
-                </a:solidFill>
-                <a:latin typeface="Open Sans"/>
-                <a:ea typeface="Open Sans"/>
-                <a:cs typeface="Open Sans"/>
-                <a:sym typeface="Open Sans"/>
-              </a:rPr>
-              <a:t>(Tkinter)</a:t>
+              <a:t>GUI Programming (Tkinter)</a:t>
             </a:r>
             <a:endParaRPr sz="1550">
               <a:solidFill>
@@ -16574,13 +12180,6 @@
   <p:clrMapOvr>
     <a:masterClrMapping/>
   </p:clrMapOvr>
-  <p:timing>
-    <p:tnLst>
-      <p:par>
-        <p:cTn id="1" dur="indefinite" restart="never" nodeType="tmRoot"/>
-      </p:par>
-    </p:tnLst>
-  </p:timing>
 </p:sld>
 </file>
 
@@ -16810,13 +12409,6 @@
   <p:clrMapOvr>
     <a:masterClrMapping/>
   </p:clrMapOvr>
-  <p:timing>
-    <p:tnLst>
-      <p:par>
-        <p:cTn id="1" dur="indefinite" restart="never" nodeType="tmRoot"/>
-      </p:par>
-    </p:tnLst>
-  </p:timing>
 </p:sld>
 </file>
 
@@ -16872,7 +12464,7 @@
               <a:buNone/>
             </a:pPr>
             <a:r>
-              <a:rPr lang="en" dirty="0" smtClean="0"/>
+              <a:rPr lang="en" dirty="0"/>
               <a:t>Which Version ???</a:t>
             </a:r>
             <a:endParaRPr/>
@@ -16942,13 +12534,6 @@
   <p:clrMapOvr>
     <a:masterClrMapping/>
   </p:clrMapOvr>
-  <p:timing>
-    <p:tnLst>
-      <p:par>
-        <p:cTn id="1" dur="indefinite" restart="never" nodeType="tmRoot"/>
-      </p:par>
-    </p:tnLst>
-  </p:timing>
 </p:sld>
 </file>
 
@@ -17016,13 +12601,6 @@
   <p:clrMapOvr>
     <a:masterClrMapping/>
   </p:clrMapOvr>
-  <p:timing>
-    <p:tnLst>
-      <p:par>
-        <p:cTn id="1" dur="indefinite" restart="never" nodeType="tmRoot"/>
-      </p:par>
-    </p:tnLst>
-  </p:timing>
 </p:sld>
 </file>
 
